--- a/doc/系统架构.pptx
+++ b/doc/系统架构.pptx
@@ -7,6 +7,8 @@
   <p:sldIdLst>
     <p:sldId id="256" r:id="rId3"/>
     <p:sldId id="257" r:id="rId4"/>
+    <p:sldId id="258" r:id="rId5"/>
+    <p:sldId id="259" r:id="rId6"/>
   </p:sldIdLst>
   <p:sldSz cx="12192000" cy="6858000"/>
   <p:notesSz cx="6858000" cy="9144000"/>
@@ -2977,7 +2979,7 @@
         </p:nvSpPr>
         <p:spPr>
           <a:xfrm>
-            <a:off x="3592195" y="2272030"/>
+            <a:off x="3592195" y="1719580"/>
             <a:ext cx="968375" cy="374015"/>
           </a:xfrm>
           <a:prstGeom prst="roundRect">
@@ -3020,7 +3022,7 @@
         </p:nvSpPr>
         <p:spPr>
           <a:xfrm>
-            <a:off x="5138420" y="2272030"/>
+            <a:off x="5138420" y="1719580"/>
             <a:ext cx="1169670" cy="374015"/>
           </a:xfrm>
           <a:prstGeom prst="roundRect">
@@ -3063,7 +3065,7 @@
         </p:nvSpPr>
         <p:spPr>
           <a:xfrm>
-            <a:off x="6910705" y="2272030"/>
+            <a:off x="6910705" y="1719580"/>
             <a:ext cx="892175" cy="374015"/>
           </a:xfrm>
           <a:prstGeom prst="roundRect">
@@ -3106,7 +3108,7 @@
         </p:nvSpPr>
         <p:spPr>
           <a:xfrm>
-            <a:off x="5177155" y="3615055"/>
+            <a:off x="5177155" y="3062605"/>
             <a:ext cx="1092835" cy="373380"/>
           </a:xfrm>
           <a:prstGeom prst="rect">
@@ -3149,7 +3151,7 @@
         </p:nvSpPr>
         <p:spPr>
           <a:xfrm>
-            <a:off x="5005705" y="4957445"/>
+            <a:off x="5005705" y="4404995"/>
             <a:ext cx="1435100" cy="461010"/>
           </a:xfrm>
           <a:prstGeom prst="rect">
@@ -3192,7 +3194,7 @@
         </p:nvSpPr>
         <p:spPr>
           <a:xfrm>
-            <a:off x="7146925" y="4957445"/>
+            <a:off x="7146925" y="4404995"/>
             <a:ext cx="1435100" cy="461010"/>
           </a:xfrm>
           <a:prstGeom prst="rect">
@@ -3235,7 +3237,7 @@
         </p:nvSpPr>
         <p:spPr>
           <a:xfrm>
-            <a:off x="2721610" y="4957445"/>
+            <a:off x="2721610" y="4404995"/>
             <a:ext cx="1435100" cy="461010"/>
           </a:xfrm>
           <a:prstGeom prst="rect">
@@ -3310,7 +3312,7 @@
         </p:nvCxnSpPr>
         <p:spPr>
           <a:xfrm>
-            <a:off x="4076700" y="2646045"/>
+            <a:off x="4076700" y="2084070"/>
             <a:ext cx="1647190" cy="969010"/>
           </a:xfrm>
           <a:prstGeom prst="straightConnector1">
@@ -3346,7 +3348,7 @@
         </p:nvCxnSpPr>
         <p:spPr>
           <a:xfrm>
-            <a:off x="5723255" y="2646045"/>
+            <a:off x="5723255" y="2084070"/>
             <a:ext cx="635" cy="969010"/>
           </a:xfrm>
           <a:prstGeom prst="straightConnector1">
@@ -3382,7 +3384,7 @@
         </p:nvCxnSpPr>
         <p:spPr>
           <a:xfrm flipH="1">
-            <a:off x="5723890" y="2646045"/>
+            <a:off x="5723890" y="2084070"/>
             <a:ext cx="1633220" cy="969010"/>
           </a:xfrm>
           <a:prstGeom prst="straightConnector1">
@@ -3418,7 +3420,7 @@
         </p:nvCxnSpPr>
         <p:spPr>
           <a:xfrm flipH="1">
-            <a:off x="3439160" y="3988435"/>
+            <a:off x="3439160" y="3426460"/>
             <a:ext cx="2284730" cy="969010"/>
           </a:xfrm>
           <a:prstGeom prst="straightConnector1">
@@ -3454,7 +3456,7 @@
         </p:nvCxnSpPr>
         <p:spPr>
           <a:xfrm flipH="1">
-            <a:off x="5723255" y="3988435"/>
+            <a:off x="5723255" y="3426460"/>
             <a:ext cx="635" cy="969010"/>
           </a:xfrm>
           <a:prstGeom prst="straightConnector1">
@@ -3490,7 +3492,7 @@
         </p:nvCxnSpPr>
         <p:spPr>
           <a:xfrm>
-            <a:off x="5723890" y="3988435"/>
+            <a:off x="5723890" y="3426460"/>
             <a:ext cx="2140585" cy="969010"/>
           </a:xfrm>
           <a:prstGeom prst="straightConnector1">
@@ -3523,7 +3525,7 @@
         </p:nvSpPr>
         <p:spPr>
           <a:xfrm>
-            <a:off x="5005705" y="2946400"/>
+            <a:off x="5005705" y="2393950"/>
             <a:ext cx="1416685" cy="368300"/>
           </a:xfrm>
           <a:prstGeom prst="rect">
@@ -3552,7 +3554,7 @@
         </p:nvSpPr>
         <p:spPr>
           <a:xfrm>
-            <a:off x="5005705" y="4288790"/>
+            <a:off x="5005705" y="3736340"/>
             <a:ext cx="1416685" cy="368300"/>
           </a:xfrm>
           <a:prstGeom prst="rect">
@@ -3573,6 +3575,1212 @@
           </a:p>
         </p:txBody>
       </p:sp>
+      <p:sp>
+        <p:nvSpPr>
+          <p:cNvPr id="2" name="流程图: 磁盘 1"/>
+          <p:cNvSpPr/>
+          <p:nvPr/>
+        </p:nvSpPr>
+        <p:spPr>
+          <a:xfrm>
+            <a:off x="3055620" y="5445125"/>
+            <a:ext cx="766445" cy="792480"/>
+          </a:xfrm>
+          <a:prstGeom prst="flowChartMagneticDisk">
+            <a:avLst/>
+          </a:prstGeom>
+        </p:spPr>
+        <p:style>
+          <a:lnRef idx="2">
+            <a:schemeClr val="accent1">
+              <a:shade val="50000"/>
+            </a:schemeClr>
+          </a:lnRef>
+          <a:fillRef idx="1">
+            <a:schemeClr val="accent1"/>
+          </a:fillRef>
+          <a:effectRef idx="0">
+            <a:schemeClr val="accent1"/>
+          </a:effectRef>
+          <a:fontRef idx="minor">
+            <a:schemeClr val="lt1"/>
+          </a:fontRef>
+        </p:style>
+        <p:txBody>
+          <a:bodyPr rtlCol="0" anchor="ctr"/>
+          <a:p>
+            <a:pPr algn="ctr"/>
+            <a:r>
+              <a:rPr lang="en-US" altLang="zh-CN"/>
+              <a:t>user</a:t>
+            </a:r>
+            <a:endParaRPr lang="en-US" altLang="zh-CN"/>
+          </a:p>
+        </p:txBody>
+      </p:sp>
+      <p:sp>
+        <p:nvSpPr>
+          <p:cNvPr id="3" name="流程图: 磁盘 2"/>
+          <p:cNvSpPr/>
+          <p:nvPr/>
+        </p:nvSpPr>
+        <p:spPr>
+          <a:xfrm>
+            <a:off x="5340350" y="5445125"/>
+            <a:ext cx="766445" cy="792480"/>
+          </a:xfrm>
+          <a:prstGeom prst="flowChartMagneticDisk">
+            <a:avLst/>
+          </a:prstGeom>
+        </p:spPr>
+        <p:style>
+          <a:lnRef idx="2">
+            <a:schemeClr val="accent1">
+              <a:shade val="50000"/>
+            </a:schemeClr>
+          </a:lnRef>
+          <a:fillRef idx="1">
+            <a:schemeClr val="accent1"/>
+          </a:fillRef>
+          <a:effectRef idx="0">
+            <a:schemeClr val="accent1"/>
+          </a:effectRef>
+          <a:fontRef idx="minor">
+            <a:schemeClr val="lt1"/>
+          </a:fontRef>
+        </p:style>
+        <p:txBody>
+          <a:bodyPr rtlCol="0" anchor="ctr"/>
+          <a:p>
+            <a:pPr algn="ctr"/>
+            <a:r>
+              <a:rPr lang="en-US" altLang="zh-CN"/>
+              <a:t>misc</a:t>
+            </a:r>
+            <a:endParaRPr lang="en-US" altLang="zh-CN"/>
+          </a:p>
+        </p:txBody>
+      </p:sp>
+      <p:sp>
+        <p:nvSpPr>
+          <p:cNvPr id="14" name="流程图: 磁盘 13"/>
+          <p:cNvSpPr/>
+          <p:nvPr/>
+        </p:nvSpPr>
+        <p:spPr>
+          <a:xfrm>
+            <a:off x="7481570" y="5445125"/>
+            <a:ext cx="766445" cy="792480"/>
+          </a:xfrm>
+          <a:prstGeom prst="flowChartMagneticDisk">
+            <a:avLst/>
+          </a:prstGeom>
+        </p:spPr>
+        <p:style>
+          <a:lnRef idx="2">
+            <a:schemeClr val="accent1">
+              <a:shade val="50000"/>
+            </a:schemeClr>
+          </a:lnRef>
+          <a:fillRef idx="1">
+            <a:schemeClr val="accent1"/>
+          </a:fillRef>
+          <a:effectRef idx="0">
+            <a:schemeClr val="accent1"/>
+          </a:effectRef>
+          <a:fontRef idx="minor">
+            <a:schemeClr val="lt1"/>
+          </a:fontRef>
+        </p:style>
+        <p:txBody>
+          <a:bodyPr rtlCol="0" anchor="ctr"/>
+          <a:p>
+            <a:pPr algn="ctr"/>
+            <a:r>
+              <a:rPr lang="en-US" altLang="zh-CN"/>
+              <a:t>order</a:t>
+            </a:r>
+            <a:endParaRPr lang="en-US" altLang="zh-CN"/>
+          </a:p>
+        </p:txBody>
+      </p:sp>
+      <p:cxnSp>
+        <p:nvCxnSpPr>
+          <p:cNvPr id="21" name="直接箭头连接符 20"/>
+          <p:cNvCxnSpPr>
+            <a:stCxn id="10" idx="2"/>
+            <a:endCxn id="2" idx="1"/>
+          </p:cNvCxnSpPr>
+          <p:nvPr/>
+        </p:nvCxnSpPr>
+        <p:spPr>
+          <a:xfrm>
+            <a:off x="3439160" y="4866005"/>
+            <a:ext cx="0" cy="579120"/>
+          </a:xfrm>
+          <a:prstGeom prst="straightConnector1">
+            <a:avLst/>
+          </a:prstGeom>
+          <a:ln>
+            <a:tailEnd type="arrow"/>
+          </a:ln>
+        </p:spPr>
+        <p:style>
+          <a:lnRef idx="1">
+            <a:schemeClr val="accent1"/>
+          </a:lnRef>
+          <a:fillRef idx="0">
+            <a:schemeClr val="accent1"/>
+          </a:fillRef>
+          <a:effectRef idx="0">
+            <a:schemeClr val="accent1"/>
+          </a:effectRef>
+          <a:fontRef idx="minor">
+            <a:schemeClr val="tx1"/>
+          </a:fontRef>
+        </p:style>
+      </p:cxnSp>
+      <p:cxnSp>
+        <p:nvCxnSpPr>
+          <p:cNvPr id="22" name="直接箭头连接符 21"/>
+          <p:cNvCxnSpPr>
+            <a:stCxn id="8" idx="2"/>
+            <a:endCxn id="3" idx="1"/>
+          </p:cNvCxnSpPr>
+          <p:nvPr/>
+        </p:nvCxnSpPr>
+        <p:spPr>
+          <a:xfrm>
+            <a:off x="5723255" y="4866005"/>
+            <a:ext cx="635" cy="579120"/>
+          </a:xfrm>
+          <a:prstGeom prst="straightConnector1">
+            <a:avLst/>
+          </a:prstGeom>
+          <a:ln>
+            <a:tailEnd type="arrow"/>
+          </a:ln>
+        </p:spPr>
+        <p:style>
+          <a:lnRef idx="1">
+            <a:schemeClr val="accent1"/>
+          </a:lnRef>
+          <a:fillRef idx="0">
+            <a:schemeClr val="accent1"/>
+          </a:fillRef>
+          <a:effectRef idx="0">
+            <a:schemeClr val="accent1"/>
+          </a:effectRef>
+          <a:fontRef idx="minor">
+            <a:schemeClr val="tx1"/>
+          </a:fontRef>
+        </p:style>
+      </p:cxnSp>
+      <p:cxnSp>
+        <p:nvCxnSpPr>
+          <p:cNvPr id="23" name="直接箭头连接符 22"/>
+          <p:cNvCxnSpPr>
+            <a:stCxn id="9" idx="2"/>
+            <a:endCxn id="14" idx="1"/>
+          </p:cNvCxnSpPr>
+          <p:nvPr/>
+        </p:nvCxnSpPr>
+        <p:spPr>
+          <a:xfrm>
+            <a:off x="7864475" y="4866005"/>
+            <a:ext cx="635" cy="579120"/>
+          </a:xfrm>
+          <a:prstGeom prst="straightConnector1">
+            <a:avLst/>
+          </a:prstGeom>
+          <a:ln>
+            <a:tailEnd type="arrow"/>
+          </a:ln>
+        </p:spPr>
+        <p:style>
+          <a:lnRef idx="1">
+            <a:schemeClr val="accent1"/>
+          </a:lnRef>
+          <a:fillRef idx="0">
+            <a:schemeClr val="accent1"/>
+          </a:fillRef>
+          <a:effectRef idx="0">
+            <a:schemeClr val="accent1"/>
+          </a:effectRef>
+          <a:fontRef idx="minor">
+            <a:schemeClr val="tx1"/>
+          </a:fontRef>
+        </p:style>
+      </p:cxnSp>
+    </p:spTree>
+  </p:cSld>
+  <p:clrMapOvr>
+    <a:masterClrMapping/>
+  </p:clrMapOvr>
+</p:sld>
+</file>
+
+<file path=ppt/slides/slide3.xml><?xml version="1.0" encoding="utf-8"?>
+<p:sld xmlns:a="http://schemas.openxmlformats.org/drawingml/2006/main" xmlns:r="http://schemas.openxmlformats.org/officeDocument/2006/relationships" xmlns:p="http://schemas.openxmlformats.org/presentationml/2006/main">
+  <p:cSld>
+    <p:spTree>
+      <p:nvGrpSpPr>
+        <p:cNvPr id="1" name=""/>
+        <p:cNvGrpSpPr/>
+        <p:nvPr/>
+      </p:nvGrpSpPr>
+      <p:grpSpPr/>
+      <p:sp>
+        <p:nvSpPr>
+          <p:cNvPr id="2" name="标题 1"/>
+          <p:cNvSpPr>
+            <a:spLocks noGrp="1"/>
+          </p:cNvSpPr>
+          <p:nvPr>
+            <p:ph type="title"/>
+          </p:nvPr>
+        </p:nvSpPr>
+        <p:spPr/>
+        <p:txBody>
+          <a:bodyPr/>
+          <a:p>
+            <a:r>
+              <a:rPr lang="zh-CN" altLang="en-US"/>
+              <a:t>依赖关系</a:t>
+            </a:r>
+            <a:endParaRPr lang="zh-CN" altLang="en-US"/>
+          </a:p>
+        </p:txBody>
+      </p:sp>
+      <p:sp>
+        <p:nvSpPr>
+          <p:cNvPr id="4" name="流程图: 过程 3"/>
+          <p:cNvSpPr/>
+          <p:nvPr/>
+        </p:nvSpPr>
+        <p:spPr>
+          <a:xfrm>
+            <a:off x="8623935" y="1026160"/>
+            <a:ext cx="1687195" cy="287020"/>
+          </a:xfrm>
+          <a:prstGeom prst="flowChartProcess">
+            <a:avLst/>
+          </a:prstGeom>
+        </p:spPr>
+        <p:style>
+          <a:lnRef idx="2">
+            <a:schemeClr val="accent1">
+              <a:shade val="50000"/>
+            </a:schemeClr>
+          </a:lnRef>
+          <a:fillRef idx="1">
+            <a:schemeClr val="accent1"/>
+          </a:fillRef>
+          <a:effectRef idx="0">
+            <a:schemeClr val="accent1"/>
+          </a:effectRef>
+          <a:fontRef idx="minor">
+            <a:schemeClr val="lt1"/>
+          </a:fontRef>
+        </p:style>
+        <p:txBody>
+          <a:bodyPr rtlCol="0" anchor="ctr"/>
+          <a:p>
+            <a:pPr algn="ctr"/>
+            <a:r>
+              <a:rPr lang="en-US" altLang="zh-CN" sz="1400"/>
+              <a:t>aiwan-common</a:t>
+            </a:r>
+            <a:endParaRPr lang="en-US" altLang="zh-CN" sz="1400"/>
+          </a:p>
+        </p:txBody>
+      </p:sp>
+      <p:sp>
+        <p:nvSpPr>
+          <p:cNvPr id="5" name="流程图: 过程 4"/>
+          <p:cNvSpPr/>
+          <p:nvPr/>
+        </p:nvSpPr>
+        <p:spPr>
+          <a:xfrm>
+            <a:off x="7503795" y="2595245"/>
+            <a:ext cx="1687195" cy="287020"/>
+          </a:xfrm>
+          <a:prstGeom prst="flowChartProcess">
+            <a:avLst/>
+          </a:prstGeom>
+        </p:spPr>
+        <p:style>
+          <a:lnRef idx="2">
+            <a:schemeClr val="accent1">
+              <a:shade val="50000"/>
+            </a:schemeClr>
+          </a:lnRef>
+          <a:fillRef idx="1">
+            <a:schemeClr val="accent1"/>
+          </a:fillRef>
+          <a:effectRef idx="0">
+            <a:schemeClr val="accent1"/>
+          </a:effectRef>
+          <a:fontRef idx="minor">
+            <a:schemeClr val="lt1"/>
+          </a:fontRef>
+        </p:style>
+        <p:txBody>
+          <a:bodyPr rtlCol="0" anchor="ctr"/>
+          <a:p>
+            <a:pPr algn="ctr"/>
+            <a:r>
+              <a:rPr lang="en-US" altLang="zh-CN" sz="1400"/>
+              <a:t>aiwan-core</a:t>
+            </a:r>
+            <a:endParaRPr lang="en-US" altLang="zh-CN" sz="1400"/>
+          </a:p>
+        </p:txBody>
+      </p:sp>
+      <p:sp>
+        <p:nvSpPr>
+          <p:cNvPr id="6" name="流程图: 过程 5"/>
+          <p:cNvSpPr/>
+          <p:nvPr/>
+        </p:nvSpPr>
+        <p:spPr>
+          <a:xfrm>
+            <a:off x="490855" y="5480050"/>
+            <a:ext cx="1687195" cy="287020"/>
+          </a:xfrm>
+          <a:prstGeom prst="flowChartProcess">
+            <a:avLst/>
+          </a:prstGeom>
+        </p:spPr>
+        <p:style>
+          <a:lnRef idx="2">
+            <a:schemeClr val="accent1">
+              <a:shade val="50000"/>
+            </a:schemeClr>
+          </a:lnRef>
+          <a:fillRef idx="1">
+            <a:schemeClr val="accent1"/>
+          </a:fillRef>
+          <a:effectRef idx="0">
+            <a:schemeClr val="accent1"/>
+          </a:effectRef>
+          <a:fontRef idx="minor">
+            <a:schemeClr val="lt1"/>
+          </a:fontRef>
+        </p:style>
+        <p:txBody>
+          <a:bodyPr rtlCol="0" anchor="ctr"/>
+          <a:p>
+            <a:pPr algn="ctr"/>
+            <a:r>
+              <a:rPr lang="en-US" altLang="zh-CN" sz="1400"/>
+              <a:t>aiwan-web-auth</a:t>
+            </a:r>
+            <a:endParaRPr lang="en-US" altLang="zh-CN" sz="1400"/>
+          </a:p>
+        </p:txBody>
+      </p:sp>
+      <p:sp>
+        <p:nvSpPr>
+          <p:cNvPr id="7" name="流程图: 过程 6"/>
+          <p:cNvSpPr/>
+          <p:nvPr/>
+        </p:nvSpPr>
+        <p:spPr>
+          <a:xfrm>
+            <a:off x="3087370" y="5480050"/>
+            <a:ext cx="1687195" cy="287020"/>
+          </a:xfrm>
+          <a:prstGeom prst="flowChartProcess">
+            <a:avLst/>
+          </a:prstGeom>
+        </p:spPr>
+        <p:style>
+          <a:lnRef idx="2">
+            <a:schemeClr val="accent1">
+              <a:shade val="50000"/>
+            </a:schemeClr>
+          </a:lnRef>
+          <a:fillRef idx="1">
+            <a:schemeClr val="accent1"/>
+          </a:fillRef>
+          <a:effectRef idx="0">
+            <a:schemeClr val="accent1"/>
+          </a:effectRef>
+          <a:fontRef idx="minor">
+            <a:schemeClr val="lt1"/>
+          </a:fontRef>
+        </p:style>
+        <p:txBody>
+          <a:bodyPr rtlCol="0" anchor="ctr"/>
+          <a:p>
+            <a:pPr algn="ctr"/>
+            <a:r>
+              <a:rPr lang="en-US" altLang="zh-CN" sz="1400"/>
+              <a:t>aiwan-web-crm</a:t>
+            </a:r>
+            <a:endParaRPr lang="en-US" altLang="zh-CN" sz="1400"/>
+          </a:p>
+        </p:txBody>
+      </p:sp>
+      <p:sp>
+        <p:nvSpPr>
+          <p:cNvPr id="8" name="流程图: 过程 7"/>
+          <p:cNvSpPr/>
+          <p:nvPr/>
+        </p:nvSpPr>
+        <p:spPr>
+          <a:xfrm>
+            <a:off x="9845675" y="2595245"/>
+            <a:ext cx="1925955" cy="287020"/>
+          </a:xfrm>
+          <a:prstGeom prst="flowChartProcess">
+            <a:avLst/>
+          </a:prstGeom>
+        </p:spPr>
+        <p:style>
+          <a:lnRef idx="2">
+            <a:schemeClr val="accent1">
+              <a:shade val="50000"/>
+            </a:schemeClr>
+          </a:lnRef>
+          <a:fillRef idx="1">
+            <a:schemeClr val="accent1"/>
+          </a:fillRef>
+          <a:effectRef idx="0">
+            <a:schemeClr val="accent1"/>
+          </a:effectRef>
+          <a:fontRef idx="minor">
+            <a:schemeClr val="lt1"/>
+          </a:fontRef>
+        </p:style>
+        <p:txBody>
+          <a:bodyPr rtlCol="0" anchor="ctr"/>
+          <a:p>
+            <a:pPr algn="ctr"/>
+            <a:r>
+              <a:rPr lang="en-US" altLang="zh-CN" sz="1400"/>
+              <a:t>aiwan-microsvr-api</a:t>
+            </a:r>
+            <a:endParaRPr lang="en-US" altLang="zh-CN" sz="1400"/>
+          </a:p>
+        </p:txBody>
+      </p:sp>
+      <p:sp>
+        <p:nvSpPr>
+          <p:cNvPr id="9" name="流程图: 过程 8"/>
+          <p:cNvSpPr/>
+          <p:nvPr/>
+        </p:nvSpPr>
+        <p:spPr>
+          <a:xfrm>
+            <a:off x="2848610" y="2595245"/>
+            <a:ext cx="1925955" cy="287020"/>
+          </a:xfrm>
+          <a:prstGeom prst="flowChartProcess">
+            <a:avLst/>
+          </a:prstGeom>
+        </p:spPr>
+        <p:style>
+          <a:lnRef idx="2">
+            <a:schemeClr val="accent1">
+              <a:shade val="50000"/>
+            </a:schemeClr>
+          </a:lnRef>
+          <a:fillRef idx="1">
+            <a:schemeClr val="accent1"/>
+          </a:fillRef>
+          <a:effectRef idx="0">
+            <a:schemeClr val="accent1"/>
+          </a:effectRef>
+          <a:fontRef idx="minor">
+            <a:schemeClr val="lt1"/>
+          </a:fontRef>
+        </p:style>
+        <p:txBody>
+          <a:bodyPr rtlCol="0" anchor="ctr"/>
+          <a:p>
+            <a:pPr algn="ctr"/>
+            <a:r>
+              <a:rPr lang="en-US" altLang="zh-CN" sz="1400"/>
+              <a:t>aiwan-starter-monitor</a:t>
+            </a:r>
+            <a:endParaRPr lang="en-US" altLang="zh-CN" sz="1400"/>
+          </a:p>
+        </p:txBody>
+      </p:sp>
+      <p:sp>
+        <p:nvSpPr>
+          <p:cNvPr id="10" name="流程图: 过程 9"/>
+          <p:cNvSpPr/>
+          <p:nvPr/>
+        </p:nvSpPr>
+        <p:spPr>
+          <a:xfrm>
+            <a:off x="5224145" y="2595245"/>
+            <a:ext cx="1925955" cy="287020"/>
+          </a:xfrm>
+          <a:prstGeom prst="flowChartProcess">
+            <a:avLst/>
+          </a:prstGeom>
+        </p:spPr>
+        <p:style>
+          <a:lnRef idx="2">
+            <a:schemeClr val="accent1">
+              <a:shade val="50000"/>
+            </a:schemeClr>
+          </a:lnRef>
+          <a:fillRef idx="1">
+            <a:schemeClr val="accent1"/>
+          </a:fillRef>
+          <a:effectRef idx="0">
+            <a:schemeClr val="accent1"/>
+          </a:effectRef>
+          <a:fontRef idx="minor">
+            <a:schemeClr val="lt1"/>
+          </a:fontRef>
+        </p:style>
+        <p:txBody>
+          <a:bodyPr rtlCol="0" anchor="ctr"/>
+          <a:p>
+            <a:pPr algn="ctr"/>
+            <a:r>
+              <a:rPr lang="en-US" altLang="zh-CN" sz="1400"/>
+              <a:t>aiwan-starter-oauth2</a:t>
+            </a:r>
+            <a:endParaRPr lang="en-US" altLang="zh-CN" sz="1400"/>
+          </a:p>
+        </p:txBody>
+      </p:sp>
+      <p:sp>
+        <p:nvSpPr>
+          <p:cNvPr id="11" name="流程图: 过程 10"/>
+          <p:cNvSpPr/>
+          <p:nvPr/>
+        </p:nvSpPr>
+        <p:spPr>
+          <a:xfrm>
+            <a:off x="428625" y="2595245"/>
+            <a:ext cx="1925955" cy="287020"/>
+          </a:xfrm>
+          <a:prstGeom prst="flowChartProcess">
+            <a:avLst/>
+          </a:prstGeom>
+        </p:spPr>
+        <p:style>
+          <a:lnRef idx="2">
+            <a:schemeClr val="accent1">
+              <a:shade val="50000"/>
+            </a:schemeClr>
+          </a:lnRef>
+          <a:fillRef idx="1">
+            <a:schemeClr val="accent1"/>
+          </a:fillRef>
+          <a:effectRef idx="0">
+            <a:schemeClr val="accent1"/>
+          </a:effectRef>
+          <a:fontRef idx="minor">
+            <a:schemeClr val="lt1"/>
+          </a:fontRef>
+        </p:style>
+        <p:txBody>
+          <a:bodyPr rtlCol="0" anchor="ctr"/>
+          <a:p>
+            <a:pPr algn="ctr"/>
+            <a:r>
+              <a:rPr lang="en-US" altLang="zh-CN" sz="1400"/>
+              <a:t>aiwan-starter-swagger2</a:t>
+            </a:r>
+            <a:endParaRPr lang="en-US" altLang="zh-CN" sz="1400"/>
+          </a:p>
+        </p:txBody>
+      </p:sp>
+      <p:sp>
+        <p:nvSpPr>
+          <p:cNvPr id="12" name="流程图: 过程 11"/>
+          <p:cNvSpPr/>
+          <p:nvPr/>
+        </p:nvSpPr>
+        <p:spPr>
+          <a:xfrm>
+            <a:off x="9624060" y="5393690"/>
+            <a:ext cx="1925955" cy="287020"/>
+          </a:xfrm>
+          <a:prstGeom prst="flowChartProcess">
+            <a:avLst/>
+          </a:prstGeom>
+        </p:spPr>
+        <p:style>
+          <a:lnRef idx="2">
+            <a:schemeClr val="accent1">
+              <a:shade val="50000"/>
+            </a:schemeClr>
+          </a:lnRef>
+          <a:fillRef idx="1">
+            <a:schemeClr val="accent1"/>
+          </a:fillRef>
+          <a:effectRef idx="0">
+            <a:schemeClr val="accent1"/>
+          </a:effectRef>
+          <a:fontRef idx="minor">
+            <a:schemeClr val="lt1"/>
+          </a:fontRef>
+        </p:style>
+        <p:txBody>
+          <a:bodyPr rtlCol="0" anchor="ctr"/>
+          <a:p>
+            <a:pPr algn="ctr"/>
+            <a:r>
+              <a:rPr lang="en-US" altLang="zh-CN" sz="1400"/>
+              <a:t>aiwan-microsvr-order</a:t>
+            </a:r>
+            <a:endParaRPr lang="en-US" altLang="zh-CN" sz="1400"/>
+          </a:p>
+        </p:txBody>
+      </p:sp>
+      <p:sp>
+        <p:nvSpPr>
+          <p:cNvPr id="13" name="流程图: 过程 12"/>
+          <p:cNvSpPr/>
+          <p:nvPr/>
+        </p:nvSpPr>
+        <p:spPr>
+          <a:xfrm>
+            <a:off x="6540500" y="5393690"/>
+            <a:ext cx="1925955" cy="287020"/>
+          </a:xfrm>
+          <a:prstGeom prst="flowChartProcess">
+            <a:avLst/>
+          </a:prstGeom>
+        </p:spPr>
+        <p:style>
+          <a:lnRef idx="2">
+            <a:schemeClr val="accent1">
+              <a:shade val="50000"/>
+            </a:schemeClr>
+          </a:lnRef>
+          <a:fillRef idx="1">
+            <a:schemeClr val="accent1"/>
+          </a:fillRef>
+          <a:effectRef idx="0">
+            <a:schemeClr val="accent1"/>
+          </a:effectRef>
+          <a:fontRef idx="minor">
+            <a:schemeClr val="lt1"/>
+          </a:fontRef>
+        </p:style>
+        <p:txBody>
+          <a:bodyPr rtlCol="0" anchor="ctr"/>
+          <a:p>
+            <a:pPr algn="ctr"/>
+            <a:r>
+              <a:rPr lang="en-US" altLang="zh-CN" sz="1400"/>
+              <a:t>aiwan-microsvr-misc</a:t>
+            </a:r>
+            <a:endParaRPr lang="en-US" altLang="zh-CN" sz="1400"/>
+          </a:p>
+        </p:txBody>
+      </p:sp>
+      <p:cxnSp>
+        <p:nvCxnSpPr>
+          <p:cNvPr id="14" name="直接箭头连接符 13"/>
+          <p:cNvCxnSpPr>
+            <a:stCxn id="5" idx="0"/>
+            <a:endCxn id="4" idx="2"/>
+          </p:cNvCxnSpPr>
+          <p:nvPr/>
+        </p:nvCxnSpPr>
+        <p:spPr>
+          <a:xfrm flipV="1">
+            <a:off x="8347710" y="1313180"/>
+            <a:ext cx="1120140" cy="1282065"/>
+          </a:xfrm>
+          <a:prstGeom prst="straightConnector1">
+            <a:avLst/>
+          </a:prstGeom>
+          <a:ln>
+            <a:tailEnd type="arrow"/>
+          </a:ln>
+        </p:spPr>
+        <p:style>
+          <a:lnRef idx="1">
+            <a:schemeClr val="accent1"/>
+          </a:lnRef>
+          <a:fillRef idx="0">
+            <a:schemeClr val="accent1"/>
+          </a:fillRef>
+          <a:effectRef idx="0">
+            <a:schemeClr val="accent1"/>
+          </a:effectRef>
+          <a:fontRef idx="minor">
+            <a:schemeClr val="tx1"/>
+          </a:fontRef>
+        </p:style>
+      </p:cxnSp>
+      <p:cxnSp>
+        <p:nvCxnSpPr>
+          <p:cNvPr id="15" name="直接箭头连接符 14"/>
+          <p:cNvCxnSpPr>
+            <a:stCxn id="8" idx="0"/>
+            <a:endCxn id="4" idx="2"/>
+          </p:cNvCxnSpPr>
+          <p:nvPr/>
+        </p:nvCxnSpPr>
+        <p:spPr>
+          <a:xfrm flipH="1" flipV="1">
+            <a:off x="9467850" y="1313180"/>
+            <a:ext cx="1341120" cy="1282065"/>
+          </a:xfrm>
+          <a:prstGeom prst="straightConnector1">
+            <a:avLst/>
+          </a:prstGeom>
+          <a:ln>
+            <a:tailEnd type="arrow"/>
+          </a:ln>
+        </p:spPr>
+        <p:style>
+          <a:lnRef idx="1">
+            <a:schemeClr val="accent1"/>
+          </a:lnRef>
+          <a:fillRef idx="0">
+            <a:schemeClr val="accent1"/>
+          </a:fillRef>
+          <a:effectRef idx="0">
+            <a:schemeClr val="accent1"/>
+          </a:effectRef>
+          <a:fontRef idx="minor">
+            <a:schemeClr val="tx1"/>
+          </a:fontRef>
+        </p:style>
+      </p:cxnSp>
+      <p:cxnSp>
+        <p:nvCxnSpPr>
+          <p:cNvPr id="16" name="直接箭头连接符 15"/>
+          <p:cNvCxnSpPr>
+            <a:stCxn id="13" idx="0"/>
+            <a:endCxn id="11" idx="2"/>
+          </p:cNvCxnSpPr>
+          <p:nvPr/>
+        </p:nvCxnSpPr>
+        <p:spPr>
+          <a:xfrm flipH="1" flipV="1">
+            <a:off x="1391920" y="2882265"/>
+            <a:ext cx="6111875" cy="2511425"/>
+          </a:xfrm>
+          <a:prstGeom prst="straightConnector1">
+            <a:avLst/>
+          </a:prstGeom>
+          <a:ln>
+            <a:tailEnd type="arrow"/>
+          </a:ln>
+        </p:spPr>
+        <p:style>
+          <a:lnRef idx="1">
+            <a:schemeClr val="accent1"/>
+          </a:lnRef>
+          <a:fillRef idx="0">
+            <a:schemeClr val="accent1"/>
+          </a:fillRef>
+          <a:effectRef idx="0">
+            <a:schemeClr val="accent1"/>
+          </a:effectRef>
+          <a:fontRef idx="minor">
+            <a:schemeClr val="tx1"/>
+          </a:fontRef>
+        </p:style>
+      </p:cxnSp>
+      <p:cxnSp>
+        <p:nvCxnSpPr>
+          <p:cNvPr id="17" name="直接箭头连接符 16"/>
+          <p:cNvCxnSpPr>
+            <a:stCxn id="13" idx="0"/>
+            <a:endCxn id="10" idx="2"/>
+          </p:cNvCxnSpPr>
+          <p:nvPr/>
+        </p:nvCxnSpPr>
+        <p:spPr>
+          <a:xfrm flipH="1" flipV="1">
+            <a:off x="6187440" y="2882265"/>
+            <a:ext cx="1316355" cy="2511425"/>
+          </a:xfrm>
+          <a:prstGeom prst="straightConnector1">
+            <a:avLst/>
+          </a:prstGeom>
+          <a:ln>
+            <a:tailEnd type="arrow"/>
+          </a:ln>
+        </p:spPr>
+        <p:style>
+          <a:lnRef idx="1">
+            <a:schemeClr val="accent1"/>
+          </a:lnRef>
+          <a:fillRef idx="0">
+            <a:schemeClr val="accent1"/>
+          </a:fillRef>
+          <a:effectRef idx="0">
+            <a:schemeClr val="accent1"/>
+          </a:effectRef>
+          <a:fontRef idx="minor">
+            <a:schemeClr val="tx1"/>
+          </a:fontRef>
+        </p:style>
+      </p:cxnSp>
+      <p:cxnSp>
+        <p:nvCxnSpPr>
+          <p:cNvPr id="18" name="直接箭头连接符 17"/>
+          <p:cNvCxnSpPr>
+            <a:stCxn id="12" idx="0"/>
+            <a:endCxn id="9" idx="2"/>
+          </p:cNvCxnSpPr>
+          <p:nvPr/>
+        </p:nvCxnSpPr>
+        <p:spPr>
+          <a:xfrm flipH="1" flipV="1">
+            <a:off x="3811905" y="2882265"/>
+            <a:ext cx="6775450" cy="2511425"/>
+          </a:xfrm>
+          <a:prstGeom prst="straightConnector1">
+            <a:avLst/>
+          </a:prstGeom>
+          <a:ln>
+            <a:tailEnd type="arrow"/>
+          </a:ln>
+        </p:spPr>
+        <p:style>
+          <a:lnRef idx="1">
+            <a:schemeClr val="accent1"/>
+          </a:lnRef>
+          <a:fillRef idx="0">
+            <a:schemeClr val="accent1"/>
+          </a:fillRef>
+          <a:effectRef idx="0">
+            <a:schemeClr val="accent1"/>
+          </a:effectRef>
+          <a:fontRef idx="minor">
+            <a:schemeClr val="tx1"/>
+          </a:fontRef>
+        </p:style>
+      </p:cxnSp>
+      <p:cxnSp>
+        <p:nvCxnSpPr>
+          <p:cNvPr id="20" name="直接箭头连接符 19"/>
+          <p:cNvCxnSpPr>
+            <a:stCxn id="12" idx="0"/>
+            <a:endCxn id="11" idx="2"/>
+          </p:cNvCxnSpPr>
+          <p:nvPr/>
+        </p:nvCxnSpPr>
+        <p:spPr>
+          <a:xfrm flipH="1" flipV="1">
+            <a:off x="1391920" y="2882265"/>
+            <a:ext cx="9195435" cy="2511425"/>
+          </a:xfrm>
+          <a:prstGeom prst="straightConnector1">
+            <a:avLst/>
+          </a:prstGeom>
+          <a:ln>
+            <a:tailEnd type="arrow"/>
+          </a:ln>
+        </p:spPr>
+        <p:style>
+          <a:lnRef idx="1">
+            <a:schemeClr val="accent1"/>
+          </a:lnRef>
+          <a:fillRef idx="0">
+            <a:schemeClr val="accent1"/>
+          </a:fillRef>
+          <a:effectRef idx="0">
+            <a:schemeClr val="accent1"/>
+          </a:effectRef>
+          <a:fontRef idx="minor">
+            <a:schemeClr val="tx1"/>
+          </a:fontRef>
+        </p:style>
+      </p:cxnSp>
+      <p:cxnSp>
+        <p:nvCxnSpPr>
+          <p:cNvPr id="21" name="直接箭头连接符 20"/>
+          <p:cNvCxnSpPr>
+            <a:stCxn id="12" idx="0"/>
+            <a:endCxn id="10" idx="2"/>
+          </p:cNvCxnSpPr>
+          <p:nvPr/>
+        </p:nvCxnSpPr>
+        <p:spPr>
+          <a:xfrm flipH="1" flipV="1">
+            <a:off x="6187440" y="2882265"/>
+            <a:ext cx="4399915" cy="2511425"/>
+          </a:xfrm>
+          <a:prstGeom prst="straightConnector1">
+            <a:avLst/>
+          </a:prstGeom>
+          <a:ln>
+            <a:tailEnd type="arrow"/>
+          </a:ln>
+        </p:spPr>
+        <p:style>
+          <a:lnRef idx="1">
+            <a:schemeClr val="accent1"/>
+          </a:lnRef>
+          <a:fillRef idx="0">
+            <a:schemeClr val="accent1"/>
+          </a:fillRef>
+          <a:effectRef idx="0">
+            <a:schemeClr val="accent1"/>
+          </a:effectRef>
+          <a:fontRef idx="minor">
+            <a:schemeClr val="tx1"/>
+          </a:fontRef>
+        </p:style>
+      </p:cxnSp>
+      <p:cxnSp>
+        <p:nvCxnSpPr>
+          <p:cNvPr id="24" name="直接箭头连接符 23"/>
+          <p:cNvCxnSpPr>
+            <a:stCxn id="12" idx="0"/>
+            <a:endCxn id="8" idx="2"/>
+          </p:cNvCxnSpPr>
+          <p:nvPr/>
+        </p:nvCxnSpPr>
+        <p:spPr>
+          <a:xfrm flipV="1">
+            <a:off x="10587355" y="2882265"/>
+            <a:ext cx="221615" cy="2511425"/>
+          </a:xfrm>
+          <a:prstGeom prst="straightConnector1">
+            <a:avLst/>
+          </a:prstGeom>
+          <a:ln>
+            <a:tailEnd type="arrow"/>
+          </a:ln>
+        </p:spPr>
+        <p:style>
+          <a:lnRef idx="1">
+            <a:schemeClr val="accent1"/>
+          </a:lnRef>
+          <a:fillRef idx="0">
+            <a:schemeClr val="accent1"/>
+          </a:fillRef>
+          <a:effectRef idx="0">
+            <a:schemeClr val="accent1"/>
+          </a:effectRef>
+          <a:fontRef idx="minor">
+            <a:schemeClr val="tx1"/>
+          </a:fontRef>
+        </p:style>
+      </p:cxnSp>
+      <p:cxnSp>
+        <p:nvCxnSpPr>
+          <p:cNvPr id="26" name="直接箭头连接符 25"/>
+          <p:cNvCxnSpPr>
+            <a:stCxn id="13" idx="0"/>
+            <a:endCxn id="8" idx="2"/>
+          </p:cNvCxnSpPr>
+          <p:nvPr/>
+        </p:nvCxnSpPr>
+        <p:spPr>
+          <a:xfrm flipV="1">
+            <a:off x="7503795" y="2882265"/>
+            <a:ext cx="3305175" cy="2511425"/>
+          </a:xfrm>
+          <a:prstGeom prst="straightConnector1">
+            <a:avLst/>
+          </a:prstGeom>
+          <a:ln>
+            <a:tailEnd type="arrow"/>
+          </a:ln>
+        </p:spPr>
+        <p:style>
+          <a:lnRef idx="1">
+            <a:schemeClr val="accent1"/>
+          </a:lnRef>
+          <a:fillRef idx="0">
+            <a:schemeClr val="accent1"/>
+          </a:fillRef>
+          <a:effectRef idx="0">
+            <a:schemeClr val="accent1"/>
+          </a:effectRef>
+          <a:fontRef idx="minor">
+            <a:schemeClr val="tx1"/>
+          </a:fontRef>
+        </p:style>
+      </p:cxnSp>
+      <p:cxnSp>
+        <p:nvCxnSpPr>
+          <p:cNvPr id="27" name="直接箭头连接符 26"/>
+          <p:cNvCxnSpPr>
+            <a:stCxn id="13" idx="0"/>
+            <a:endCxn id="5" idx="2"/>
+          </p:cNvCxnSpPr>
+          <p:nvPr/>
+        </p:nvCxnSpPr>
+        <p:spPr>
+          <a:xfrm flipV="1">
+            <a:off x="7503795" y="2882265"/>
+            <a:ext cx="843915" cy="2511425"/>
+          </a:xfrm>
+          <a:prstGeom prst="straightConnector1">
+            <a:avLst/>
+          </a:prstGeom>
+          <a:ln>
+            <a:tailEnd type="arrow"/>
+          </a:ln>
+        </p:spPr>
+        <p:style>
+          <a:lnRef idx="1">
+            <a:schemeClr val="accent1"/>
+          </a:lnRef>
+          <a:fillRef idx="0">
+            <a:schemeClr val="accent1"/>
+          </a:fillRef>
+          <a:effectRef idx="0">
+            <a:schemeClr val="accent1"/>
+          </a:effectRef>
+          <a:fontRef idx="minor">
+            <a:schemeClr val="tx1"/>
+          </a:fontRef>
+        </p:style>
+      </p:cxnSp>
+      <p:cxnSp>
+        <p:nvCxnSpPr>
+          <p:cNvPr id="28" name="直接箭头连接符 27"/>
+          <p:cNvCxnSpPr>
+            <a:stCxn id="13" idx="0"/>
+            <a:endCxn id="9" idx="2"/>
+          </p:cNvCxnSpPr>
+          <p:nvPr/>
+        </p:nvCxnSpPr>
+        <p:spPr>
+          <a:xfrm flipH="1" flipV="1">
+            <a:off x="3811905" y="2882265"/>
+            <a:ext cx="3691890" cy="2511425"/>
+          </a:xfrm>
+          <a:prstGeom prst="straightConnector1">
+            <a:avLst/>
+          </a:prstGeom>
+          <a:ln>
+            <a:tailEnd type="arrow"/>
+          </a:ln>
+        </p:spPr>
+        <p:style>
+          <a:lnRef idx="1">
+            <a:schemeClr val="accent1"/>
+          </a:lnRef>
+          <a:fillRef idx="0">
+            <a:schemeClr val="accent1"/>
+          </a:fillRef>
+          <a:effectRef idx="0">
+            <a:schemeClr val="accent1"/>
+          </a:effectRef>
+          <a:fontRef idx="minor">
+            <a:schemeClr val="tx1"/>
+          </a:fontRef>
+        </p:style>
+      </p:cxnSp>
+      <p:cxnSp>
+        <p:nvCxnSpPr>
+          <p:cNvPr id="29" name="直接箭头连接符 28"/>
+          <p:cNvCxnSpPr>
+            <a:stCxn id="12" idx="0"/>
+            <a:endCxn id="5" idx="2"/>
+          </p:cNvCxnSpPr>
+          <p:nvPr/>
+        </p:nvCxnSpPr>
+        <p:spPr>
+          <a:xfrm flipH="1" flipV="1">
+            <a:off x="8347710" y="2882265"/>
+            <a:ext cx="2239645" cy="2511425"/>
+          </a:xfrm>
+          <a:prstGeom prst="straightConnector1">
+            <a:avLst/>
+          </a:prstGeom>
+          <a:ln>
+            <a:tailEnd type="arrow"/>
+          </a:ln>
+        </p:spPr>
+        <p:style>
+          <a:lnRef idx="1">
+            <a:schemeClr val="accent1"/>
+          </a:lnRef>
+          <a:fillRef idx="0">
+            <a:schemeClr val="accent1"/>
+          </a:fillRef>
+          <a:effectRef idx="0">
+            <a:schemeClr val="accent1"/>
+          </a:effectRef>
+          <a:fontRef idx="minor">
+            <a:schemeClr val="tx1"/>
+          </a:fontRef>
+        </p:style>
+      </p:cxnSp>
+      <p:sp>
+        <p:nvSpPr>
+          <p:cNvPr id="30" name="文本框 29"/>
+          <p:cNvSpPr txBox="1"/>
+          <p:nvPr/>
+        </p:nvSpPr>
+        <p:spPr>
+          <a:xfrm>
+            <a:off x="661035" y="2282825"/>
+            <a:ext cx="309880" cy="368300"/>
+          </a:xfrm>
+          <a:prstGeom prst="rect">
+            <a:avLst/>
+          </a:prstGeom>
+          <a:noFill/>
+        </p:spPr>
+        <p:txBody>
+          <a:bodyPr wrap="none" rtlCol="0">
+            <a:spAutoFit/>
+          </a:bodyPr>
+          <a:p>
+            <a:endParaRPr lang="zh-CN" altLang="en-US"/>
+          </a:p>
+        </p:txBody>
+      </p:sp>
+    </p:spTree>
+  </p:cSld>
+  <p:clrMapOvr>
+    <a:masterClrMapping/>
+  </p:clrMapOvr>
+</p:sld>
+</file>
+
+<file path=ppt/slides/slide4.xml><?xml version="1.0" encoding="utf-8"?>
+<p:sld xmlns:a="http://schemas.openxmlformats.org/drawingml/2006/main" xmlns:r="http://schemas.openxmlformats.org/officeDocument/2006/relationships" xmlns:p="http://schemas.openxmlformats.org/presentationml/2006/main">
+  <p:cSld>
+    <p:spTree>
+      <p:nvGrpSpPr>
+        <p:cNvPr id="1" name=""/>
+        <p:cNvGrpSpPr/>
+        <p:nvPr/>
+      </p:nvGrpSpPr>
+      <p:grpSpPr/>
+      <p:pic>
+        <p:nvPicPr>
+          <p:cNvPr id="5" name="图片 4"/>
+          <p:cNvPicPr>
+            <a:picLocks noChangeAspect="1"/>
+          </p:cNvPicPr>
+          <p:nvPr/>
+        </p:nvPicPr>
+        <p:blipFill>
+          <a:blip r:embed="rId1"/>
+          <a:stretch>
+            <a:fillRect/>
+          </a:stretch>
+        </p:blipFill>
+        <p:spPr>
+          <a:xfrm>
+            <a:off x="621665" y="100330"/>
+            <a:ext cx="10353675" cy="6657975"/>
+          </a:xfrm>
+          <a:prstGeom prst="rect">
+            <a:avLst/>
+          </a:prstGeom>
+        </p:spPr>
+      </p:pic>
     </p:spTree>
   </p:cSld>
   <p:clrMapOvr>

--- a/doc/系统架构.pptx
+++ b/doc/系统架构.pptx
@@ -4759,7 +4759,7 @@
       <p:grpSpPr/>
       <p:pic>
         <p:nvPicPr>
-          <p:cNvPr id="5" name="图片 4"/>
+          <p:cNvPr id="2" name="图片 1"/>
           <p:cNvPicPr>
             <a:picLocks noChangeAspect="1"/>
           </p:cNvPicPr>
@@ -4773,8 +4773,8 @@
         </p:blipFill>
         <p:spPr>
           <a:xfrm>
-            <a:off x="621665" y="100330"/>
-            <a:ext cx="10353675" cy="6657975"/>
+            <a:off x="904875" y="109220"/>
+            <a:ext cx="10382250" cy="6638925"/>
           </a:xfrm>
           <a:prstGeom prst="rect">
             <a:avLst/>

--- a/doc/系统架构.pptx
+++ b/doc/系统架构.pptx
@@ -9,6 +9,7 @@
     <p:sldId id="257" r:id="rId4"/>
     <p:sldId id="258" r:id="rId5"/>
     <p:sldId id="259" r:id="rId6"/>
+    <p:sldId id="260" r:id="rId7"/>
   </p:sldIdLst>
   <p:sldSz cx="12192000" cy="6858000"/>
   <p:notesSz cx="6858000" cy="9144000"/>
@@ -4789,6 +4790,1021 @@
 </p:sld>
 </file>
 
+<file path=ppt/slides/slide5.xml><?xml version="1.0" encoding="utf-8"?>
+<p:sld xmlns:a="http://schemas.openxmlformats.org/drawingml/2006/main" xmlns:r="http://schemas.openxmlformats.org/officeDocument/2006/relationships" xmlns:p="http://schemas.openxmlformats.org/presentationml/2006/main">
+  <p:cSld>
+    <p:spTree>
+      <p:nvGrpSpPr>
+        <p:cNvPr id="1" name=""/>
+        <p:cNvGrpSpPr/>
+        <p:nvPr/>
+      </p:nvGrpSpPr>
+      <p:grpSpPr/>
+      <p:sp>
+        <p:nvSpPr>
+          <p:cNvPr id="22" name="矩形 21"/>
+          <p:cNvSpPr/>
+          <p:nvPr/>
+        </p:nvSpPr>
+        <p:spPr>
+          <a:xfrm>
+            <a:off x="5457825" y="497840"/>
+            <a:ext cx="4970145" cy="5495925"/>
+          </a:xfrm>
+          <a:prstGeom prst="rect">
+            <a:avLst/>
+          </a:prstGeom>
+          <a:pattFill prst="pct5">
+            <a:fgClr>
+              <a:schemeClr val="accent1"/>
+            </a:fgClr>
+            <a:bgClr>
+              <a:schemeClr val="bg1"/>
+            </a:bgClr>
+          </a:pattFill>
+          <a:ln w="12700" cmpd="sng">
+            <a:solidFill>
+              <a:schemeClr val="accent1">
+                <a:shade val="50000"/>
+              </a:schemeClr>
+            </a:solidFill>
+            <a:prstDash val="dashDot"/>
+          </a:ln>
+        </p:spPr>
+        <p:style>
+          <a:lnRef idx="2">
+            <a:schemeClr val="accent1">
+              <a:shade val="50000"/>
+            </a:schemeClr>
+          </a:lnRef>
+          <a:fillRef idx="1">
+            <a:schemeClr val="accent1"/>
+          </a:fillRef>
+          <a:effectRef idx="0">
+            <a:schemeClr val="accent1"/>
+          </a:effectRef>
+          <a:fontRef idx="minor">
+            <a:schemeClr val="lt1"/>
+          </a:fontRef>
+        </p:style>
+        <p:txBody>
+          <a:bodyPr rtlCol="0" anchor="t" anchorCtr="0"/>
+          <a:p>
+            <a:pPr algn="l"/>
+            <a:r>
+              <a:rPr lang="zh-CN" altLang="zh-CN" sz="1000">
+                <a:solidFill>
+                  <a:schemeClr val="tx1"/>
+                </a:solidFill>
+                <a:sym typeface="+mn-ea"/>
+              </a:rPr>
+              <a:t>安全域内，不需要认证</a:t>
+            </a:r>
+            <a:endParaRPr lang="zh-CN" altLang="zh-CN" sz="1000">
+              <a:solidFill>
+                <a:schemeClr val="tx1"/>
+              </a:solidFill>
+              <a:sym typeface="+mn-ea"/>
+            </a:endParaRPr>
+          </a:p>
+        </p:txBody>
+      </p:sp>
+      <p:sp>
+        <p:nvSpPr>
+          <p:cNvPr id="4" name="矩形 3"/>
+          <p:cNvSpPr/>
+          <p:nvPr/>
+        </p:nvSpPr>
+        <p:spPr>
+          <a:xfrm>
+            <a:off x="8710295" y="1065530"/>
+            <a:ext cx="1092835" cy="388620"/>
+          </a:xfrm>
+          <a:prstGeom prst="rect">
+            <a:avLst/>
+          </a:prstGeom>
+        </p:spPr>
+        <p:style>
+          <a:lnRef idx="2">
+            <a:schemeClr val="accent1">
+              <a:shade val="50000"/>
+            </a:schemeClr>
+          </a:lnRef>
+          <a:fillRef idx="1">
+            <a:schemeClr val="accent1"/>
+          </a:fillRef>
+          <a:effectRef idx="0">
+            <a:schemeClr val="accent1"/>
+          </a:effectRef>
+          <a:fontRef idx="minor">
+            <a:schemeClr val="lt1"/>
+          </a:fontRef>
+        </p:style>
+        <p:txBody>
+          <a:bodyPr rtlCol="0" anchor="ctr"/>
+          <a:p>
+            <a:pPr algn="ctr"/>
+            <a:r>
+              <a:rPr lang="en-US" altLang="zh-CN"/>
+              <a:t>user svr</a:t>
+            </a:r>
+            <a:endParaRPr lang="en-US" altLang="zh-CN"/>
+          </a:p>
+        </p:txBody>
+      </p:sp>
+      <p:sp>
+        <p:nvSpPr>
+          <p:cNvPr id="5" name="矩形 4"/>
+          <p:cNvSpPr/>
+          <p:nvPr/>
+        </p:nvSpPr>
+        <p:spPr>
+          <a:xfrm>
+            <a:off x="8710295" y="2734310"/>
+            <a:ext cx="1092835" cy="388620"/>
+          </a:xfrm>
+          <a:prstGeom prst="rect">
+            <a:avLst/>
+          </a:prstGeom>
+        </p:spPr>
+        <p:style>
+          <a:lnRef idx="2">
+            <a:schemeClr val="accent1">
+              <a:shade val="50000"/>
+            </a:schemeClr>
+          </a:lnRef>
+          <a:fillRef idx="1">
+            <a:schemeClr val="accent1"/>
+          </a:fillRef>
+          <a:effectRef idx="0">
+            <a:schemeClr val="accent1"/>
+          </a:effectRef>
+          <a:fontRef idx="minor">
+            <a:schemeClr val="lt1"/>
+          </a:fontRef>
+        </p:style>
+        <p:txBody>
+          <a:bodyPr rtlCol="0" anchor="ctr"/>
+          <a:p>
+            <a:pPr algn="ctr"/>
+            <a:r>
+              <a:rPr lang="en-US" altLang="zh-CN"/>
+              <a:t>goods svr</a:t>
+            </a:r>
+            <a:endParaRPr lang="en-US" altLang="zh-CN"/>
+          </a:p>
+        </p:txBody>
+      </p:sp>
+      <p:sp>
+        <p:nvSpPr>
+          <p:cNvPr id="6" name="矩形 5"/>
+          <p:cNvSpPr/>
+          <p:nvPr/>
+        </p:nvSpPr>
+        <p:spPr>
+          <a:xfrm>
+            <a:off x="8710295" y="4635500"/>
+            <a:ext cx="1092835" cy="388620"/>
+          </a:xfrm>
+          <a:prstGeom prst="rect">
+            <a:avLst/>
+          </a:prstGeom>
+        </p:spPr>
+        <p:style>
+          <a:lnRef idx="2">
+            <a:schemeClr val="accent1">
+              <a:shade val="50000"/>
+            </a:schemeClr>
+          </a:lnRef>
+          <a:fillRef idx="1">
+            <a:schemeClr val="accent1"/>
+          </a:fillRef>
+          <a:effectRef idx="0">
+            <a:schemeClr val="accent1"/>
+          </a:effectRef>
+          <a:fontRef idx="minor">
+            <a:schemeClr val="lt1"/>
+          </a:fontRef>
+        </p:style>
+        <p:txBody>
+          <a:bodyPr rtlCol="0" anchor="ctr"/>
+          <a:p>
+            <a:pPr algn="ctr"/>
+            <a:r>
+              <a:rPr lang="en-US" altLang="zh-CN"/>
+              <a:t>order svr</a:t>
+            </a:r>
+            <a:endParaRPr lang="en-US" altLang="zh-CN"/>
+          </a:p>
+        </p:txBody>
+      </p:sp>
+      <p:sp>
+        <p:nvSpPr>
+          <p:cNvPr id="7" name="矩形 6"/>
+          <p:cNvSpPr/>
+          <p:nvPr/>
+        </p:nvSpPr>
+        <p:spPr>
+          <a:xfrm>
+            <a:off x="6304915" y="1391920"/>
+            <a:ext cx="1092835" cy="388620"/>
+          </a:xfrm>
+          <a:prstGeom prst="rect">
+            <a:avLst/>
+          </a:prstGeom>
+        </p:spPr>
+        <p:style>
+          <a:lnRef idx="2">
+            <a:schemeClr val="accent1">
+              <a:shade val="50000"/>
+            </a:schemeClr>
+          </a:lnRef>
+          <a:fillRef idx="1">
+            <a:schemeClr val="accent1"/>
+          </a:fillRef>
+          <a:effectRef idx="0">
+            <a:schemeClr val="accent1"/>
+          </a:effectRef>
+          <a:fontRef idx="minor">
+            <a:schemeClr val="lt1"/>
+          </a:fontRef>
+        </p:style>
+        <p:txBody>
+          <a:bodyPr rtlCol="0" anchor="ctr"/>
+          <a:p>
+            <a:pPr algn="ctr"/>
+            <a:r>
+              <a:rPr lang="en-US" altLang="zh-CN"/>
+              <a:t>auth web</a:t>
+            </a:r>
+            <a:endParaRPr lang="en-US" altLang="zh-CN"/>
+          </a:p>
+        </p:txBody>
+      </p:sp>
+      <p:sp>
+        <p:nvSpPr>
+          <p:cNvPr id="8" name="矩形 7"/>
+          <p:cNvSpPr/>
+          <p:nvPr/>
+        </p:nvSpPr>
+        <p:spPr>
+          <a:xfrm>
+            <a:off x="6304915" y="2734310"/>
+            <a:ext cx="1092835" cy="388620"/>
+          </a:xfrm>
+          <a:prstGeom prst="rect">
+            <a:avLst/>
+          </a:prstGeom>
+        </p:spPr>
+        <p:style>
+          <a:lnRef idx="2">
+            <a:schemeClr val="accent1">
+              <a:shade val="50000"/>
+            </a:schemeClr>
+          </a:lnRef>
+          <a:fillRef idx="1">
+            <a:schemeClr val="accent1"/>
+          </a:fillRef>
+          <a:effectRef idx="0">
+            <a:schemeClr val="accent1"/>
+          </a:effectRef>
+          <a:fontRef idx="minor">
+            <a:schemeClr val="lt1"/>
+          </a:fontRef>
+        </p:style>
+        <p:txBody>
+          <a:bodyPr rtlCol="0" anchor="ctr"/>
+          <a:p>
+            <a:pPr algn="ctr"/>
+            <a:r>
+              <a:rPr lang="en-US" altLang="zh-CN"/>
+              <a:t>mall web</a:t>
+            </a:r>
+            <a:endParaRPr lang="en-US" altLang="zh-CN"/>
+          </a:p>
+        </p:txBody>
+      </p:sp>
+      <p:sp>
+        <p:nvSpPr>
+          <p:cNvPr id="9" name="矩形 8"/>
+          <p:cNvSpPr/>
+          <p:nvPr/>
+        </p:nvSpPr>
+        <p:spPr>
+          <a:xfrm>
+            <a:off x="2933700" y="1391920"/>
+            <a:ext cx="1298575" cy="388620"/>
+          </a:xfrm>
+          <a:prstGeom prst="rect">
+            <a:avLst/>
+          </a:prstGeom>
+        </p:spPr>
+        <p:style>
+          <a:lnRef idx="2">
+            <a:schemeClr val="accent1">
+              <a:shade val="50000"/>
+            </a:schemeClr>
+          </a:lnRef>
+          <a:fillRef idx="1">
+            <a:schemeClr val="accent1"/>
+          </a:fillRef>
+          <a:effectRef idx="0">
+            <a:schemeClr val="accent1"/>
+          </a:effectRef>
+          <a:fontRef idx="minor">
+            <a:schemeClr val="lt1"/>
+          </a:fontRef>
+        </p:style>
+        <p:txBody>
+          <a:bodyPr rtlCol="0" anchor="ctr"/>
+          <a:p>
+            <a:pPr algn="ctr"/>
+            <a:r>
+              <a:rPr lang="en-US" altLang="zh-CN"/>
+              <a:t>auth front</a:t>
+            </a:r>
+            <a:endParaRPr lang="en-US" altLang="zh-CN"/>
+          </a:p>
+        </p:txBody>
+      </p:sp>
+      <p:sp>
+        <p:nvSpPr>
+          <p:cNvPr id="10" name="矩形 9"/>
+          <p:cNvSpPr/>
+          <p:nvPr/>
+        </p:nvSpPr>
+        <p:spPr>
+          <a:xfrm>
+            <a:off x="2933700" y="2734310"/>
+            <a:ext cx="1298575" cy="388620"/>
+          </a:xfrm>
+          <a:prstGeom prst="rect">
+            <a:avLst/>
+          </a:prstGeom>
+        </p:spPr>
+        <p:style>
+          <a:lnRef idx="2">
+            <a:schemeClr val="accent1">
+              <a:shade val="50000"/>
+            </a:schemeClr>
+          </a:lnRef>
+          <a:fillRef idx="1">
+            <a:schemeClr val="accent1"/>
+          </a:fillRef>
+          <a:effectRef idx="0">
+            <a:schemeClr val="accent1"/>
+          </a:effectRef>
+          <a:fontRef idx="minor">
+            <a:schemeClr val="lt1"/>
+          </a:fontRef>
+        </p:style>
+        <p:txBody>
+          <a:bodyPr rtlCol="0" anchor="ctr"/>
+          <a:p>
+            <a:pPr algn="ctr"/>
+            <a:r>
+              <a:rPr lang="en-US" altLang="zh-CN"/>
+              <a:t>auth mall</a:t>
+            </a:r>
+            <a:endParaRPr lang="en-US" altLang="zh-CN"/>
+          </a:p>
+        </p:txBody>
+      </p:sp>
+      <p:cxnSp>
+        <p:nvCxnSpPr>
+          <p:cNvPr id="11" name="直接箭头连接符 10"/>
+          <p:cNvCxnSpPr>
+            <a:stCxn id="9" idx="3"/>
+            <a:endCxn id="7" idx="1"/>
+          </p:cNvCxnSpPr>
+          <p:nvPr/>
+        </p:nvCxnSpPr>
+        <p:spPr>
+          <a:xfrm>
+            <a:off x="4232275" y="1586230"/>
+            <a:ext cx="2072640" cy="0"/>
+          </a:xfrm>
+          <a:prstGeom prst="straightConnector1">
+            <a:avLst/>
+          </a:prstGeom>
+          <a:ln>
+            <a:tailEnd type="arrow"/>
+          </a:ln>
+        </p:spPr>
+        <p:style>
+          <a:lnRef idx="1">
+            <a:schemeClr val="accent1"/>
+          </a:lnRef>
+          <a:fillRef idx="0">
+            <a:schemeClr val="accent1"/>
+          </a:fillRef>
+          <a:effectRef idx="0">
+            <a:schemeClr val="accent1"/>
+          </a:effectRef>
+          <a:fontRef idx="minor">
+            <a:schemeClr val="tx1"/>
+          </a:fontRef>
+        </p:style>
+      </p:cxnSp>
+      <p:cxnSp>
+        <p:nvCxnSpPr>
+          <p:cNvPr id="12" name="直接箭头连接符 11"/>
+          <p:cNvCxnSpPr>
+            <a:stCxn id="10" idx="3"/>
+            <a:endCxn id="8" idx="1"/>
+          </p:cNvCxnSpPr>
+          <p:nvPr/>
+        </p:nvCxnSpPr>
+        <p:spPr>
+          <a:xfrm>
+            <a:off x="4232275" y="2928620"/>
+            <a:ext cx="2072640" cy="0"/>
+          </a:xfrm>
+          <a:prstGeom prst="straightConnector1">
+            <a:avLst/>
+          </a:prstGeom>
+          <a:ln>
+            <a:tailEnd type="arrow"/>
+          </a:ln>
+        </p:spPr>
+        <p:style>
+          <a:lnRef idx="1">
+            <a:schemeClr val="accent1"/>
+          </a:lnRef>
+          <a:fillRef idx="0">
+            <a:schemeClr val="accent1"/>
+          </a:fillRef>
+          <a:effectRef idx="0">
+            <a:schemeClr val="accent1"/>
+          </a:effectRef>
+          <a:fontRef idx="minor">
+            <a:schemeClr val="tx1"/>
+          </a:fontRef>
+        </p:style>
+      </p:cxnSp>
+      <p:cxnSp>
+        <p:nvCxnSpPr>
+          <p:cNvPr id="13" name="直接箭头连接符 12"/>
+          <p:cNvCxnSpPr>
+            <a:stCxn id="7" idx="3"/>
+            <a:endCxn id="4" idx="1"/>
+          </p:cNvCxnSpPr>
+          <p:nvPr/>
+        </p:nvCxnSpPr>
+        <p:spPr>
+          <a:xfrm flipV="1">
+            <a:off x="7397750" y="1259840"/>
+            <a:ext cx="1312545" cy="326390"/>
+          </a:xfrm>
+          <a:prstGeom prst="straightConnector1">
+            <a:avLst/>
+          </a:prstGeom>
+          <a:ln>
+            <a:tailEnd type="arrow"/>
+          </a:ln>
+        </p:spPr>
+        <p:style>
+          <a:lnRef idx="1">
+            <a:schemeClr val="accent1"/>
+          </a:lnRef>
+          <a:fillRef idx="0">
+            <a:schemeClr val="accent1"/>
+          </a:fillRef>
+          <a:effectRef idx="0">
+            <a:schemeClr val="accent1"/>
+          </a:effectRef>
+          <a:fontRef idx="minor">
+            <a:schemeClr val="tx1"/>
+          </a:fontRef>
+        </p:style>
+      </p:cxnSp>
+      <p:cxnSp>
+        <p:nvCxnSpPr>
+          <p:cNvPr id="14" name="直接箭头连接符 13"/>
+          <p:cNvCxnSpPr>
+            <a:stCxn id="8" idx="3"/>
+            <a:endCxn id="5" idx="1"/>
+          </p:cNvCxnSpPr>
+          <p:nvPr/>
+        </p:nvCxnSpPr>
+        <p:spPr>
+          <a:xfrm>
+            <a:off x="7397750" y="2928620"/>
+            <a:ext cx="1312545" cy="0"/>
+          </a:xfrm>
+          <a:prstGeom prst="straightConnector1">
+            <a:avLst/>
+          </a:prstGeom>
+          <a:ln>
+            <a:tailEnd type="arrow"/>
+          </a:ln>
+        </p:spPr>
+        <p:style>
+          <a:lnRef idx="1">
+            <a:schemeClr val="accent1"/>
+          </a:lnRef>
+          <a:fillRef idx="0">
+            <a:schemeClr val="accent1"/>
+          </a:fillRef>
+          <a:effectRef idx="0">
+            <a:schemeClr val="accent1"/>
+          </a:effectRef>
+          <a:fontRef idx="minor">
+            <a:schemeClr val="tx1"/>
+          </a:fontRef>
+        </p:style>
+      </p:cxnSp>
+      <p:cxnSp>
+        <p:nvCxnSpPr>
+          <p:cNvPr id="15" name="直接箭头连接符 14"/>
+          <p:cNvCxnSpPr>
+            <a:stCxn id="8" idx="3"/>
+            <a:endCxn id="6" idx="1"/>
+          </p:cNvCxnSpPr>
+          <p:nvPr/>
+        </p:nvCxnSpPr>
+        <p:spPr>
+          <a:xfrm>
+            <a:off x="7397750" y="2928620"/>
+            <a:ext cx="1312545" cy="1901190"/>
+          </a:xfrm>
+          <a:prstGeom prst="straightConnector1">
+            <a:avLst/>
+          </a:prstGeom>
+          <a:ln>
+            <a:tailEnd type="arrow"/>
+          </a:ln>
+        </p:spPr>
+        <p:style>
+          <a:lnRef idx="1">
+            <a:schemeClr val="accent1"/>
+          </a:lnRef>
+          <a:fillRef idx="0">
+            <a:schemeClr val="accent1"/>
+          </a:fillRef>
+          <a:effectRef idx="0">
+            <a:schemeClr val="accent1"/>
+          </a:effectRef>
+          <a:fontRef idx="minor">
+            <a:schemeClr val="tx1"/>
+          </a:fontRef>
+        </p:style>
+      </p:cxnSp>
+      <p:sp>
+        <p:nvSpPr>
+          <p:cNvPr id="16" name="矩形 15"/>
+          <p:cNvSpPr/>
+          <p:nvPr/>
+        </p:nvSpPr>
+        <p:spPr>
+          <a:xfrm>
+            <a:off x="6304915" y="4196080"/>
+            <a:ext cx="1092835" cy="388620"/>
+          </a:xfrm>
+          <a:prstGeom prst="rect">
+            <a:avLst/>
+          </a:prstGeom>
+        </p:spPr>
+        <p:style>
+          <a:lnRef idx="2">
+            <a:schemeClr val="accent1">
+              <a:shade val="50000"/>
+            </a:schemeClr>
+          </a:lnRef>
+          <a:fillRef idx="1">
+            <a:schemeClr val="accent1"/>
+          </a:fillRef>
+          <a:effectRef idx="0">
+            <a:schemeClr val="accent1"/>
+          </a:effectRef>
+          <a:fontRef idx="minor">
+            <a:schemeClr val="lt1"/>
+          </a:fontRef>
+        </p:style>
+        <p:txBody>
+          <a:bodyPr rtlCol="0" anchor="ctr"/>
+          <a:p>
+            <a:pPr algn="ctr"/>
+            <a:r>
+              <a:rPr lang="en-US" altLang="zh-CN"/>
+              <a:t>APP API</a:t>
+            </a:r>
+            <a:endParaRPr lang="en-US" altLang="zh-CN"/>
+          </a:p>
+        </p:txBody>
+      </p:sp>
+      <p:cxnSp>
+        <p:nvCxnSpPr>
+          <p:cNvPr id="17" name="直接箭头连接符 16"/>
+          <p:cNvCxnSpPr>
+            <a:stCxn id="16" idx="3"/>
+            <a:endCxn id="4" idx="1"/>
+          </p:cNvCxnSpPr>
+          <p:nvPr/>
+        </p:nvCxnSpPr>
+        <p:spPr>
+          <a:xfrm flipV="1">
+            <a:off x="7397750" y="1259840"/>
+            <a:ext cx="1312545" cy="3130550"/>
+          </a:xfrm>
+          <a:prstGeom prst="straightConnector1">
+            <a:avLst/>
+          </a:prstGeom>
+          <a:ln>
+            <a:tailEnd type="arrow"/>
+          </a:ln>
+        </p:spPr>
+        <p:style>
+          <a:lnRef idx="1">
+            <a:schemeClr val="accent1"/>
+          </a:lnRef>
+          <a:fillRef idx="0">
+            <a:schemeClr val="accent1"/>
+          </a:fillRef>
+          <a:effectRef idx="0">
+            <a:schemeClr val="accent1"/>
+          </a:effectRef>
+          <a:fontRef idx="minor">
+            <a:schemeClr val="tx1"/>
+          </a:fontRef>
+        </p:style>
+      </p:cxnSp>
+      <p:cxnSp>
+        <p:nvCxnSpPr>
+          <p:cNvPr id="18" name="直接箭头连接符 17"/>
+          <p:cNvCxnSpPr>
+            <a:stCxn id="16" idx="3"/>
+            <a:endCxn id="5" idx="1"/>
+          </p:cNvCxnSpPr>
+          <p:nvPr/>
+        </p:nvCxnSpPr>
+        <p:spPr>
+          <a:xfrm flipV="1">
+            <a:off x="7397750" y="2928620"/>
+            <a:ext cx="1312545" cy="1461770"/>
+          </a:xfrm>
+          <a:prstGeom prst="straightConnector1">
+            <a:avLst/>
+          </a:prstGeom>
+          <a:ln>
+            <a:tailEnd type="arrow"/>
+          </a:ln>
+        </p:spPr>
+        <p:style>
+          <a:lnRef idx="1">
+            <a:schemeClr val="accent1"/>
+          </a:lnRef>
+          <a:fillRef idx="0">
+            <a:schemeClr val="accent1"/>
+          </a:fillRef>
+          <a:effectRef idx="0">
+            <a:schemeClr val="accent1"/>
+          </a:effectRef>
+          <a:fontRef idx="minor">
+            <a:schemeClr val="tx1"/>
+          </a:fontRef>
+        </p:style>
+      </p:cxnSp>
+      <p:cxnSp>
+        <p:nvCxnSpPr>
+          <p:cNvPr id="19" name="直接箭头连接符 18"/>
+          <p:cNvCxnSpPr>
+            <a:stCxn id="16" idx="3"/>
+            <a:endCxn id="6" idx="1"/>
+          </p:cNvCxnSpPr>
+          <p:nvPr/>
+        </p:nvCxnSpPr>
+        <p:spPr>
+          <a:xfrm>
+            <a:off x="7397750" y="4390390"/>
+            <a:ext cx="1312545" cy="439420"/>
+          </a:xfrm>
+          <a:prstGeom prst="straightConnector1">
+            <a:avLst/>
+          </a:prstGeom>
+          <a:ln>
+            <a:tailEnd type="arrow"/>
+          </a:ln>
+        </p:spPr>
+        <p:style>
+          <a:lnRef idx="1">
+            <a:schemeClr val="accent1"/>
+          </a:lnRef>
+          <a:fillRef idx="0">
+            <a:schemeClr val="accent1"/>
+          </a:fillRef>
+          <a:effectRef idx="0">
+            <a:schemeClr val="accent1"/>
+          </a:effectRef>
+          <a:fontRef idx="minor">
+            <a:schemeClr val="tx1"/>
+          </a:fontRef>
+        </p:style>
+      </p:cxnSp>
+      <p:sp>
+        <p:nvSpPr>
+          <p:cNvPr id="20" name="文本框 19"/>
+          <p:cNvSpPr txBox="1"/>
+          <p:nvPr/>
+        </p:nvSpPr>
+        <p:spPr>
+          <a:xfrm>
+            <a:off x="4371975" y="1341120"/>
+            <a:ext cx="1281430" cy="245110"/>
+          </a:xfrm>
+          <a:prstGeom prst="rect">
+            <a:avLst/>
+          </a:prstGeom>
+          <a:noFill/>
+        </p:spPr>
+        <p:txBody>
+          <a:bodyPr wrap="none" rtlCol="0">
+            <a:spAutoFit/>
+          </a:bodyPr>
+          <a:p>
+            <a:r>
+              <a:rPr lang="en-US" altLang="zh-CN" sz="1000"/>
+              <a:t>username&amp;password</a:t>
+            </a:r>
+            <a:endParaRPr lang="en-US" altLang="zh-CN" sz="1000"/>
+          </a:p>
+        </p:txBody>
+      </p:sp>
+      <p:sp>
+        <p:nvSpPr>
+          <p:cNvPr id="21" name="文本框 20"/>
+          <p:cNvSpPr txBox="1"/>
+          <p:nvPr/>
+        </p:nvSpPr>
+        <p:spPr>
+          <a:xfrm>
+            <a:off x="4495800" y="2928620"/>
+            <a:ext cx="875030" cy="245110"/>
+          </a:xfrm>
+          <a:prstGeom prst="rect">
+            <a:avLst/>
+          </a:prstGeom>
+          <a:noFill/>
+        </p:spPr>
+        <p:txBody>
+          <a:bodyPr wrap="none" rtlCol="0">
+            <a:spAutoFit/>
+          </a:bodyPr>
+          <a:p>
+            <a:r>
+              <a:rPr lang="en-US" altLang="zh-CN" sz="1000"/>
+              <a:t>access_token</a:t>
+            </a:r>
+            <a:endParaRPr lang="en-US" altLang="zh-CN" sz="1000"/>
+          </a:p>
+        </p:txBody>
+      </p:sp>
+      <p:cxnSp>
+        <p:nvCxnSpPr>
+          <p:cNvPr id="24" name="直接箭头连接符 23"/>
+          <p:cNvCxnSpPr>
+            <a:stCxn id="10" idx="3"/>
+            <a:endCxn id="7" idx="1"/>
+          </p:cNvCxnSpPr>
+          <p:nvPr/>
+        </p:nvCxnSpPr>
+        <p:spPr>
+          <a:xfrm flipV="1">
+            <a:off x="4232275" y="1586230"/>
+            <a:ext cx="2072640" cy="1342390"/>
+          </a:xfrm>
+          <a:prstGeom prst="straightConnector1">
+            <a:avLst/>
+          </a:prstGeom>
+          <a:ln>
+            <a:tailEnd type="arrow"/>
+          </a:ln>
+        </p:spPr>
+        <p:style>
+          <a:lnRef idx="1">
+            <a:schemeClr val="accent1"/>
+          </a:lnRef>
+          <a:fillRef idx="0">
+            <a:schemeClr val="accent1"/>
+          </a:fillRef>
+          <a:effectRef idx="0">
+            <a:schemeClr val="accent1"/>
+          </a:effectRef>
+          <a:fontRef idx="minor">
+            <a:schemeClr val="tx1"/>
+          </a:fontRef>
+        </p:style>
+      </p:cxnSp>
+      <p:sp>
+        <p:nvSpPr>
+          <p:cNvPr id="25" name="文本框 24"/>
+          <p:cNvSpPr txBox="1"/>
+          <p:nvPr/>
+        </p:nvSpPr>
+        <p:spPr>
+          <a:xfrm>
+            <a:off x="4495800" y="2489200"/>
+            <a:ext cx="419735" cy="245110"/>
+          </a:xfrm>
+          <a:prstGeom prst="rect">
+            <a:avLst/>
+          </a:prstGeom>
+          <a:noFill/>
+        </p:spPr>
+        <p:txBody>
+          <a:bodyPr wrap="none" rtlCol="0">
+            <a:spAutoFit/>
+          </a:bodyPr>
+          <a:p>
+            <a:r>
+              <a:rPr lang="en-US" altLang="zh-CN" sz="1000"/>
+              <a:t>auth</a:t>
+            </a:r>
+            <a:endParaRPr lang="en-US" altLang="zh-CN" sz="1000"/>
+          </a:p>
+        </p:txBody>
+      </p:sp>
+      <p:sp>
+        <p:nvSpPr>
+          <p:cNvPr id="26" name="矩形 25"/>
+          <p:cNvSpPr/>
+          <p:nvPr/>
+        </p:nvSpPr>
+        <p:spPr>
+          <a:xfrm>
+            <a:off x="2933700" y="4196080"/>
+            <a:ext cx="1298575" cy="388620"/>
+          </a:xfrm>
+          <a:prstGeom prst="rect">
+            <a:avLst/>
+          </a:prstGeom>
+        </p:spPr>
+        <p:style>
+          <a:lnRef idx="2">
+            <a:schemeClr val="accent1">
+              <a:shade val="50000"/>
+            </a:schemeClr>
+          </a:lnRef>
+          <a:fillRef idx="1">
+            <a:schemeClr val="accent1"/>
+          </a:fillRef>
+          <a:effectRef idx="0">
+            <a:schemeClr val="accent1"/>
+          </a:effectRef>
+          <a:fontRef idx="minor">
+            <a:schemeClr val="lt1"/>
+          </a:fontRef>
+        </p:style>
+        <p:txBody>
+          <a:bodyPr rtlCol="0" anchor="ctr"/>
+          <a:p>
+            <a:pPr algn="ctr"/>
+            <a:r>
+              <a:rPr lang="en-US" altLang="zh-CN"/>
+              <a:t>APP</a:t>
+            </a:r>
+            <a:endParaRPr lang="en-US" altLang="zh-CN"/>
+          </a:p>
+        </p:txBody>
+      </p:sp>
+      <p:cxnSp>
+        <p:nvCxnSpPr>
+          <p:cNvPr id="27" name="直接箭头连接符 26"/>
+          <p:cNvCxnSpPr>
+            <a:stCxn id="26" idx="3"/>
+            <a:endCxn id="7" idx="1"/>
+          </p:cNvCxnSpPr>
+          <p:nvPr/>
+        </p:nvCxnSpPr>
+        <p:spPr>
+          <a:xfrm flipV="1">
+            <a:off x="4232275" y="1586230"/>
+            <a:ext cx="2072640" cy="2804160"/>
+          </a:xfrm>
+          <a:prstGeom prst="straightConnector1">
+            <a:avLst/>
+          </a:prstGeom>
+          <a:ln>
+            <a:tailEnd type="arrow"/>
+          </a:ln>
+        </p:spPr>
+        <p:style>
+          <a:lnRef idx="1">
+            <a:schemeClr val="accent1"/>
+          </a:lnRef>
+          <a:fillRef idx="0">
+            <a:schemeClr val="accent1"/>
+          </a:fillRef>
+          <a:effectRef idx="0">
+            <a:schemeClr val="accent1"/>
+          </a:effectRef>
+          <a:fontRef idx="minor">
+            <a:schemeClr val="tx1"/>
+          </a:fontRef>
+        </p:style>
+      </p:cxnSp>
+      <p:cxnSp>
+        <p:nvCxnSpPr>
+          <p:cNvPr id="28" name="直接箭头连接符 27"/>
+          <p:cNvCxnSpPr>
+            <a:stCxn id="26" idx="3"/>
+            <a:endCxn id="16" idx="1"/>
+          </p:cNvCxnSpPr>
+          <p:nvPr/>
+        </p:nvCxnSpPr>
+        <p:spPr>
+          <a:xfrm>
+            <a:off x="4232275" y="4390390"/>
+            <a:ext cx="2072640" cy="0"/>
+          </a:xfrm>
+          <a:prstGeom prst="straightConnector1">
+            <a:avLst/>
+          </a:prstGeom>
+          <a:ln>
+            <a:tailEnd type="arrow"/>
+          </a:ln>
+        </p:spPr>
+        <p:style>
+          <a:lnRef idx="1">
+            <a:schemeClr val="accent1"/>
+          </a:lnRef>
+          <a:fillRef idx="0">
+            <a:schemeClr val="accent1"/>
+          </a:fillRef>
+          <a:effectRef idx="0">
+            <a:schemeClr val="accent1"/>
+          </a:effectRef>
+          <a:fontRef idx="minor">
+            <a:schemeClr val="tx1"/>
+          </a:fontRef>
+        </p:style>
+      </p:cxnSp>
+      <p:sp>
+        <p:nvSpPr>
+          <p:cNvPr id="29" name="文本框 28"/>
+          <p:cNvSpPr txBox="1"/>
+          <p:nvPr/>
+        </p:nvSpPr>
+        <p:spPr>
+          <a:xfrm>
+            <a:off x="4495800" y="3687445"/>
+            <a:ext cx="419735" cy="245110"/>
+          </a:xfrm>
+          <a:prstGeom prst="rect">
+            <a:avLst/>
+          </a:prstGeom>
+          <a:noFill/>
+        </p:spPr>
+        <p:txBody>
+          <a:bodyPr wrap="none" rtlCol="0">
+            <a:spAutoFit/>
+          </a:bodyPr>
+          <a:p>
+            <a:r>
+              <a:rPr lang="en-US" altLang="zh-CN" sz="1000"/>
+              <a:t>auth</a:t>
+            </a:r>
+            <a:endParaRPr lang="en-US" altLang="zh-CN" sz="1000"/>
+          </a:p>
+        </p:txBody>
+      </p:sp>
+      <p:sp>
+        <p:nvSpPr>
+          <p:cNvPr id="30" name="文本框 29"/>
+          <p:cNvSpPr txBox="1"/>
+          <p:nvPr/>
+        </p:nvSpPr>
+        <p:spPr>
+          <a:xfrm>
+            <a:off x="4495800" y="4390390"/>
+            <a:ext cx="875030" cy="245110"/>
+          </a:xfrm>
+          <a:prstGeom prst="rect">
+            <a:avLst/>
+          </a:prstGeom>
+          <a:noFill/>
+        </p:spPr>
+        <p:txBody>
+          <a:bodyPr wrap="none" rtlCol="0">
+            <a:spAutoFit/>
+          </a:bodyPr>
+          <a:p>
+            <a:r>
+              <a:rPr lang="en-US" altLang="zh-CN" sz="1000"/>
+              <a:t>access_token</a:t>
+            </a:r>
+            <a:endParaRPr lang="en-US" altLang="zh-CN" sz="1000"/>
+          </a:p>
+        </p:txBody>
+      </p:sp>
+    </p:spTree>
+  </p:cSld>
+  <p:clrMapOvr>
+    <a:masterClrMapping/>
+  </p:clrMapOvr>
+</p:sld>
+</file>
+
 <file path=ppt/theme/theme1.xml><?xml version="1.0" encoding="utf-8"?>
 <a:theme xmlns:a="http://schemas.openxmlformats.org/drawingml/2006/main" name="Office 主题">
   <a:themeElements>

--- a/doc/系统架构.pptx
+++ b/doc/系统架构.pptx
@@ -6,10 +6,8 @@
   </p:sldMasterIdLst>
   <p:sldIdLst>
     <p:sldId id="256" r:id="rId3"/>
-    <p:sldId id="257" r:id="rId4"/>
-    <p:sldId id="258" r:id="rId5"/>
-    <p:sldId id="259" r:id="rId6"/>
-    <p:sldId id="260" r:id="rId7"/>
+    <p:sldId id="259" r:id="rId4"/>
+    <p:sldId id="257" r:id="rId5"/>
   </p:sldIdLst>
   <p:sldSz cx="12192000" cy="6858000"/>
   <p:notesSz cx="6858000" cy="9144000"/>
@@ -2974,347 +2972,1352 @@
       <p:grpSpPr/>
       <p:sp>
         <p:nvSpPr>
-          <p:cNvPr id="4" name="圆角矩形 3"/>
-          <p:cNvSpPr/>
+          <p:cNvPr id="2" name="标题 1"/>
+          <p:cNvSpPr>
+            <a:spLocks noGrp="1"/>
+          </p:cNvSpPr>
+          <p:nvPr>
+            <p:ph type="title"/>
+          </p:nvPr>
+        </p:nvSpPr>
+        <p:spPr/>
+        <p:txBody>
+          <a:bodyPr/>
+          <a:p>
+            <a:r>
+              <a:rPr lang="zh-CN" altLang="en-US"/>
+              <a:t>项目依赖关系</a:t>
+            </a:r>
+            <a:endParaRPr lang="zh-CN" altLang="en-US"/>
+          </a:p>
+        </p:txBody>
+      </p:sp>
+      <p:sp>
+        <p:nvSpPr>
+          <p:cNvPr id="3" name="内容占位符 2"/>
+          <p:cNvSpPr>
+            <a:spLocks noGrp="1"/>
+          </p:cNvSpPr>
+          <p:nvPr>
+            <p:ph idx="1"/>
+          </p:nvPr>
+        </p:nvSpPr>
+        <p:spPr/>
+        <p:txBody>
+          <a:bodyPr/>
+          <a:p>
+            <a:r>
+              <a:rPr lang="en-US" altLang="zh-CN">
+                <a:sym typeface="+mn-ea"/>
+              </a:rPr>
+              <a:t>HiAuth</a:t>
+            </a:r>
+            <a:r>
+              <a:rPr lang="zh-CN" altLang="en-US">
+                <a:sym typeface="+mn-ea"/>
+              </a:rPr>
+              <a:t>和</a:t>
+            </a:r>
+            <a:r>
+              <a:rPr lang="en-US" altLang="zh-CN">
+                <a:sym typeface="+mn-ea"/>
+              </a:rPr>
+              <a:t>HiMall</a:t>
+            </a:r>
+            <a:r>
+              <a:rPr lang="zh-CN" altLang="en-US">
+                <a:sym typeface="+mn-ea"/>
+              </a:rPr>
+              <a:t>是完全独立的两个项目</a:t>
+            </a:r>
+            <a:endParaRPr lang="zh-CN" altLang="en-US">
+              <a:sym typeface="+mn-ea"/>
+            </a:endParaRPr>
+          </a:p>
+          <a:p>
+            <a:r>
+              <a:rPr lang="en-US" altLang="zh-CN">
+                <a:sym typeface="+mn-ea"/>
+              </a:rPr>
+              <a:t>HiMall</a:t>
+            </a:r>
+            <a:r>
+              <a:rPr lang="zh-CN" altLang="en-US">
+                <a:sym typeface="+mn-ea"/>
+              </a:rPr>
+              <a:t>和</a:t>
+            </a:r>
+            <a:r>
+              <a:rPr lang="en-US" altLang="zh-CN">
+                <a:sym typeface="+mn-ea"/>
+              </a:rPr>
+              <a:t>HiMall Svr</a:t>
+            </a:r>
+            <a:r>
+              <a:rPr lang="zh-CN" altLang="en-US">
+                <a:sym typeface="+mn-ea"/>
+              </a:rPr>
+              <a:t>通过</a:t>
+            </a:r>
+            <a:r>
+              <a:rPr lang="zh-CN" altLang="en-US">
+                <a:sym typeface="+mn-ea"/>
+              </a:rPr>
+              <a:t>hi-mall-microsvr-api进行接口调用</a:t>
+            </a:r>
+            <a:endParaRPr lang="zh-CN" altLang="en-US">
+              <a:sym typeface="+mn-ea"/>
+            </a:endParaRPr>
+          </a:p>
+          <a:p>
+            <a:r>
+              <a:rPr lang="zh-CN" altLang="en-US">
+                <a:sym typeface="+mn-ea"/>
+              </a:rPr>
+              <a:t>微服务对外暴露的</a:t>
+            </a:r>
+            <a:r>
+              <a:rPr lang="en-US" altLang="zh-CN">
+                <a:sym typeface="+mn-ea"/>
+              </a:rPr>
+              <a:t>API</a:t>
+            </a:r>
+            <a:r>
+              <a:rPr lang="zh-CN" altLang="en-US">
+                <a:sym typeface="+mn-ea"/>
+              </a:rPr>
+              <a:t>包括</a:t>
+            </a:r>
+            <a:r>
+              <a:rPr lang="zh-CN" altLang="en-US">
+                <a:sym typeface="+mn-ea"/>
+              </a:rPr>
+              <a:t>hi-mall-microsvr-api、hi-mall-entity</a:t>
+            </a:r>
+            <a:endParaRPr lang="zh-CN" altLang="en-US">
+              <a:sym typeface="+mn-ea"/>
+            </a:endParaRPr>
+          </a:p>
+          <a:p>
+            <a:r>
+              <a:rPr lang="zh-CN" altLang="en-US"/>
+              <a:t>微服务实现接口需要继承</a:t>
+            </a:r>
+            <a:r>
+              <a:rPr lang="zh-CN" altLang="en-US">
+                <a:sym typeface="+mn-ea"/>
+              </a:rPr>
+              <a:t>hi-mall-microsvr-api</a:t>
+            </a:r>
+            <a:endParaRPr lang="zh-CN" altLang="en-US">
+              <a:sym typeface="+mn-ea"/>
+            </a:endParaRPr>
+          </a:p>
+          <a:p>
+            <a:r>
+              <a:rPr lang="zh-CN" altLang="en-US">
+                <a:sym typeface="+mn-ea"/>
+              </a:rPr>
+              <a:t>hi-mall-microsvr-api中定义</a:t>
+            </a:r>
+            <a:r>
+              <a:rPr lang="en-US" altLang="zh-CN">
+                <a:sym typeface="+mn-ea"/>
+              </a:rPr>
+              <a:t>VO</a:t>
+            </a:r>
+            <a:r>
+              <a:rPr lang="zh-CN" altLang="en-US">
+                <a:sym typeface="+mn-ea"/>
+              </a:rPr>
+              <a:t>、</a:t>
+            </a:r>
+            <a:r>
+              <a:rPr lang="en-US" altLang="zh-CN">
+                <a:sym typeface="+mn-ea"/>
+              </a:rPr>
+              <a:t>DTO</a:t>
+            </a:r>
+            <a:endParaRPr lang="en-US" altLang="zh-CN">
+              <a:sym typeface="+mn-ea"/>
+            </a:endParaRPr>
+          </a:p>
+          <a:p>
+            <a:r>
+              <a:rPr lang="zh-CN" altLang="en-US">
+                <a:sym typeface="+mn-ea"/>
+              </a:rPr>
+              <a:t>hi-mall-entity中定义</a:t>
+            </a:r>
+            <a:r>
+              <a:rPr lang="en-US" altLang="zh-CN">
+                <a:sym typeface="+mn-ea"/>
+              </a:rPr>
+              <a:t>DO</a:t>
+            </a:r>
+            <a:r>
+              <a:rPr lang="zh-CN" altLang="en-US">
+                <a:sym typeface="+mn-ea"/>
+              </a:rPr>
+              <a:t>、</a:t>
+            </a:r>
+            <a:r>
+              <a:rPr lang="en-US" altLang="zh-CN">
+                <a:sym typeface="+mn-ea"/>
+              </a:rPr>
+              <a:t>BO</a:t>
+            </a:r>
+            <a:endParaRPr lang="en-US" altLang="zh-CN">
+              <a:sym typeface="+mn-ea"/>
+            </a:endParaRPr>
+          </a:p>
+        </p:txBody>
+      </p:sp>
+    </p:spTree>
+  </p:cSld>
+  <p:clrMapOvr>
+    <a:masterClrMapping/>
+  </p:clrMapOvr>
+</p:sld>
+</file>
+
+<file path=ppt/slides/slide3.xml><?xml version="1.0" encoding="utf-8"?>
+<p:sld xmlns:a="http://schemas.openxmlformats.org/drawingml/2006/main" xmlns:r="http://schemas.openxmlformats.org/officeDocument/2006/relationships" xmlns:p="http://schemas.openxmlformats.org/presentationml/2006/main">
+  <p:cSld>
+    <p:spTree>
+      <p:nvGrpSpPr>
+        <p:cNvPr id="1" name=""/>
+        <p:cNvGrpSpPr/>
+        <p:nvPr/>
+      </p:nvGrpSpPr>
+      <p:grpSpPr/>
+      <p:grpSp>
+        <p:nvGrpSpPr>
+          <p:cNvPr id="36" name="组合 35"/>
+          <p:cNvGrpSpPr/>
           <p:nvPr/>
-        </p:nvSpPr>
-        <p:spPr>
+        </p:nvGrpSpPr>
+        <p:grpSpPr>
           <a:xfrm>
-            <a:off x="3592195" y="1719580"/>
-            <a:ext cx="968375" cy="374015"/>
+            <a:off x="2738755" y="441325"/>
+            <a:ext cx="1573530" cy="5942330"/>
+            <a:chOff x="4253" y="695"/>
+            <a:chExt cx="2478" cy="9358"/>
           </a:xfrm>
-          <a:prstGeom prst="roundRect">
-            <a:avLst/>
-          </a:prstGeom>
-        </p:spPr>
-        <p:style>
-          <a:lnRef idx="2">
-            <a:schemeClr val="accent1">
-              <a:shade val="50000"/>
-            </a:schemeClr>
-          </a:lnRef>
-          <a:fillRef idx="1">
-            <a:schemeClr val="accent1"/>
-          </a:fillRef>
-          <a:effectRef idx="0">
-            <a:schemeClr val="accent1"/>
-          </a:effectRef>
-          <a:fontRef idx="minor">
-            <a:schemeClr val="lt1"/>
-          </a:fontRef>
-        </p:style>
-        <p:txBody>
-          <a:bodyPr rtlCol="0" anchor="ctr"/>
-          <a:p>
-            <a:pPr algn="ctr"/>
-            <a:r>
-              <a:rPr lang="en-US" altLang="zh-CN"/>
-              <a:t>APP</a:t>
-            </a:r>
-            <a:endParaRPr lang="en-US" altLang="zh-CN"/>
-          </a:p>
-        </p:txBody>
-      </p:sp>
-      <p:sp>
-        <p:nvSpPr>
-          <p:cNvPr id="5" name="圆角矩形 4"/>
-          <p:cNvSpPr/>
+        </p:grpSpPr>
+        <p:sp>
+          <p:nvSpPr>
+            <p:cNvPr id="34" name="矩形 33"/>
+            <p:cNvSpPr/>
+            <p:nvPr/>
+          </p:nvSpPr>
+          <p:spPr>
+            <a:xfrm>
+              <a:off x="4253" y="695"/>
+              <a:ext cx="2478" cy="9358"/>
+            </a:xfrm>
+            <a:prstGeom prst="rect">
+              <a:avLst/>
+            </a:prstGeom>
+            <a:pattFill prst="pct5">
+              <a:fgClr>
+                <a:schemeClr val="accent1"/>
+              </a:fgClr>
+              <a:bgClr>
+                <a:schemeClr val="bg1"/>
+              </a:bgClr>
+            </a:pattFill>
+            <a:ln w="12700" cmpd="sng">
+              <a:solidFill>
+                <a:schemeClr val="accent1">
+                  <a:shade val="50000"/>
+                </a:schemeClr>
+              </a:solidFill>
+              <a:prstDash val="dash"/>
+            </a:ln>
+          </p:spPr>
+          <p:style>
+            <a:lnRef idx="2">
+              <a:schemeClr val="accent6"/>
+            </a:lnRef>
+            <a:fillRef idx="1">
+              <a:schemeClr val="lt1"/>
+            </a:fillRef>
+            <a:effectRef idx="0">
+              <a:schemeClr val="accent6"/>
+            </a:effectRef>
+            <a:fontRef idx="minor">
+              <a:schemeClr val="dk1"/>
+            </a:fontRef>
+          </p:style>
+          <p:txBody>
+            <a:bodyPr rtlCol="0" anchor="t" anchorCtr="0"/>
+            <a:p>
+              <a:pPr algn="l"/>
+              <a:r>
+                <a:rPr lang="en-US" altLang="zh-CN"/>
+                <a:t>HiMall</a:t>
+              </a:r>
+              <a:endParaRPr lang="en-US" altLang="zh-CN"/>
+            </a:p>
+          </p:txBody>
+        </p:sp>
+        <p:sp>
+          <p:nvSpPr>
+            <p:cNvPr id="12" name="矩形 11"/>
+            <p:cNvSpPr/>
+            <p:nvPr/>
+          </p:nvSpPr>
+          <p:spPr>
+            <a:xfrm>
+              <a:off x="4656" y="9111"/>
+              <a:ext cx="1687" cy="604"/>
+            </a:xfrm>
+            <a:prstGeom prst="rect">
+              <a:avLst/>
+            </a:prstGeom>
+          </p:spPr>
+          <p:style>
+            <a:lnRef idx="2">
+              <a:schemeClr val="accent1">
+                <a:shade val="50000"/>
+              </a:schemeClr>
+            </a:lnRef>
+            <a:fillRef idx="1">
+              <a:schemeClr val="accent1"/>
+            </a:fillRef>
+            <a:effectRef idx="0">
+              <a:schemeClr val="accent1"/>
+            </a:effectRef>
+            <a:fontRef idx="minor">
+              <a:schemeClr val="lt1"/>
+            </a:fontRef>
+          </p:style>
+          <p:txBody>
+            <a:bodyPr rtlCol="0" anchor="ctr"/>
+            <a:p>
+              <a:pPr algn="ctr"/>
+              <a:r>
+                <a:rPr lang="zh-CN" altLang="en-US" sz="1200"/>
+                <a:t>hi-auth-web</a:t>
+              </a:r>
+              <a:endParaRPr lang="zh-CN" altLang="en-US" sz="1200"/>
+            </a:p>
+          </p:txBody>
+        </p:sp>
+      </p:grpSp>
+      <p:grpSp>
+        <p:nvGrpSpPr>
+          <p:cNvPr id="37" name="组合 36"/>
+          <p:cNvGrpSpPr/>
           <p:nvPr/>
-        </p:nvSpPr>
-        <p:spPr>
+        </p:nvGrpSpPr>
+        <p:grpSpPr>
           <a:xfrm>
-            <a:off x="5138420" y="1719580"/>
-            <a:ext cx="1169670" cy="374015"/>
+            <a:off x="640715" y="450850"/>
+            <a:ext cx="1451610" cy="5942330"/>
+            <a:chOff x="904" y="710"/>
+            <a:chExt cx="2286" cy="9358"/>
           </a:xfrm>
-          <a:prstGeom prst="roundRect">
-            <a:avLst/>
-          </a:prstGeom>
-        </p:spPr>
-        <p:style>
-          <a:lnRef idx="2">
-            <a:schemeClr val="accent1">
-              <a:shade val="50000"/>
-            </a:schemeClr>
-          </a:lnRef>
-          <a:fillRef idx="1">
-            <a:schemeClr val="accent1"/>
-          </a:fillRef>
-          <a:effectRef idx="0">
-            <a:schemeClr val="accent1"/>
-          </a:effectRef>
-          <a:fontRef idx="minor">
-            <a:schemeClr val="lt1"/>
-          </a:fontRef>
-        </p:style>
-        <p:txBody>
-          <a:bodyPr rtlCol="0" anchor="ctr"/>
-          <a:p>
-            <a:pPr algn="ctr"/>
-            <a:r>
-              <a:rPr lang="zh-CN" altLang="zh-CN"/>
-              <a:t>小程序</a:t>
-            </a:r>
-            <a:endParaRPr lang="zh-CN" altLang="zh-CN"/>
-          </a:p>
-        </p:txBody>
-      </p:sp>
-      <p:sp>
-        <p:nvSpPr>
-          <p:cNvPr id="6" name="圆角矩形 5"/>
-          <p:cNvSpPr/>
+        </p:grpSpPr>
+        <p:sp>
+          <p:nvSpPr>
+            <p:cNvPr id="33" name="矩形 32"/>
+            <p:cNvSpPr/>
+            <p:nvPr/>
+          </p:nvSpPr>
+          <p:spPr>
+            <a:xfrm>
+              <a:off x="904" y="710"/>
+              <a:ext cx="2287" cy="9359"/>
+            </a:xfrm>
+            <a:prstGeom prst="rect">
+              <a:avLst/>
+            </a:prstGeom>
+            <a:pattFill prst="pct5">
+              <a:fgClr>
+                <a:schemeClr val="accent1"/>
+              </a:fgClr>
+              <a:bgClr>
+                <a:schemeClr val="bg1"/>
+              </a:bgClr>
+            </a:pattFill>
+            <a:ln w="12700" cmpd="sng">
+              <a:solidFill>
+                <a:schemeClr val="accent1">
+                  <a:shade val="50000"/>
+                </a:schemeClr>
+              </a:solidFill>
+              <a:prstDash val="dash"/>
+            </a:ln>
+          </p:spPr>
+          <p:style>
+            <a:lnRef idx="2">
+              <a:schemeClr val="accent6"/>
+            </a:lnRef>
+            <a:fillRef idx="1">
+              <a:schemeClr val="lt1"/>
+            </a:fillRef>
+            <a:effectRef idx="0">
+              <a:schemeClr val="accent6"/>
+            </a:effectRef>
+            <a:fontRef idx="minor">
+              <a:schemeClr val="dk1"/>
+            </a:fontRef>
+          </p:style>
+          <p:txBody>
+            <a:bodyPr rtlCol="0" anchor="t" anchorCtr="0"/>
+            <a:p>
+              <a:pPr algn="l"/>
+              <a:r>
+                <a:rPr lang="en-US" altLang="zh-CN"/>
+                <a:t>HiAuth</a:t>
+              </a:r>
+              <a:endParaRPr lang="en-US" altLang="zh-CN"/>
+            </a:p>
+          </p:txBody>
+        </p:sp>
+        <p:sp>
+          <p:nvSpPr>
+            <p:cNvPr id="13" name="矩形 12"/>
+            <p:cNvSpPr/>
+            <p:nvPr/>
+          </p:nvSpPr>
+          <p:spPr>
+            <a:xfrm>
+              <a:off x="1248" y="9128"/>
+              <a:ext cx="1535" cy="604"/>
+            </a:xfrm>
+            <a:prstGeom prst="rect">
+              <a:avLst/>
+            </a:prstGeom>
+          </p:spPr>
+          <p:style>
+            <a:lnRef idx="2">
+              <a:schemeClr val="accent1">
+                <a:shade val="50000"/>
+              </a:schemeClr>
+            </a:lnRef>
+            <a:fillRef idx="1">
+              <a:schemeClr val="accent1"/>
+            </a:fillRef>
+            <a:effectRef idx="0">
+              <a:schemeClr val="accent1"/>
+            </a:effectRef>
+            <a:fontRef idx="minor">
+              <a:schemeClr val="lt1"/>
+            </a:fontRef>
+          </p:style>
+          <p:txBody>
+            <a:bodyPr rtlCol="0" anchor="ctr"/>
+            <a:p>
+              <a:pPr algn="ctr"/>
+              <a:r>
+                <a:rPr lang="zh-CN" altLang="en-US" sz="1200"/>
+                <a:t>hi-mall-web</a:t>
+              </a:r>
+              <a:endParaRPr lang="zh-CN" altLang="en-US" sz="1200"/>
+            </a:p>
+          </p:txBody>
+        </p:sp>
+      </p:grpSp>
+      <p:grpSp>
+        <p:nvGrpSpPr>
+          <p:cNvPr id="35" name="组合 34"/>
+          <p:cNvGrpSpPr/>
           <p:nvPr/>
-        </p:nvSpPr>
-        <p:spPr>
+        </p:nvGrpSpPr>
+        <p:grpSpPr>
           <a:xfrm>
-            <a:off x="6910705" y="1719580"/>
-            <a:ext cx="892175" cy="374015"/>
+            <a:off x="4929505" y="431165"/>
+            <a:ext cx="6728460" cy="5952490"/>
+            <a:chOff x="8019" y="695"/>
+            <a:chExt cx="10596" cy="9374"/>
           </a:xfrm>
-          <a:prstGeom prst="roundRect">
-            <a:avLst/>
-          </a:prstGeom>
-        </p:spPr>
-        <p:style>
-          <a:lnRef idx="2">
-            <a:schemeClr val="accent1">
-              <a:shade val="50000"/>
-            </a:schemeClr>
-          </a:lnRef>
-          <a:fillRef idx="1">
-            <a:schemeClr val="accent1"/>
-          </a:fillRef>
-          <a:effectRef idx="0">
-            <a:schemeClr val="accent1"/>
-          </a:effectRef>
-          <a:fontRef idx="minor">
-            <a:schemeClr val="lt1"/>
-          </a:fontRef>
-        </p:style>
-        <p:txBody>
-          <a:bodyPr rtlCol="0" anchor="ctr"/>
-          <a:p>
-            <a:pPr algn="ctr"/>
-            <a:r>
-              <a:rPr lang="en-US" altLang="zh-CN"/>
-              <a:t>PC</a:t>
-            </a:r>
-            <a:endParaRPr lang="en-US" altLang="zh-CN"/>
-          </a:p>
-        </p:txBody>
-      </p:sp>
-      <p:sp>
-        <p:nvSpPr>
-          <p:cNvPr id="7" name="矩形 6"/>
-          <p:cNvSpPr/>
-          <p:nvPr/>
-        </p:nvSpPr>
-        <p:spPr>
-          <a:xfrm>
-            <a:off x="5177155" y="3062605"/>
-            <a:ext cx="1092835" cy="373380"/>
-          </a:xfrm>
-          <a:prstGeom prst="rect">
-            <a:avLst/>
-          </a:prstGeom>
-        </p:spPr>
-        <p:style>
-          <a:lnRef idx="2">
-            <a:schemeClr val="accent1">
-              <a:shade val="50000"/>
-            </a:schemeClr>
-          </a:lnRef>
-          <a:fillRef idx="1">
-            <a:schemeClr val="accent1"/>
-          </a:fillRef>
-          <a:effectRef idx="0">
-            <a:schemeClr val="accent1"/>
-          </a:effectRef>
-          <a:fontRef idx="minor">
-            <a:schemeClr val="lt1"/>
-          </a:fontRef>
-        </p:style>
-        <p:txBody>
-          <a:bodyPr rtlCol="0" anchor="ctr"/>
-          <a:p>
-            <a:pPr algn="ctr"/>
-            <a:r>
-              <a:rPr lang="en-US" altLang="zh-CN"/>
-              <a:t>nginx</a:t>
-            </a:r>
-            <a:endParaRPr lang="en-US" altLang="zh-CN"/>
-          </a:p>
-        </p:txBody>
-      </p:sp>
-      <p:sp>
-        <p:nvSpPr>
-          <p:cNvPr id="8" name="矩形 7"/>
-          <p:cNvSpPr/>
-          <p:nvPr/>
-        </p:nvSpPr>
-        <p:spPr>
-          <a:xfrm>
-            <a:off x="5005705" y="4404995"/>
-            <a:ext cx="1435100" cy="461010"/>
-          </a:xfrm>
-          <a:prstGeom prst="rect">
-            <a:avLst/>
-          </a:prstGeom>
-        </p:spPr>
-        <p:style>
-          <a:lnRef idx="2">
-            <a:schemeClr val="accent1">
-              <a:shade val="50000"/>
-            </a:schemeClr>
-          </a:lnRef>
-          <a:fillRef idx="1">
-            <a:schemeClr val="accent1"/>
-          </a:fillRef>
-          <a:effectRef idx="0">
-            <a:schemeClr val="accent1"/>
-          </a:effectRef>
-          <a:fontRef idx="minor">
-            <a:schemeClr val="lt1"/>
-          </a:fontRef>
-        </p:style>
-        <p:txBody>
-          <a:bodyPr rtlCol="0" anchor="ctr"/>
-          <a:p>
-            <a:pPr algn="ctr"/>
-            <a:r>
-              <a:rPr lang="en-US" altLang="zh-CN"/>
-              <a:t>user svr</a:t>
-            </a:r>
-            <a:endParaRPr lang="en-US" altLang="zh-CN"/>
-          </a:p>
-        </p:txBody>
-      </p:sp>
-      <p:sp>
-        <p:nvSpPr>
-          <p:cNvPr id="9" name="矩形 8"/>
-          <p:cNvSpPr/>
-          <p:nvPr/>
-        </p:nvSpPr>
-        <p:spPr>
-          <a:xfrm>
-            <a:off x="7146925" y="4404995"/>
-            <a:ext cx="1435100" cy="461010"/>
-          </a:xfrm>
-          <a:prstGeom prst="rect">
-            <a:avLst/>
-          </a:prstGeom>
-        </p:spPr>
-        <p:style>
-          <a:lnRef idx="2">
-            <a:schemeClr val="accent1">
-              <a:shade val="50000"/>
-            </a:schemeClr>
-          </a:lnRef>
-          <a:fillRef idx="1">
-            <a:schemeClr val="accent1"/>
-          </a:fillRef>
-          <a:effectRef idx="0">
-            <a:schemeClr val="accent1"/>
-          </a:effectRef>
-          <a:fontRef idx="minor">
-            <a:schemeClr val="lt1"/>
-          </a:fontRef>
-        </p:style>
-        <p:txBody>
-          <a:bodyPr rtlCol="0" anchor="ctr"/>
-          <a:p>
-            <a:pPr algn="ctr"/>
-            <a:r>
-              <a:rPr lang="en-US" altLang="zh-CN"/>
-              <a:t>order svr</a:t>
-            </a:r>
-            <a:endParaRPr lang="en-US" altLang="zh-CN"/>
-          </a:p>
-        </p:txBody>
-      </p:sp>
-      <p:sp>
-        <p:nvSpPr>
-          <p:cNvPr id="10" name="矩形 9"/>
-          <p:cNvSpPr/>
-          <p:nvPr/>
-        </p:nvSpPr>
-        <p:spPr>
-          <a:xfrm>
-            <a:off x="2721610" y="4404995"/>
-            <a:ext cx="1435100" cy="461010"/>
-          </a:xfrm>
-          <a:prstGeom prst="rect">
-            <a:avLst/>
-          </a:prstGeom>
-        </p:spPr>
-        <p:style>
-          <a:lnRef idx="2">
-            <a:schemeClr val="accent1">
-              <a:shade val="50000"/>
-            </a:schemeClr>
-          </a:lnRef>
-          <a:fillRef idx="1">
-            <a:schemeClr val="accent1"/>
-          </a:fillRef>
-          <a:effectRef idx="0">
-            <a:schemeClr val="accent1"/>
-          </a:effectRef>
-          <a:fontRef idx="minor">
-            <a:schemeClr val="lt1"/>
-          </a:fontRef>
-        </p:style>
-        <p:txBody>
-          <a:bodyPr rtlCol="0" anchor="ctr"/>
-          <a:p>
-            <a:pPr algn="ctr"/>
-            <a:r>
-              <a:rPr lang="en-US" altLang="zh-CN"/>
-              <a:t>auth svr</a:t>
-            </a:r>
-            <a:endParaRPr lang="en-US" altLang="zh-CN"/>
-          </a:p>
-        </p:txBody>
-      </p:sp>
-      <p:sp>
-        <p:nvSpPr>
-          <p:cNvPr id="11" name="文本框 10"/>
-          <p:cNvSpPr txBox="1"/>
-          <p:nvPr/>
-        </p:nvSpPr>
-        <p:spPr>
-          <a:xfrm>
-            <a:off x="795020" y="615315"/>
-            <a:ext cx="1097280" cy="368300"/>
-          </a:xfrm>
-          <a:prstGeom prst="rect">
-            <a:avLst/>
-          </a:prstGeom>
-          <a:noFill/>
-        </p:spPr>
-        <p:txBody>
-          <a:bodyPr wrap="none" rtlCol="0">
-            <a:spAutoFit/>
-          </a:bodyPr>
-          <a:p>
-            <a:r>
-              <a:rPr lang="zh-CN" altLang="en-US"/>
-              <a:t>应用部署</a:t>
-            </a:r>
-            <a:endParaRPr lang="zh-CN" altLang="en-US"/>
-          </a:p>
-        </p:txBody>
-      </p:sp>
+        </p:grpSpPr>
+        <p:sp>
+          <p:nvSpPr>
+            <p:cNvPr id="32" name="矩形 31"/>
+            <p:cNvSpPr/>
+            <p:nvPr/>
+          </p:nvSpPr>
+          <p:spPr>
+            <a:xfrm>
+              <a:off x="8019" y="695"/>
+              <a:ext cx="10597" cy="9374"/>
+            </a:xfrm>
+            <a:prstGeom prst="rect">
+              <a:avLst/>
+            </a:prstGeom>
+            <a:pattFill prst="pct5">
+              <a:fgClr>
+                <a:schemeClr val="accent1"/>
+              </a:fgClr>
+              <a:bgClr>
+                <a:schemeClr val="bg1"/>
+              </a:bgClr>
+            </a:pattFill>
+            <a:ln w="12700" cmpd="sng">
+              <a:solidFill>
+                <a:schemeClr val="accent1">
+                  <a:shade val="50000"/>
+                </a:schemeClr>
+              </a:solidFill>
+              <a:prstDash val="dash"/>
+            </a:ln>
+          </p:spPr>
+          <p:style>
+            <a:lnRef idx="2">
+              <a:schemeClr val="accent6"/>
+            </a:lnRef>
+            <a:fillRef idx="1">
+              <a:schemeClr val="lt1"/>
+            </a:fillRef>
+            <a:effectRef idx="0">
+              <a:schemeClr val="accent6"/>
+            </a:effectRef>
+            <a:fontRef idx="minor">
+              <a:schemeClr val="dk1"/>
+            </a:fontRef>
+          </p:style>
+          <p:txBody>
+            <a:bodyPr rtlCol="0" anchor="t" anchorCtr="0"/>
+            <a:p>
+              <a:pPr algn="l"/>
+              <a:r>
+                <a:rPr lang="en-US" altLang="zh-CN"/>
+                <a:t>HiMall Micro Svr</a:t>
+              </a:r>
+              <a:endParaRPr lang="zh-CN" altLang="en-US"/>
+            </a:p>
+          </p:txBody>
+        </p:sp>
+        <p:sp>
+          <p:nvSpPr>
+            <p:cNvPr id="4" name="矩形 3"/>
+            <p:cNvSpPr/>
+            <p:nvPr/>
+          </p:nvSpPr>
+          <p:spPr>
+            <a:xfrm>
+              <a:off x="10050" y="1322"/>
+              <a:ext cx="2230" cy="604"/>
+            </a:xfrm>
+            <a:prstGeom prst="rect">
+              <a:avLst/>
+            </a:prstGeom>
+          </p:spPr>
+          <p:style>
+            <a:lnRef idx="2">
+              <a:schemeClr val="accent1">
+                <a:shade val="50000"/>
+              </a:schemeClr>
+            </a:lnRef>
+            <a:fillRef idx="1">
+              <a:schemeClr val="accent1"/>
+            </a:fillRef>
+            <a:effectRef idx="0">
+              <a:schemeClr val="accent1"/>
+            </a:effectRef>
+            <a:fontRef idx="minor">
+              <a:schemeClr val="lt1"/>
+            </a:fontRef>
+          </p:style>
+          <p:txBody>
+            <a:bodyPr rtlCol="0" anchor="ctr"/>
+            <a:p>
+              <a:pPr algn="ctr"/>
+              <a:r>
+                <a:rPr lang="zh-CN" altLang="en-US" sz="1200"/>
+                <a:t>hi-mall-common</a:t>
+              </a:r>
+              <a:endParaRPr lang="zh-CN" altLang="en-US" sz="1200"/>
+            </a:p>
+          </p:txBody>
+        </p:sp>
+        <p:sp>
+          <p:nvSpPr>
+            <p:cNvPr id="5" name="矩形 4"/>
+            <p:cNvSpPr/>
+            <p:nvPr/>
+          </p:nvSpPr>
+          <p:spPr>
+            <a:xfrm>
+              <a:off x="11469" y="3396"/>
+              <a:ext cx="1621" cy="604"/>
+            </a:xfrm>
+            <a:prstGeom prst="rect">
+              <a:avLst/>
+            </a:prstGeom>
+          </p:spPr>
+          <p:style>
+            <a:lnRef idx="2">
+              <a:schemeClr val="accent1">
+                <a:shade val="50000"/>
+              </a:schemeClr>
+            </a:lnRef>
+            <a:fillRef idx="1">
+              <a:schemeClr val="accent1"/>
+            </a:fillRef>
+            <a:effectRef idx="0">
+              <a:schemeClr val="accent1"/>
+            </a:effectRef>
+            <a:fontRef idx="minor">
+              <a:schemeClr val="lt1"/>
+            </a:fontRef>
+          </p:style>
+          <p:txBody>
+            <a:bodyPr rtlCol="0" anchor="ctr"/>
+            <a:p>
+              <a:pPr algn="ctr"/>
+              <a:r>
+                <a:rPr lang="zh-CN" altLang="en-US" sz="1200"/>
+                <a:t>hi-mall-core</a:t>
+              </a:r>
+              <a:endParaRPr lang="zh-CN" altLang="en-US" sz="1200"/>
+            </a:p>
+          </p:txBody>
+        </p:sp>
+        <p:sp>
+          <p:nvSpPr>
+            <p:cNvPr id="6" name="矩形 5"/>
+            <p:cNvSpPr/>
+            <p:nvPr/>
+          </p:nvSpPr>
+          <p:spPr>
+            <a:xfrm>
+              <a:off x="9095" y="3396"/>
+              <a:ext cx="1689" cy="604"/>
+            </a:xfrm>
+            <a:prstGeom prst="rect">
+              <a:avLst/>
+            </a:prstGeom>
+          </p:spPr>
+          <p:style>
+            <a:lnRef idx="2">
+              <a:schemeClr val="accent1">
+                <a:shade val="50000"/>
+              </a:schemeClr>
+            </a:lnRef>
+            <a:fillRef idx="1">
+              <a:schemeClr val="accent1"/>
+            </a:fillRef>
+            <a:effectRef idx="0">
+              <a:schemeClr val="accent1"/>
+            </a:effectRef>
+            <a:fontRef idx="minor">
+              <a:schemeClr val="lt1"/>
+            </a:fontRef>
+          </p:style>
+          <p:txBody>
+            <a:bodyPr rtlCol="0" anchor="ctr"/>
+            <a:p>
+              <a:pPr algn="ctr"/>
+              <a:r>
+                <a:rPr lang="zh-CN" altLang="en-US" sz="1200"/>
+                <a:t>hi-mall-entity</a:t>
+              </a:r>
+              <a:endParaRPr lang="zh-CN" altLang="en-US" sz="1200"/>
+            </a:p>
+          </p:txBody>
+        </p:sp>
+        <p:sp>
+          <p:nvSpPr>
+            <p:cNvPr id="7" name="矩形 6"/>
+            <p:cNvSpPr/>
+            <p:nvPr/>
+          </p:nvSpPr>
+          <p:spPr>
+            <a:xfrm>
+              <a:off x="8335" y="5446"/>
+              <a:ext cx="2531" cy="604"/>
+            </a:xfrm>
+            <a:prstGeom prst="rect">
+              <a:avLst/>
+            </a:prstGeom>
+          </p:spPr>
+          <p:style>
+            <a:lnRef idx="2">
+              <a:schemeClr val="accent1">
+                <a:shade val="50000"/>
+              </a:schemeClr>
+            </a:lnRef>
+            <a:fillRef idx="1">
+              <a:schemeClr val="accent1"/>
+            </a:fillRef>
+            <a:effectRef idx="0">
+              <a:schemeClr val="accent1"/>
+            </a:effectRef>
+            <a:fontRef idx="minor">
+              <a:schemeClr val="lt1"/>
+            </a:fontRef>
+          </p:style>
+          <p:txBody>
+            <a:bodyPr rtlCol="0" anchor="ctr"/>
+            <a:p>
+              <a:pPr algn="ctr"/>
+              <a:r>
+                <a:rPr lang="zh-CN" altLang="en-US" sz="1200"/>
+                <a:t>hi-mall-microsvr-api</a:t>
+              </a:r>
+              <a:endParaRPr lang="zh-CN" altLang="en-US" sz="1200"/>
+            </a:p>
+          </p:txBody>
+        </p:sp>
+        <p:sp>
+          <p:nvSpPr>
+            <p:cNvPr id="8" name="矩形 7"/>
+            <p:cNvSpPr/>
+            <p:nvPr/>
+          </p:nvSpPr>
+          <p:spPr>
+            <a:xfrm>
+              <a:off x="12569" y="1322"/>
+              <a:ext cx="2788" cy="604"/>
+            </a:xfrm>
+            <a:prstGeom prst="rect">
+              <a:avLst/>
+            </a:prstGeom>
+          </p:spPr>
+          <p:style>
+            <a:lnRef idx="2">
+              <a:schemeClr val="accent1">
+                <a:shade val="50000"/>
+              </a:schemeClr>
+            </a:lnRef>
+            <a:fillRef idx="1">
+              <a:schemeClr val="accent1"/>
+            </a:fillRef>
+            <a:effectRef idx="0">
+              <a:schemeClr val="accent1"/>
+            </a:effectRef>
+            <a:fontRef idx="minor">
+              <a:schemeClr val="lt1"/>
+            </a:fontRef>
+          </p:style>
+          <p:txBody>
+            <a:bodyPr rtlCol="0" anchor="ctr"/>
+            <a:p>
+              <a:pPr algn="ctr"/>
+              <a:r>
+                <a:rPr lang="zh-CN" altLang="en-US" sz="1200"/>
+                <a:t>hi-mall-starter-swagger2</a:t>
+              </a:r>
+              <a:endParaRPr lang="zh-CN" altLang="en-US" sz="1200"/>
+            </a:p>
+          </p:txBody>
+        </p:sp>
+        <p:sp>
+          <p:nvSpPr>
+            <p:cNvPr id="9" name="矩形 8"/>
+            <p:cNvSpPr/>
+            <p:nvPr/>
+          </p:nvSpPr>
+          <p:spPr>
+            <a:xfrm>
+              <a:off x="15495" y="1322"/>
+              <a:ext cx="2787" cy="604"/>
+            </a:xfrm>
+            <a:prstGeom prst="rect">
+              <a:avLst/>
+            </a:prstGeom>
+          </p:spPr>
+          <p:style>
+            <a:lnRef idx="2">
+              <a:schemeClr val="accent1">
+                <a:shade val="50000"/>
+              </a:schemeClr>
+            </a:lnRef>
+            <a:fillRef idx="1">
+              <a:schemeClr val="accent1"/>
+            </a:fillRef>
+            <a:effectRef idx="0">
+              <a:schemeClr val="accent1"/>
+            </a:effectRef>
+            <a:fontRef idx="minor">
+              <a:schemeClr val="lt1"/>
+            </a:fontRef>
+          </p:style>
+          <p:txBody>
+            <a:bodyPr rtlCol="0" anchor="ctr"/>
+            <a:p>
+              <a:pPr algn="ctr"/>
+              <a:r>
+                <a:rPr lang="zh-CN" altLang="en-US" sz="1200"/>
+                <a:t>hi-mall-starter-monitor</a:t>
+              </a:r>
+              <a:endParaRPr lang="zh-CN" altLang="en-US" sz="1200"/>
+            </a:p>
+          </p:txBody>
+        </p:sp>
+        <p:sp>
+          <p:nvSpPr>
+            <p:cNvPr id="10" name="矩形 9"/>
+            <p:cNvSpPr/>
+            <p:nvPr/>
+          </p:nvSpPr>
+          <p:spPr>
+            <a:xfrm>
+              <a:off x="12064" y="7804"/>
+              <a:ext cx="2788" cy="604"/>
+            </a:xfrm>
+            <a:prstGeom prst="rect">
+              <a:avLst/>
+            </a:prstGeom>
+          </p:spPr>
+          <p:style>
+            <a:lnRef idx="2">
+              <a:schemeClr val="accent1">
+                <a:shade val="50000"/>
+              </a:schemeClr>
+            </a:lnRef>
+            <a:fillRef idx="1">
+              <a:schemeClr val="accent1"/>
+            </a:fillRef>
+            <a:effectRef idx="0">
+              <a:schemeClr val="accent1"/>
+            </a:effectRef>
+            <a:fontRef idx="minor">
+              <a:schemeClr val="lt1"/>
+            </a:fontRef>
+          </p:style>
+          <p:txBody>
+            <a:bodyPr rtlCol="0" anchor="ctr"/>
+            <a:p>
+              <a:pPr algn="ctr"/>
+              <a:r>
+                <a:rPr lang="zh-CN" altLang="en-US" sz="1200"/>
+                <a:t>hi-mall-microsvr-order</a:t>
+              </a:r>
+              <a:endParaRPr lang="zh-CN" altLang="en-US" sz="1200"/>
+            </a:p>
+          </p:txBody>
+        </p:sp>
+        <p:sp>
+          <p:nvSpPr>
+            <p:cNvPr id="11" name="矩形 10"/>
+            <p:cNvSpPr/>
+            <p:nvPr/>
+          </p:nvSpPr>
+          <p:spPr>
+            <a:xfrm>
+              <a:off x="15495" y="7804"/>
+              <a:ext cx="2787" cy="604"/>
+            </a:xfrm>
+            <a:prstGeom prst="rect">
+              <a:avLst/>
+            </a:prstGeom>
+          </p:spPr>
+          <p:style>
+            <a:lnRef idx="2">
+              <a:schemeClr val="accent1">
+                <a:shade val="50000"/>
+              </a:schemeClr>
+            </a:lnRef>
+            <a:fillRef idx="1">
+              <a:schemeClr val="accent1"/>
+            </a:fillRef>
+            <a:effectRef idx="0">
+              <a:schemeClr val="accent1"/>
+            </a:effectRef>
+            <a:fontRef idx="minor">
+              <a:schemeClr val="lt1"/>
+            </a:fontRef>
+          </p:style>
+          <p:txBody>
+            <a:bodyPr rtlCol="0" anchor="ctr"/>
+            <a:p>
+              <a:pPr algn="ctr"/>
+              <a:r>
+                <a:rPr lang="zh-CN" altLang="en-US" sz="1200"/>
+                <a:t>hi-mall-microsvr-goods</a:t>
+              </a:r>
+              <a:endParaRPr lang="zh-CN" altLang="en-US" sz="1200"/>
+            </a:p>
+          </p:txBody>
+        </p:sp>
+        <p:cxnSp>
+          <p:nvCxnSpPr>
+            <p:cNvPr id="14" name="直接箭头连接符 13"/>
+            <p:cNvCxnSpPr>
+              <a:stCxn id="5" idx="0"/>
+              <a:endCxn id="4" idx="2"/>
+            </p:cNvCxnSpPr>
+            <p:nvPr/>
+          </p:nvCxnSpPr>
+          <p:spPr>
+            <a:xfrm flipH="1" flipV="1">
+              <a:off x="11165" y="1926"/>
+              <a:ext cx="1115" cy="1470"/>
+            </a:xfrm>
+            <a:prstGeom prst="straightConnector1">
+              <a:avLst/>
+            </a:prstGeom>
+            <a:ln>
+              <a:tailEnd type="arrow"/>
+            </a:ln>
+          </p:spPr>
+          <p:style>
+            <a:lnRef idx="1">
+              <a:schemeClr val="accent1"/>
+            </a:lnRef>
+            <a:fillRef idx="0">
+              <a:schemeClr val="accent1"/>
+            </a:fillRef>
+            <a:effectRef idx="0">
+              <a:schemeClr val="accent1"/>
+            </a:effectRef>
+            <a:fontRef idx="minor">
+              <a:schemeClr val="tx1"/>
+            </a:fontRef>
+          </p:style>
+        </p:cxnSp>
+        <p:cxnSp>
+          <p:nvCxnSpPr>
+            <p:cNvPr id="15" name="直接箭头连接符 14"/>
+            <p:cNvCxnSpPr>
+              <a:stCxn id="6" idx="0"/>
+              <a:endCxn id="4" idx="2"/>
+            </p:cNvCxnSpPr>
+            <p:nvPr/>
+          </p:nvCxnSpPr>
+          <p:spPr>
+            <a:xfrm flipV="1">
+              <a:off x="9940" y="1926"/>
+              <a:ext cx="1225" cy="1470"/>
+            </a:xfrm>
+            <a:prstGeom prst="straightConnector1">
+              <a:avLst/>
+            </a:prstGeom>
+            <a:ln>
+              <a:tailEnd type="arrow"/>
+            </a:ln>
+          </p:spPr>
+          <p:style>
+            <a:lnRef idx="1">
+              <a:schemeClr val="accent1"/>
+            </a:lnRef>
+            <a:fillRef idx="0">
+              <a:schemeClr val="accent1"/>
+            </a:fillRef>
+            <a:effectRef idx="0">
+              <a:schemeClr val="accent1"/>
+            </a:effectRef>
+            <a:fontRef idx="minor">
+              <a:schemeClr val="tx1"/>
+            </a:fontRef>
+          </p:style>
+        </p:cxnSp>
+        <p:cxnSp>
+          <p:nvCxnSpPr>
+            <p:cNvPr id="16" name="直接箭头连接符 15"/>
+            <p:cNvCxnSpPr>
+              <a:stCxn id="7" idx="0"/>
+              <a:endCxn id="6" idx="2"/>
+            </p:cNvCxnSpPr>
+            <p:nvPr/>
+          </p:nvCxnSpPr>
+          <p:spPr>
+            <a:xfrm flipV="1">
+              <a:off x="9601" y="4000"/>
+              <a:ext cx="339" cy="1446"/>
+            </a:xfrm>
+            <a:prstGeom prst="straightConnector1">
+              <a:avLst/>
+            </a:prstGeom>
+            <a:ln>
+              <a:tailEnd type="arrow"/>
+            </a:ln>
+          </p:spPr>
+          <p:style>
+            <a:lnRef idx="1">
+              <a:schemeClr val="accent1"/>
+            </a:lnRef>
+            <a:fillRef idx="0">
+              <a:schemeClr val="accent1"/>
+            </a:fillRef>
+            <a:effectRef idx="0">
+              <a:schemeClr val="accent1"/>
+            </a:effectRef>
+            <a:fontRef idx="minor">
+              <a:schemeClr val="tx1"/>
+            </a:fontRef>
+          </p:style>
+        </p:cxnSp>
+        <p:cxnSp>
+          <p:nvCxnSpPr>
+            <p:cNvPr id="17" name="直接箭头连接符 16"/>
+            <p:cNvCxnSpPr>
+              <a:stCxn id="10" idx="0"/>
+              <a:endCxn id="5" idx="2"/>
+            </p:cNvCxnSpPr>
+            <p:nvPr/>
+          </p:nvCxnSpPr>
+          <p:spPr>
+            <a:xfrm flipH="1" flipV="1">
+              <a:off x="12280" y="4000"/>
+              <a:ext cx="1178" cy="3804"/>
+            </a:xfrm>
+            <a:prstGeom prst="straightConnector1">
+              <a:avLst/>
+            </a:prstGeom>
+            <a:ln>
+              <a:tailEnd type="arrow"/>
+            </a:ln>
+          </p:spPr>
+          <p:style>
+            <a:lnRef idx="1">
+              <a:schemeClr val="accent1"/>
+            </a:lnRef>
+            <a:fillRef idx="0">
+              <a:schemeClr val="accent1"/>
+            </a:fillRef>
+            <a:effectRef idx="0">
+              <a:schemeClr val="accent1"/>
+            </a:effectRef>
+            <a:fontRef idx="minor">
+              <a:schemeClr val="tx1"/>
+            </a:fontRef>
+          </p:style>
+        </p:cxnSp>
+        <p:cxnSp>
+          <p:nvCxnSpPr>
+            <p:cNvPr id="19" name="直接箭头连接符 18"/>
+            <p:cNvCxnSpPr>
+              <a:stCxn id="11" idx="0"/>
+              <a:endCxn id="5" idx="2"/>
+            </p:cNvCxnSpPr>
+            <p:nvPr/>
+          </p:nvCxnSpPr>
+          <p:spPr>
+            <a:xfrm flipH="1" flipV="1">
+              <a:off x="12280" y="4000"/>
+              <a:ext cx="4609" cy="3804"/>
+            </a:xfrm>
+            <a:prstGeom prst="straightConnector1">
+              <a:avLst/>
+            </a:prstGeom>
+            <a:ln>
+              <a:tailEnd type="arrow"/>
+            </a:ln>
+          </p:spPr>
+          <p:style>
+            <a:lnRef idx="1">
+              <a:schemeClr val="accent1"/>
+            </a:lnRef>
+            <a:fillRef idx="0">
+              <a:schemeClr val="accent1"/>
+            </a:fillRef>
+            <a:effectRef idx="0">
+              <a:schemeClr val="accent1"/>
+            </a:effectRef>
+            <a:fontRef idx="minor">
+              <a:schemeClr val="tx1"/>
+            </a:fontRef>
+          </p:style>
+        </p:cxnSp>
+        <p:cxnSp>
+          <p:nvCxnSpPr>
+            <p:cNvPr id="20" name="直接箭头连接符 19"/>
+            <p:cNvCxnSpPr>
+              <a:stCxn id="10" idx="0"/>
+              <a:endCxn id="8" idx="2"/>
+            </p:cNvCxnSpPr>
+            <p:nvPr/>
+          </p:nvCxnSpPr>
+          <p:spPr>
+            <a:xfrm flipV="1">
+              <a:off x="13458" y="1926"/>
+              <a:ext cx="505" cy="5878"/>
+            </a:xfrm>
+            <a:prstGeom prst="straightConnector1">
+              <a:avLst/>
+            </a:prstGeom>
+            <a:ln>
+              <a:tailEnd type="arrow"/>
+            </a:ln>
+          </p:spPr>
+          <p:style>
+            <a:lnRef idx="1">
+              <a:schemeClr val="accent1"/>
+            </a:lnRef>
+            <a:fillRef idx="0">
+              <a:schemeClr val="accent1"/>
+            </a:fillRef>
+            <a:effectRef idx="0">
+              <a:schemeClr val="accent1"/>
+            </a:effectRef>
+            <a:fontRef idx="minor">
+              <a:schemeClr val="tx1"/>
+            </a:fontRef>
+          </p:style>
+        </p:cxnSp>
+        <p:cxnSp>
+          <p:nvCxnSpPr>
+            <p:cNvPr id="22" name="直接箭头连接符 21"/>
+            <p:cNvCxnSpPr>
+              <a:stCxn id="11" idx="0"/>
+              <a:endCxn id="9" idx="2"/>
+            </p:cNvCxnSpPr>
+            <p:nvPr/>
+          </p:nvCxnSpPr>
+          <p:spPr>
+            <a:xfrm flipV="1">
+              <a:off x="16889" y="1926"/>
+              <a:ext cx="0" cy="5878"/>
+            </a:xfrm>
+            <a:prstGeom prst="straightConnector1">
+              <a:avLst/>
+            </a:prstGeom>
+            <a:ln>
+              <a:tailEnd type="arrow"/>
+            </a:ln>
+          </p:spPr>
+          <p:style>
+            <a:lnRef idx="1">
+              <a:schemeClr val="accent1"/>
+            </a:lnRef>
+            <a:fillRef idx="0">
+              <a:schemeClr val="accent1"/>
+            </a:fillRef>
+            <a:effectRef idx="0">
+              <a:schemeClr val="accent1"/>
+            </a:effectRef>
+            <a:fontRef idx="minor">
+              <a:schemeClr val="tx1"/>
+            </a:fontRef>
+          </p:style>
+        </p:cxnSp>
+        <p:cxnSp>
+          <p:nvCxnSpPr>
+            <p:cNvPr id="23" name="直接箭头连接符 22"/>
+            <p:cNvCxnSpPr>
+              <a:stCxn id="11" idx="0"/>
+              <a:endCxn id="8" idx="2"/>
+            </p:cNvCxnSpPr>
+            <p:nvPr/>
+          </p:nvCxnSpPr>
+          <p:spPr>
+            <a:xfrm flipH="1" flipV="1">
+              <a:off x="13963" y="1926"/>
+              <a:ext cx="2926" cy="5878"/>
+            </a:xfrm>
+            <a:prstGeom prst="straightConnector1">
+              <a:avLst/>
+            </a:prstGeom>
+            <a:ln>
+              <a:tailEnd type="arrow"/>
+            </a:ln>
+          </p:spPr>
+          <p:style>
+            <a:lnRef idx="1">
+              <a:schemeClr val="accent1"/>
+            </a:lnRef>
+            <a:fillRef idx="0">
+              <a:schemeClr val="accent1"/>
+            </a:fillRef>
+            <a:effectRef idx="0">
+              <a:schemeClr val="accent1"/>
+            </a:effectRef>
+            <a:fontRef idx="minor">
+              <a:schemeClr val="tx1"/>
+            </a:fontRef>
+          </p:style>
+        </p:cxnSp>
+        <p:cxnSp>
+          <p:nvCxnSpPr>
+            <p:cNvPr id="24" name="直接箭头连接符 23"/>
+            <p:cNvCxnSpPr>
+              <a:stCxn id="10" idx="0"/>
+              <a:endCxn id="9" idx="2"/>
+            </p:cNvCxnSpPr>
+            <p:nvPr/>
+          </p:nvCxnSpPr>
+          <p:spPr>
+            <a:xfrm flipV="1">
+              <a:off x="13458" y="1926"/>
+              <a:ext cx="3431" cy="5878"/>
+            </a:xfrm>
+            <a:prstGeom prst="straightConnector1">
+              <a:avLst/>
+            </a:prstGeom>
+            <a:ln>
+              <a:tailEnd type="arrow"/>
+            </a:ln>
+          </p:spPr>
+          <p:style>
+            <a:lnRef idx="1">
+              <a:schemeClr val="accent1"/>
+            </a:lnRef>
+            <a:fillRef idx="0">
+              <a:schemeClr val="accent1"/>
+            </a:fillRef>
+            <a:effectRef idx="0">
+              <a:schemeClr val="accent1"/>
+            </a:effectRef>
+            <a:fontRef idx="minor">
+              <a:schemeClr val="tx1"/>
+            </a:fontRef>
+          </p:style>
+        </p:cxnSp>
+        <p:cxnSp>
+          <p:nvCxnSpPr>
+            <p:cNvPr id="25" name="直接箭头连接符 24"/>
+            <p:cNvCxnSpPr>
+              <a:stCxn id="10" idx="0"/>
+              <a:endCxn id="6" idx="2"/>
+            </p:cNvCxnSpPr>
+            <p:nvPr/>
+          </p:nvCxnSpPr>
+          <p:spPr>
+            <a:xfrm flipH="1" flipV="1">
+              <a:off x="9940" y="4000"/>
+              <a:ext cx="3518" cy="3804"/>
+            </a:xfrm>
+            <a:prstGeom prst="straightConnector1">
+              <a:avLst/>
+            </a:prstGeom>
+            <a:ln>
+              <a:tailEnd type="arrow"/>
+            </a:ln>
+          </p:spPr>
+          <p:style>
+            <a:lnRef idx="1">
+              <a:schemeClr val="accent1"/>
+            </a:lnRef>
+            <a:fillRef idx="0">
+              <a:schemeClr val="accent1"/>
+            </a:fillRef>
+            <a:effectRef idx="0">
+              <a:schemeClr val="accent1"/>
+            </a:effectRef>
+            <a:fontRef idx="minor">
+              <a:schemeClr val="tx1"/>
+            </a:fontRef>
+          </p:style>
+        </p:cxnSp>
+        <p:cxnSp>
+          <p:nvCxnSpPr>
+            <p:cNvPr id="26" name="直接箭头连接符 25"/>
+            <p:cNvCxnSpPr>
+              <a:stCxn id="11" idx="0"/>
+              <a:endCxn id="6" idx="2"/>
+            </p:cNvCxnSpPr>
+            <p:nvPr/>
+          </p:nvCxnSpPr>
+          <p:spPr>
+            <a:xfrm flipH="1" flipV="1">
+              <a:off x="9940" y="4000"/>
+              <a:ext cx="6949" cy="3804"/>
+            </a:xfrm>
+            <a:prstGeom prst="straightConnector1">
+              <a:avLst/>
+            </a:prstGeom>
+            <a:ln>
+              <a:tailEnd type="arrow"/>
+            </a:ln>
+          </p:spPr>
+          <p:style>
+            <a:lnRef idx="1">
+              <a:schemeClr val="accent1"/>
+            </a:lnRef>
+            <a:fillRef idx="0">
+              <a:schemeClr val="accent1"/>
+            </a:fillRef>
+            <a:effectRef idx="0">
+              <a:schemeClr val="accent1"/>
+            </a:effectRef>
+            <a:fontRef idx="minor">
+              <a:schemeClr val="tx1"/>
+            </a:fontRef>
+          </p:style>
+        </p:cxnSp>
+        <p:cxnSp>
+          <p:nvCxnSpPr>
+            <p:cNvPr id="28" name="直接箭头连接符 27"/>
+            <p:cNvCxnSpPr>
+              <a:stCxn id="11" idx="0"/>
+              <a:endCxn id="7" idx="2"/>
+            </p:cNvCxnSpPr>
+            <p:nvPr/>
+          </p:nvCxnSpPr>
+          <p:spPr>
+            <a:xfrm flipH="1" flipV="1">
+              <a:off x="9601" y="6050"/>
+              <a:ext cx="7288" cy="1754"/>
+            </a:xfrm>
+            <a:prstGeom prst="straightConnector1">
+              <a:avLst/>
+            </a:prstGeom>
+            <a:ln>
+              <a:tailEnd type="arrow"/>
+            </a:ln>
+          </p:spPr>
+          <p:style>
+            <a:lnRef idx="1">
+              <a:schemeClr val="accent1"/>
+            </a:lnRef>
+            <a:fillRef idx="0">
+              <a:schemeClr val="accent1"/>
+            </a:fillRef>
+            <a:effectRef idx="0">
+              <a:schemeClr val="accent1"/>
+            </a:effectRef>
+            <a:fontRef idx="minor">
+              <a:schemeClr val="tx1"/>
+            </a:fontRef>
+          </p:style>
+        </p:cxnSp>
+        <p:cxnSp>
+          <p:nvCxnSpPr>
+            <p:cNvPr id="31" name="直接箭头连接符 30"/>
+            <p:cNvCxnSpPr>
+              <a:stCxn id="10" idx="0"/>
+              <a:endCxn id="7" idx="2"/>
+            </p:cNvCxnSpPr>
+            <p:nvPr/>
+          </p:nvCxnSpPr>
+          <p:spPr>
+            <a:xfrm flipH="1" flipV="1">
+              <a:off x="9601" y="6050"/>
+              <a:ext cx="3857" cy="1754"/>
+            </a:xfrm>
+            <a:prstGeom prst="straightConnector1">
+              <a:avLst/>
+            </a:prstGeom>
+            <a:ln>
+              <a:tailEnd type="arrow"/>
+            </a:ln>
+          </p:spPr>
+          <p:style>
+            <a:lnRef idx="1">
+              <a:schemeClr val="accent1"/>
+            </a:lnRef>
+            <a:fillRef idx="0">
+              <a:schemeClr val="accent1"/>
+            </a:fillRef>
+            <a:effectRef idx="0">
+              <a:schemeClr val="accent1"/>
+            </a:effectRef>
+            <a:fontRef idx="minor">
+              <a:schemeClr val="tx1"/>
+            </a:fontRef>
+          </p:style>
+        </p:cxnSp>
+      </p:grpSp>
       <p:cxnSp>
         <p:nvCxnSpPr>
-          <p:cNvPr id="12" name="直接箭头连接符 11"/>
+          <p:cNvPr id="29" name="直接箭头连接符 28"/>
           <p:cNvCxnSpPr>
-            <a:stCxn id="4" idx="2"/>
-            <a:endCxn id="7" idx="0"/>
+            <a:stCxn id="12" idx="0"/>
+            <a:endCxn id="7" idx="2"/>
           </p:cNvCxnSpPr>
           <p:nvPr/>
         </p:nvCxnSpPr>
         <p:spPr>
-          <a:xfrm>
-            <a:off x="4076700" y="2084070"/>
-            <a:ext cx="1647190" cy="969010"/>
+          <a:xfrm flipV="1">
+            <a:off x="3530600" y="3831590"/>
+            <a:ext cx="2403475" cy="1953895"/>
           </a:xfrm>
           <a:prstGeom prst="straightConnector1">
             <a:avLst/>
@@ -3338,2465 +4341,6 @@
           </a:fontRef>
         </p:style>
       </p:cxnSp>
-      <p:cxnSp>
-        <p:nvCxnSpPr>
-          <p:cNvPr id="13" name="直接箭头连接符 12"/>
-          <p:cNvCxnSpPr>
-            <a:stCxn id="5" idx="2"/>
-            <a:endCxn id="7" idx="0"/>
-          </p:cNvCxnSpPr>
-          <p:nvPr/>
-        </p:nvCxnSpPr>
-        <p:spPr>
-          <a:xfrm>
-            <a:off x="5723255" y="2084070"/>
-            <a:ext cx="635" cy="969010"/>
-          </a:xfrm>
-          <a:prstGeom prst="straightConnector1">
-            <a:avLst/>
-          </a:prstGeom>
-          <a:ln>
-            <a:tailEnd type="arrow"/>
-          </a:ln>
-        </p:spPr>
-        <p:style>
-          <a:lnRef idx="1">
-            <a:schemeClr val="accent1"/>
-          </a:lnRef>
-          <a:fillRef idx="0">
-            <a:schemeClr val="accent1"/>
-          </a:fillRef>
-          <a:effectRef idx="0">
-            <a:schemeClr val="accent1"/>
-          </a:effectRef>
-          <a:fontRef idx="minor">
-            <a:schemeClr val="tx1"/>
-          </a:fontRef>
-        </p:style>
-      </p:cxnSp>
-      <p:cxnSp>
-        <p:nvCxnSpPr>
-          <p:cNvPr id="15" name="直接箭头连接符 14"/>
-          <p:cNvCxnSpPr>
-            <a:stCxn id="6" idx="2"/>
-            <a:endCxn id="7" idx="0"/>
-          </p:cNvCxnSpPr>
-          <p:nvPr/>
-        </p:nvCxnSpPr>
-        <p:spPr>
-          <a:xfrm flipH="1">
-            <a:off x="5723890" y="2084070"/>
-            <a:ext cx="1633220" cy="969010"/>
-          </a:xfrm>
-          <a:prstGeom prst="straightConnector1">
-            <a:avLst/>
-          </a:prstGeom>
-          <a:ln>
-            <a:tailEnd type="arrow"/>
-          </a:ln>
-        </p:spPr>
-        <p:style>
-          <a:lnRef idx="1">
-            <a:schemeClr val="accent1"/>
-          </a:lnRef>
-          <a:fillRef idx="0">
-            <a:schemeClr val="accent1"/>
-          </a:fillRef>
-          <a:effectRef idx="0">
-            <a:schemeClr val="accent1"/>
-          </a:effectRef>
-          <a:fontRef idx="minor">
-            <a:schemeClr val="tx1"/>
-          </a:fontRef>
-        </p:style>
-      </p:cxnSp>
-      <p:cxnSp>
-        <p:nvCxnSpPr>
-          <p:cNvPr id="16" name="直接箭头连接符 15"/>
-          <p:cNvCxnSpPr>
-            <a:stCxn id="7" idx="2"/>
-            <a:endCxn id="10" idx="0"/>
-          </p:cNvCxnSpPr>
-          <p:nvPr/>
-        </p:nvCxnSpPr>
-        <p:spPr>
-          <a:xfrm flipH="1">
-            <a:off x="3439160" y="3426460"/>
-            <a:ext cx="2284730" cy="969010"/>
-          </a:xfrm>
-          <a:prstGeom prst="straightConnector1">
-            <a:avLst/>
-          </a:prstGeom>
-          <a:ln>
-            <a:tailEnd type="arrow"/>
-          </a:ln>
-        </p:spPr>
-        <p:style>
-          <a:lnRef idx="1">
-            <a:schemeClr val="accent1"/>
-          </a:lnRef>
-          <a:fillRef idx="0">
-            <a:schemeClr val="accent1"/>
-          </a:fillRef>
-          <a:effectRef idx="0">
-            <a:schemeClr val="accent1"/>
-          </a:effectRef>
-          <a:fontRef idx="minor">
-            <a:schemeClr val="tx1"/>
-          </a:fontRef>
-        </p:style>
-      </p:cxnSp>
-      <p:cxnSp>
-        <p:nvCxnSpPr>
-          <p:cNvPr id="17" name="直接箭头连接符 16"/>
-          <p:cNvCxnSpPr>
-            <a:stCxn id="7" idx="2"/>
-            <a:endCxn id="8" idx="0"/>
-          </p:cNvCxnSpPr>
-          <p:nvPr/>
-        </p:nvCxnSpPr>
-        <p:spPr>
-          <a:xfrm flipH="1">
-            <a:off x="5723255" y="3426460"/>
-            <a:ext cx="635" cy="969010"/>
-          </a:xfrm>
-          <a:prstGeom prst="straightConnector1">
-            <a:avLst/>
-          </a:prstGeom>
-          <a:ln>
-            <a:tailEnd type="arrow"/>
-          </a:ln>
-        </p:spPr>
-        <p:style>
-          <a:lnRef idx="1">
-            <a:schemeClr val="accent1"/>
-          </a:lnRef>
-          <a:fillRef idx="0">
-            <a:schemeClr val="accent1"/>
-          </a:fillRef>
-          <a:effectRef idx="0">
-            <a:schemeClr val="accent1"/>
-          </a:effectRef>
-          <a:fontRef idx="minor">
-            <a:schemeClr val="tx1"/>
-          </a:fontRef>
-        </p:style>
-      </p:cxnSp>
-      <p:cxnSp>
-        <p:nvCxnSpPr>
-          <p:cNvPr id="18" name="直接箭头连接符 17"/>
-          <p:cNvCxnSpPr>
-            <a:stCxn id="7" idx="2"/>
-            <a:endCxn id="9" idx="0"/>
-          </p:cNvCxnSpPr>
-          <p:nvPr/>
-        </p:nvCxnSpPr>
-        <p:spPr>
-          <a:xfrm>
-            <a:off x="5723890" y="3426460"/>
-            <a:ext cx="2140585" cy="969010"/>
-          </a:xfrm>
-          <a:prstGeom prst="straightConnector1">
-            <a:avLst/>
-          </a:prstGeom>
-          <a:ln>
-            <a:tailEnd type="arrow"/>
-          </a:ln>
-        </p:spPr>
-        <p:style>
-          <a:lnRef idx="1">
-            <a:schemeClr val="accent1"/>
-          </a:lnRef>
-          <a:fillRef idx="0">
-            <a:schemeClr val="accent1"/>
-          </a:fillRef>
-          <a:effectRef idx="0">
-            <a:schemeClr val="accent1"/>
-          </a:effectRef>
-          <a:fontRef idx="minor">
-            <a:schemeClr val="tx1"/>
-          </a:fontRef>
-        </p:style>
-      </p:cxnSp>
-      <p:sp>
-        <p:nvSpPr>
-          <p:cNvPr id="19" name="文本框 18"/>
-          <p:cNvSpPr txBox="1"/>
-          <p:nvPr/>
-        </p:nvSpPr>
-        <p:spPr>
-          <a:xfrm>
-            <a:off x="5005705" y="2393950"/>
-            <a:ext cx="1416685" cy="368300"/>
-          </a:xfrm>
-          <a:prstGeom prst="rect">
-            <a:avLst/>
-          </a:prstGeom>
-          <a:noFill/>
-        </p:spPr>
-        <p:txBody>
-          <a:bodyPr wrap="none" rtlCol="0">
-            <a:spAutoFit/>
-          </a:bodyPr>
-          <a:p>
-            <a:r>
-              <a:rPr lang="en-US" altLang="zh-CN"/>
-              <a:t>access_token</a:t>
-            </a:r>
-            <a:endParaRPr lang="en-US" altLang="zh-CN"/>
-          </a:p>
-        </p:txBody>
-      </p:sp>
-      <p:sp>
-        <p:nvSpPr>
-          <p:cNvPr id="20" name="文本框 19"/>
-          <p:cNvSpPr txBox="1"/>
-          <p:nvPr/>
-        </p:nvSpPr>
-        <p:spPr>
-          <a:xfrm>
-            <a:off x="5005705" y="3736340"/>
-            <a:ext cx="1416685" cy="368300"/>
-          </a:xfrm>
-          <a:prstGeom prst="rect">
-            <a:avLst/>
-          </a:prstGeom>
-          <a:noFill/>
-        </p:spPr>
-        <p:txBody>
-          <a:bodyPr wrap="none" rtlCol="0">
-            <a:spAutoFit/>
-          </a:bodyPr>
-          <a:p>
-            <a:r>
-              <a:rPr lang="en-US" altLang="zh-CN"/>
-              <a:t>access_token</a:t>
-            </a:r>
-            <a:endParaRPr lang="en-US" altLang="zh-CN"/>
-          </a:p>
-        </p:txBody>
-      </p:sp>
-      <p:sp>
-        <p:nvSpPr>
-          <p:cNvPr id="2" name="流程图: 磁盘 1"/>
-          <p:cNvSpPr/>
-          <p:nvPr/>
-        </p:nvSpPr>
-        <p:spPr>
-          <a:xfrm>
-            <a:off x="3055620" y="5445125"/>
-            <a:ext cx="766445" cy="792480"/>
-          </a:xfrm>
-          <a:prstGeom prst="flowChartMagneticDisk">
-            <a:avLst/>
-          </a:prstGeom>
-        </p:spPr>
-        <p:style>
-          <a:lnRef idx="2">
-            <a:schemeClr val="accent1">
-              <a:shade val="50000"/>
-            </a:schemeClr>
-          </a:lnRef>
-          <a:fillRef idx="1">
-            <a:schemeClr val="accent1"/>
-          </a:fillRef>
-          <a:effectRef idx="0">
-            <a:schemeClr val="accent1"/>
-          </a:effectRef>
-          <a:fontRef idx="minor">
-            <a:schemeClr val="lt1"/>
-          </a:fontRef>
-        </p:style>
-        <p:txBody>
-          <a:bodyPr rtlCol="0" anchor="ctr"/>
-          <a:p>
-            <a:pPr algn="ctr"/>
-            <a:r>
-              <a:rPr lang="en-US" altLang="zh-CN"/>
-              <a:t>user</a:t>
-            </a:r>
-            <a:endParaRPr lang="en-US" altLang="zh-CN"/>
-          </a:p>
-        </p:txBody>
-      </p:sp>
-      <p:sp>
-        <p:nvSpPr>
-          <p:cNvPr id="3" name="流程图: 磁盘 2"/>
-          <p:cNvSpPr/>
-          <p:nvPr/>
-        </p:nvSpPr>
-        <p:spPr>
-          <a:xfrm>
-            <a:off x="5340350" y="5445125"/>
-            <a:ext cx="766445" cy="792480"/>
-          </a:xfrm>
-          <a:prstGeom prst="flowChartMagneticDisk">
-            <a:avLst/>
-          </a:prstGeom>
-        </p:spPr>
-        <p:style>
-          <a:lnRef idx="2">
-            <a:schemeClr val="accent1">
-              <a:shade val="50000"/>
-            </a:schemeClr>
-          </a:lnRef>
-          <a:fillRef idx="1">
-            <a:schemeClr val="accent1"/>
-          </a:fillRef>
-          <a:effectRef idx="0">
-            <a:schemeClr val="accent1"/>
-          </a:effectRef>
-          <a:fontRef idx="minor">
-            <a:schemeClr val="lt1"/>
-          </a:fontRef>
-        </p:style>
-        <p:txBody>
-          <a:bodyPr rtlCol="0" anchor="ctr"/>
-          <a:p>
-            <a:pPr algn="ctr"/>
-            <a:r>
-              <a:rPr lang="en-US" altLang="zh-CN"/>
-              <a:t>misc</a:t>
-            </a:r>
-            <a:endParaRPr lang="en-US" altLang="zh-CN"/>
-          </a:p>
-        </p:txBody>
-      </p:sp>
-      <p:sp>
-        <p:nvSpPr>
-          <p:cNvPr id="14" name="流程图: 磁盘 13"/>
-          <p:cNvSpPr/>
-          <p:nvPr/>
-        </p:nvSpPr>
-        <p:spPr>
-          <a:xfrm>
-            <a:off x="7481570" y="5445125"/>
-            <a:ext cx="766445" cy="792480"/>
-          </a:xfrm>
-          <a:prstGeom prst="flowChartMagneticDisk">
-            <a:avLst/>
-          </a:prstGeom>
-        </p:spPr>
-        <p:style>
-          <a:lnRef idx="2">
-            <a:schemeClr val="accent1">
-              <a:shade val="50000"/>
-            </a:schemeClr>
-          </a:lnRef>
-          <a:fillRef idx="1">
-            <a:schemeClr val="accent1"/>
-          </a:fillRef>
-          <a:effectRef idx="0">
-            <a:schemeClr val="accent1"/>
-          </a:effectRef>
-          <a:fontRef idx="minor">
-            <a:schemeClr val="lt1"/>
-          </a:fontRef>
-        </p:style>
-        <p:txBody>
-          <a:bodyPr rtlCol="0" anchor="ctr"/>
-          <a:p>
-            <a:pPr algn="ctr"/>
-            <a:r>
-              <a:rPr lang="en-US" altLang="zh-CN"/>
-              <a:t>order</a:t>
-            </a:r>
-            <a:endParaRPr lang="en-US" altLang="zh-CN"/>
-          </a:p>
-        </p:txBody>
-      </p:sp>
-      <p:cxnSp>
-        <p:nvCxnSpPr>
-          <p:cNvPr id="21" name="直接箭头连接符 20"/>
-          <p:cNvCxnSpPr>
-            <a:stCxn id="10" idx="2"/>
-            <a:endCxn id="2" idx="1"/>
-          </p:cNvCxnSpPr>
-          <p:nvPr/>
-        </p:nvCxnSpPr>
-        <p:spPr>
-          <a:xfrm>
-            <a:off x="3439160" y="4866005"/>
-            <a:ext cx="0" cy="579120"/>
-          </a:xfrm>
-          <a:prstGeom prst="straightConnector1">
-            <a:avLst/>
-          </a:prstGeom>
-          <a:ln>
-            <a:tailEnd type="arrow"/>
-          </a:ln>
-        </p:spPr>
-        <p:style>
-          <a:lnRef idx="1">
-            <a:schemeClr val="accent1"/>
-          </a:lnRef>
-          <a:fillRef idx="0">
-            <a:schemeClr val="accent1"/>
-          </a:fillRef>
-          <a:effectRef idx="0">
-            <a:schemeClr val="accent1"/>
-          </a:effectRef>
-          <a:fontRef idx="minor">
-            <a:schemeClr val="tx1"/>
-          </a:fontRef>
-        </p:style>
-      </p:cxnSp>
-      <p:cxnSp>
-        <p:nvCxnSpPr>
-          <p:cNvPr id="22" name="直接箭头连接符 21"/>
-          <p:cNvCxnSpPr>
-            <a:stCxn id="8" idx="2"/>
-            <a:endCxn id="3" idx="1"/>
-          </p:cNvCxnSpPr>
-          <p:nvPr/>
-        </p:nvCxnSpPr>
-        <p:spPr>
-          <a:xfrm>
-            <a:off x="5723255" y="4866005"/>
-            <a:ext cx="635" cy="579120"/>
-          </a:xfrm>
-          <a:prstGeom prst="straightConnector1">
-            <a:avLst/>
-          </a:prstGeom>
-          <a:ln>
-            <a:tailEnd type="arrow"/>
-          </a:ln>
-        </p:spPr>
-        <p:style>
-          <a:lnRef idx="1">
-            <a:schemeClr val="accent1"/>
-          </a:lnRef>
-          <a:fillRef idx="0">
-            <a:schemeClr val="accent1"/>
-          </a:fillRef>
-          <a:effectRef idx="0">
-            <a:schemeClr val="accent1"/>
-          </a:effectRef>
-          <a:fontRef idx="minor">
-            <a:schemeClr val="tx1"/>
-          </a:fontRef>
-        </p:style>
-      </p:cxnSp>
-      <p:cxnSp>
-        <p:nvCxnSpPr>
-          <p:cNvPr id="23" name="直接箭头连接符 22"/>
-          <p:cNvCxnSpPr>
-            <a:stCxn id="9" idx="2"/>
-            <a:endCxn id="14" idx="1"/>
-          </p:cNvCxnSpPr>
-          <p:nvPr/>
-        </p:nvCxnSpPr>
-        <p:spPr>
-          <a:xfrm>
-            <a:off x="7864475" y="4866005"/>
-            <a:ext cx="635" cy="579120"/>
-          </a:xfrm>
-          <a:prstGeom prst="straightConnector1">
-            <a:avLst/>
-          </a:prstGeom>
-          <a:ln>
-            <a:tailEnd type="arrow"/>
-          </a:ln>
-        </p:spPr>
-        <p:style>
-          <a:lnRef idx="1">
-            <a:schemeClr val="accent1"/>
-          </a:lnRef>
-          <a:fillRef idx="0">
-            <a:schemeClr val="accent1"/>
-          </a:fillRef>
-          <a:effectRef idx="0">
-            <a:schemeClr val="accent1"/>
-          </a:effectRef>
-          <a:fontRef idx="minor">
-            <a:schemeClr val="tx1"/>
-          </a:fontRef>
-        </p:style>
-      </p:cxnSp>
-    </p:spTree>
-  </p:cSld>
-  <p:clrMapOvr>
-    <a:masterClrMapping/>
-  </p:clrMapOvr>
-</p:sld>
-</file>
-
-<file path=ppt/slides/slide3.xml><?xml version="1.0" encoding="utf-8"?>
-<p:sld xmlns:a="http://schemas.openxmlformats.org/drawingml/2006/main" xmlns:r="http://schemas.openxmlformats.org/officeDocument/2006/relationships" xmlns:p="http://schemas.openxmlformats.org/presentationml/2006/main">
-  <p:cSld>
-    <p:spTree>
-      <p:nvGrpSpPr>
-        <p:cNvPr id="1" name=""/>
-        <p:cNvGrpSpPr/>
-        <p:nvPr/>
-      </p:nvGrpSpPr>
-      <p:grpSpPr/>
-      <p:sp>
-        <p:nvSpPr>
-          <p:cNvPr id="2" name="标题 1"/>
-          <p:cNvSpPr>
-            <a:spLocks noGrp="1"/>
-          </p:cNvSpPr>
-          <p:nvPr>
-            <p:ph type="title"/>
-          </p:nvPr>
-        </p:nvSpPr>
-        <p:spPr/>
-        <p:txBody>
-          <a:bodyPr/>
-          <a:p>
-            <a:r>
-              <a:rPr lang="zh-CN" altLang="en-US"/>
-              <a:t>依赖关系</a:t>
-            </a:r>
-            <a:endParaRPr lang="zh-CN" altLang="en-US"/>
-          </a:p>
-        </p:txBody>
-      </p:sp>
-      <p:sp>
-        <p:nvSpPr>
-          <p:cNvPr id="4" name="流程图: 过程 3"/>
-          <p:cNvSpPr/>
-          <p:nvPr/>
-        </p:nvSpPr>
-        <p:spPr>
-          <a:xfrm>
-            <a:off x="8623935" y="1026160"/>
-            <a:ext cx="1687195" cy="287020"/>
-          </a:xfrm>
-          <a:prstGeom prst="flowChartProcess">
-            <a:avLst/>
-          </a:prstGeom>
-        </p:spPr>
-        <p:style>
-          <a:lnRef idx="2">
-            <a:schemeClr val="accent1">
-              <a:shade val="50000"/>
-            </a:schemeClr>
-          </a:lnRef>
-          <a:fillRef idx="1">
-            <a:schemeClr val="accent1"/>
-          </a:fillRef>
-          <a:effectRef idx="0">
-            <a:schemeClr val="accent1"/>
-          </a:effectRef>
-          <a:fontRef idx="minor">
-            <a:schemeClr val="lt1"/>
-          </a:fontRef>
-        </p:style>
-        <p:txBody>
-          <a:bodyPr rtlCol="0" anchor="ctr"/>
-          <a:p>
-            <a:pPr algn="ctr"/>
-            <a:r>
-              <a:rPr lang="en-US" altLang="zh-CN" sz="1400"/>
-              <a:t>aiwan-common</a:t>
-            </a:r>
-            <a:endParaRPr lang="en-US" altLang="zh-CN" sz="1400"/>
-          </a:p>
-        </p:txBody>
-      </p:sp>
-      <p:sp>
-        <p:nvSpPr>
-          <p:cNvPr id="5" name="流程图: 过程 4"/>
-          <p:cNvSpPr/>
-          <p:nvPr/>
-        </p:nvSpPr>
-        <p:spPr>
-          <a:xfrm>
-            <a:off x="7503795" y="2595245"/>
-            <a:ext cx="1687195" cy="287020"/>
-          </a:xfrm>
-          <a:prstGeom prst="flowChartProcess">
-            <a:avLst/>
-          </a:prstGeom>
-        </p:spPr>
-        <p:style>
-          <a:lnRef idx="2">
-            <a:schemeClr val="accent1">
-              <a:shade val="50000"/>
-            </a:schemeClr>
-          </a:lnRef>
-          <a:fillRef idx="1">
-            <a:schemeClr val="accent1"/>
-          </a:fillRef>
-          <a:effectRef idx="0">
-            <a:schemeClr val="accent1"/>
-          </a:effectRef>
-          <a:fontRef idx="minor">
-            <a:schemeClr val="lt1"/>
-          </a:fontRef>
-        </p:style>
-        <p:txBody>
-          <a:bodyPr rtlCol="0" anchor="ctr"/>
-          <a:p>
-            <a:pPr algn="ctr"/>
-            <a:r>
-              <a:rPr lang="en-US" altLang="zh-CN" sz="1400"/>
-              <a:t>aiwan-core</a:t>
-            </a:r>
-            <a:endParaRPr lang="en-US" altLang="zh-CN" sz="1400"/>
-          </a:p>
-        </p:txBody>
-      </p:sp>
-      <p:sp>
-        <p:nvSpPr>
-          <p:cNvPr id="6" name="流程图: 过程 5"/>
-          <p:cNvSpPr/>
-          <p:nvPr/>
-        </p:nvSpPr>
-        <p:spPr>
-          <a:xfrm>
-            <a:off x="490855" y="5480050"/>
-            <a:ext cx="1687195" cy="287020"/>
-          </a:xfrm>
-          <a:prstGeom prst="flowChartProcess">
-            <a:avLst/>
-          </a:prstGeom>
-        </p:spPr>
-        <p:style>
-          <a:lnRef idx="2">
-            <a:schemeClr val="accent1">
-              <a:shade val="50000"/>
-            </a:schemeClr>
-          </a:lnRef>
-          <a:fillRef idx="1">
-            <a:schemeClr val="accent1"/>
-          </a:fillRef>
-          <a:effectRef idx="0">
-            <a:schemeClr val="accent1"/>
-          </a:effectRef>
-          <a:fontRef idx="minor">
-            <a:schemeClr val="lt1"/>
-          </a:fontRef>
-        </p:style>
-        <p:txBody>
-          <a:bodyPr rtlCol="0" anchor="ctr"/>
-          <a:p>
-            <a:pPr algn="ctr"/>
-            <a:r>
-              <a:rPr lang="en-US" altLang="zh-CN" sz="1400"/>
-              <a:t>aiwan-web-auth</a:t>
-            </a:r>
-            <a:endParaRPr lang="en-US" altLang="zh-CN" sz="1400"/>
-          </a:p>
-        </p:txBody>
-      </p:sp>
-      <p:sp>
-        <p:nvSpPr>
-          <p:cNvPr id="7" name="流程图: 过程 6"/>
-          <p:cNvSpPr/>
-          <p:nvPr/>
-        </p:nvSpPr>
-        <p:spPr>
-          <a:xfrm>
-            <a:off x="3087370" y="5480050"/>
-            <a:ext cx="1687195" cy="287020"/>
-          </a:xfrm>
-          <a:prstGeom prst="flowChartProcess">
-            <a:avLst/>
-          </a:prstGeom>
-        </p:spPr>
-        <p:style>
-          <a:lnRef idx="2">
-            <a:schemeClr val="accent1">
-              <a:shade val="50000"/>
-            </a:schemeClr>
-          </a:lnRef>
-          <a:fillRef idx="1">
-            <a:schemeClr val="accent1"/>
-          </a:fillRef>
-          <a:effectRef idx="0">
-            <a:schemeClr val="accent1"/>
-          </a:effectRef>
-          <a:fontRef idx="minor">
-            <a:schemeClr val="lt1"/>
-          </a:fontRef>
-        </p:style>
-        <p:txBody>
-          <a:bodyPr rtlCol="0" anchor="ctr"/>
-          <a:p>
-            <a:pPr algn="ctr"/>
-            <a:r>
-              <a:rPr lang="en-US" altLang="zh-CN" sz="1400"/>
-              <a:t>aiwan-web-crm</a:t>
-            </a:r>
-            <a:endParaRPr lang="en-US" altLang="zh-CN" sz="1400"/>
-          </a:p>
-        </p:txBody>
-      </p:sp>
-      <p:sp>
-        <p:nvSpPr>
-          <p:cNvPr id="8" name="流程图: 过程 7"/>
-          <p:cNvSpPr/>
-          <p:nvPr/>
-        </p:nvSpPr>
-        <p:spPr>
-          <a:xfrm>
-            <a:off x="9845675" y="2595245"/>
-            <a:ext cx="1925955" cy="287020"/>
-          </a:xfrm>
-          <a:prstGeom prst="flowChartProcess">
-            <a:avLst/>
-          </a:prstGeom>
-        </p:spPr>
-        <p:style>
-          <a:lnRef idx="2">
-            <a:schemeClr val="accent1">
-              <a:shade val="50000"/>
-            </a:schemeClr>
-          </a:lnRef>
-          <a:fillRef idx="1">
-            <a:schemeClr val="accent1"/>
-          </a:fillRef>
-          <a:effectRef idx="0">
-            <a:schemeClr val="accent1"/>
-          </a:effectRef>
-          <a:fontRef idx="minor">
-            <a:schemeClr val="lt1"/>
-          </a:fontRef>
-        </p:style>
-        <p:txBody>
-          <a:bodyPr rtlCol="0" anchor="ctr"/>
-          <a:p>
-            <a:pPr algn="ctr"/>
-            <a:r>
-              <a:rPr lang="en-US" altLang="zh-CN" sz="1400"/>
-              <a:t>aiwan-microsvr-api</a:t>
-            </a:r>
-            <a:endParaRPr lang="en-US" altLang="zh-CN" sz="1400"/>
-          </a:p>
-        </p:txBody>
-      </p:sp>
-      <p:sp>
-        <p:nvSpPr>
-          <p:cNvPr id="9" name="流程图: 过程 8"/>
-          <p:cNvSpPr/>
-          <p:nvPr/>
-        </p:nvSpPr>
-        <p:spPr>
-          <a:xfrm>
-            <a:off x="2848610" y="2595245"/>
-            <a:ext cx="1925955" cy="287020"/>
-          </a:xfrm>
-          <a:prstGeom prst="flowChartProcess">
-            <a:avLst/>
-          </a:prstGeom>
-        </p:spPr>
-        <p:style>
-          <a:lnRef idx="2">
-            <a:schemeClr val="accent1">
-              <a:shade val="50000"/>
-            </a:schemeClr>
-          </a:lnRef>
-          <a:fillRef idx="1">
-            <a:schemeClr val="accent1"/>
-          </a:fillRef>
-          <a:effectRef idx="0">
-            <a:schemeClr val="accent1"/>
-          </a:effectRef>
-          <a:fontRef idx="minor">
-            <a:schemeClr val="lt1"/>
-          </a:fontRef>
-        </p:style>
-        <p:txBody>
-          <a:bodyPr rtlCol="0" anchor="ctr"/>
-          <a:p>
-            <a:pPr algn="ctr"/>
-            <a:r>
-              <a:rPr lang="en-US" altLang="zh-CN" sz="1400"/>
-              <a:t>aiwan-starter-monitor</a:t>
-            </a:r>
-            <a:endParaRPr lang="en-US" altLang="zh-CN" sz="1400"/>
-          </a:p>
-        </p:txBody>
-      </p:sp>
-      <p:sp>
-        <p:nvSpPr>
-          <p:cNvPr id="10" name="流程图: 过程 9"/>
-          <p:cNvSpPr/>
-          <p:nvPr/>
-        </p:nvSpPr>
-        <p:spPr>
-          <a:xfrm>
-            <a:off x="5224145" y="2595245"/>
-            <a:ext cx="1925955" cy="287020"/>
-          </a:xfrm>
-          <a:prstGeom prst="flowChartProcess">
-            <a:avLst/>
-          </a:prstGeom>
-        </p:spPr>
-        <p:style>
-          <a:lnRef idx="2">
-            <a:schemeClr val="accent1">
-              <a:shade val="50000"/>
-            </a:schemeClr>
-          </a:lnRef>
-          <a:fillRef idx="1">
-            <a:schemeClr val="accent1"/>
-          </a:fillRef>
-          <a:effectRef idx="0">
-            <a:schemeClr val="accent1"/>
-          </a:effectRef>
-          <a:fontRef idx="minor">
-            <a:schemeClr val="lt1"/>
-          </a:fontRef>
-        </p:style>
-        <p:txBody>
-          <a:bodyPr rtlCol="0" anchor="ctr"/>
-          <a:p>
-            <a:pPr algn="ctr"/>
-            <a:r>
-              <a:rPr lang="en-US" altLang="zh-CN" sz="1400"/>
-              <a:t>aiwan-starter-oauth2</a:t>
-            </a:r>
-            <a:endParaRPr lang="en-US" altLang="zh-CN" sz="1400"/>
-          </a:p>
-        </p:txBody>
-      </p:sp>
-      <p:sp>
-        <p:nvSpPr>
-          <p:cNvPr id="11" name="流程图: 过程 10"/>
-          <p:cNvSpPr/>
-          <p:nvPr/>
-        </p:nvSpPr>
-        <p:spPr>
-          <a:xfrm>
-            <a:off x="428625" y="2595245"/>
-            <a:ext cx="1925955" cy="287020"/>
-          </a:xfrm>
-          <a:prstGeom prst="flowChartProcess">
-            <a:avLst/>
-          </a:prstGeom>
-        </p:spPr>
-        <p:style>
-          <a:lnRef idx="2">
-            <a:schemeClr val="accent1">
-              <a:shade val="50000"/>
-            </a:schemeClr>
-          </a:lnRef>
-          <a:fillRef idx="1">
-            <a:schemeClr val="accent1"/>
-          </a:fillRef>
-          <a:effectRef idx="0">
-            <a:schemeClr val="accent1"/>
-          </a:effectRef>
-          <a:fontRef idx="minor">
-            <a:schemeClr val="lt1"/>
-          </a:fontRef>
-        </p:style>
-        <p:txBody>
-          <a:bodyPr rtlCol="0" anchor="ctr"/>
-          <a:p>
-            <a:pPr algn="ctr"/>
-            <a:r>
-              <a:rPr lang="en-US" altLang="zh-CN" sz="1400"/>
-              <a:t>aiwan-starter-swagger2</a:t>
-            </a:r>
-            <a:endParaRPr lang="en-US" altLang="zh-CN" sz="1400"/>
-          </a:p>
-        </p:txBody>
-      </p:sp>
-      <p:sp>
-        <p:nvSpPr>
-          <p:cNvPr id="12" name="流程图: 过程 11"/>
-          <p:cNvSpPr/>
-          <p:nvPr/>
-        </p:nvSpPr>
-        <p:spPr>
-          <a:xfrm>
-            <a:off x="9624060" y="5393690"/>
-            <a:ext cx="1925955" cy="287020"/>
-          </a:xfrm>
-          <a:prstGeom prst="flowChartProcess">
-            <a:avLst/>
-          </a:prstGeom>
-        </p:spPr>
-        <p:style>
-          <a:lnRef idx="2">
-            <a:schemeClr val="accent1">
-              <a:shade val="50000"/>
-            </a:schemeClr>
-          </a:lnRef>
-          <a:fillRef idx="1">
-            <a:schemeClr val="accent1"/>
-          </a:fillRef>
-          <a:effectRef idx="0">
-            <a:schemeClr val="accent1"/>
-          </a:effectRef>
-          <a:fontRef idx="minor">
-            <a:schemeClr val="lt1"/>
-          </a:fontRef>
-        </p:style>
-        <p:txBody>
-          <a:bodyPr rtlCol="0" anchor="ctr"/>
-          <a:p>
-            <a:pPr algn="ctr"/>
-            <a:r>
-              <a:rPr lang="en-US" altLang="zh-CN" sz="1400"/>
-              <a:t>aiwan-microsvr-order</a:t>
-            </a:r>
-            <a:endParaRPr lang="en-US" altLang="zh-CN" sz="1400"/>
-          </a:p>
-        </p:txBody>
-      </p:sp>
-      <p:sp>
-        <p:nvSpPr>
-          <p:cNvPr id="13" name="流程图: 过程 12"/>
-          <p:cNvSpPr/>
-          <p:nvPr/>
-        </p:nvSpPr>
-        <p:spPr>
-          <a:xfrm>
-            <a:off x="6540500" y="5393690"/>
-            <a:ext cx="1925955" cy="287020"/>
-          </a:xfrm>
-          <a:prstGeom prst="flowChartProcess">
-            <a:avLst/>
-          </a:prstGeom>
-        </p:spPr>
-        <p:style>
-          <a:lnRef idx="2">
-            <a:schemeClr val="accent1">
-              <a:shade val="50000"/>
-            </a:schemeClr>
-          </a:lnRef>
-          <a:fillRef idx="1">
-            <a:schemeClr val="accent1"/>
-          </a:fillRef>
-          <a:effectRef idx="0">
-            <a:schemeClr val="accent1"/>
-          </a:effectRef>
-          <a:fontRef idx="minor">
-            <a:schemeClr val="lt1"/>
-          </a:fontRef>
-        </p:style>
-        <p:txBody>
-          <a:bodyPr rtlCol="0" anchor="ctr"/>
-          <a:p>
-            <a:pPr algn="ctr"/>
-            <a:r>
-              <a:rPr lang="en-US" altLang="zh-CN" sz="1400"/>
-              <a:t>aiwan-microsvr-misc</a:t>
-            </a:r>
-            <a:endParaRPr lang="en-US" altLang="zh-CN" sz="1400"/>
-          </a:p>
-        </p:txBody>
-      </p:sp>
-      <p:cxnSp>
-        <p:nvCxnSpPr>
-          <p:cNvPr id="14" name="直接箭头连接符 13"/>
-          <p:cNvCxnSpPr>
-            <a:stCxn id="5" idx="0"/>
-            <a:endCxn id="4" idx="2"/>
-          </p:cNvCxnSpPr>
-          <p:nvPr/>
-        </p:nvCxnSpPr>
-        <p:spPr>
-          <a:xfrm flipV="1">
-            <a:off x="8347710" y="1313180"/>
-            <a:ext cx="1120140" cy="1282065"/>
-          </a:xfrm>
-          <a:prstGeom prst="straightConnector1">
-            <a:avLst/>
-          </a:prstGeom>
-          <a:ln>
-            <a:tailEnd type="arrow"/>
-          </a:ln>
-        </p:spPr>
-        <p:style>
-          <a:lnRef idx="1">
-            <a:schemeClr val="accent1"/>
-          </a:lnRef>
-          <a:fillRef idx="0">
-            <a:schemeClr val="accent1"/>
-          </a:fillRef>
-          <a:effectRef idx="0">
-            <a:schemeClr val="accent1"/>
-          </a:effectRef>
-          <a:fontRef idx="minor">
-            <a:schemeClr val="tx1"/>
-          </a:fontRef>
-        </p:style>
-      </p:cxnSp>
-      <p:cxnSp>
-        <p:nvCxnSpPr>
-          <p:cNvPr id="15" name="直接箭头连接符 14"/>
-          <p:cNvCxnSpPr>
-            <a:stCxn id="8" idx="0"/>
-            <a:endCxn id="4" idx="2"/>
-          </p:cNvCxnSpPr>
-          <p:nvPr/>
-        </p:nvCxnSpPr>
-        <p:spPr>
-          <a:xfrm flipH="1" flipV="1">
-            <a:off x="9467850" y="1313180"/>
-            <a:ext cx="1341120" cy="1282065"/>
-          </a:xfrm>
-          <a:prstGeom prst="straightConnector1">
-            <a:avLst/>
-          </a:prstGeom>
-          <a:ln>
-            <a:tailEnd type="arrow"/>
-          </a:ln>
-        </p:spPr>
-        <p:style>
-          <a:lnRef idx="1">
-            <a:schemeClr val="accent1"/>
-          </a:lnRef>
-          <a:fillRef idx="0">
-            <a:schemeClr val="accent1"/>
-          </a:fillRef>
-          <a:effectRef idx="0">
-            <a:schemeClr val="accent1"/>
-          </a:effectRef>
-          <a:fontRef idx="minor">
-            <a:schemeClr val="tx1"/>
-          </a:fontRef>
-        </p:style>
-      </p:cxnSp>
-      <p:cxnSp>
-        <p:nvCxnSpPr>
-          <p:cNvPr id="16" name="直接箭头连接符 15"/>
-          <p:cNvCxnSpPr>
-            <a:stCxn id="13" idx="0"/>
-            <a:endCxn id="11" idx="2"/>
-          </p:cNvCxnSpPr>
-          <p:nvPr/>
-        </p:nvCxnSpPr>
-        <p:spPr>
-          <a:xfrm flipH="1" flipV="1">
-            <a:off x="1391920" y="2882265"/>
-            <a:ext cx="6111875" cy="2511425"/>
-          </a:xfrm>
-          <a:prstGeom prst="straightConnector1">
-            <a:avLst/>
-          </a:prstGeom>
-          <a:ln>
-            <a:tailEnd type="arrow"/>
-          </a:ln>
-        </p:spPr>
-        <p:style>
-          <a:lnRef idx="1">
-            <a:schemeClr val="accent1"/>
-          </a:lnRef>
-          <a:fillRef idx="0">
-            <a:schemeClr val="accent1"/>
-          </a:fillRef>
-          <a:effectRef idx="0">
-            <a:schemeClr val="accent1"/>
-          </a:effectRef>
-          <a:fontRef idx="minor">
-            <a:schemeClr val="tx1"/>
-          </a:fontRef>
-        </p:style>
-      </p:cxnSp>
-      <p:cxnSp>
-        <p:nvCxnSpPr>
-          <p:cNvPr id="17" name="直接箭头连接符 16"/>
-          <p:cNvCxnSpPr>
-            <a:stCxn id="13" idx="0"/>
-            <a:endCxn id="10" idx="2"/>
-          </p:cNvCxnSpPr>
-          <p:nvPr/>
-        </p:nvCxnSpPr>
-        <p:spPr>
-          <a:xfrm flipH="1" flipV="1">
-            <a:off x="6187440" y="2882265"/>
-            <a:ext cx="1316355" cy="2511425"/>
-          </a:xfrm>
-          <a:prstGeom prst="straightConnector1">
-            <a:avLst/>
-          </a:prstGeom>
-          <a:ln>
-            <a:tailEnd type="arrow"/>
-          </a:ln>
-        </p:spPr>
-        <p:style>
-          <a:lnRef idx="1">
-            <a:schemeClr val="accent1"/>
-          </a:lnRef>
-          <a:fillRef idx="0">
-            <a:schemeClr val="accent1"/>
-          </a:fillRef>
-          <a:effectRef idx="0">
-            <a:schemeClr val="accent1"/>
-          </a:effectRef>
-          <a:fontRef idx="minor">
-            <a:schemeClr val="tx1"/>
-          </a:fontRef>
-        </p:style>
-      </p:cxnSp>
-      <p:cxnSp>
-        <p:nvCxnSpPr>
-          <p:cNvPr id="18" name="直接箭头连接符 17"/>
-          <p:cNvCxnSpPr>
-            <a:stCxn id="12" idx="0"/>
-            <a:endCxn id="9" idx="2"/>
-          </p:cNvCxnSpPr>
-          <p:nvPr/>
-        </p:nvCxnSpPr>
-        <p:spPr>
-          <a:xfrm flipH="1" flipV="1">
-            <a:off x="3811905" y="2882265"/>
-            <a:ext cx="6775450" cy="2511425"/>
-          </a:xfrm>
-          <a:prstGeom prst="straightConnector1">
-            <a:avLst/>
-          </a:prstGeom>
-          <a:ln>
-            <a:tailEnd type="arrow"/>
-          </a:ln>
-        </p:spPr>
-        <p:style>
-          <a:lnRef idx="1">
-            <a:schemeClr val="accent1"/>
-          </a:lnRef>
-          <a:fillRef idx="0">
-            <a:schemeClr val="accent1"/>
-          </a:fillRef>
-          <a:effectRef idx="0">
-            <a:schemeClr val="accent1"/>
-          </a:effectRef>
-          <a:fontRef idx="minor">
-            <a:schemeClr val="tx1"/>
-          </a:fontRef>
-        </p:style>
-      </p:cxnSp>
-      <p:cxnSp>
-        <p:nvCxnSpPr>
-          <p:cNvPr id="20" name="直接箭头连接符 19"/>
-          <p:cNvCxnSpPr>
-            <a:stCxn id="12" idx="0"/>
-            <a:endCxn id="11" idx="2"/>
-          </p:cNvCxnSpPr>
-          <p:nvPr/>
-        </p:nvCxnSpPr>
-        <p:spPr>
-          <a:xfrm flipH="1" flipV="1">
-            <a:off x="1391920" y="2882265"/>
-            <a:ext cx="9195435" cy="2511425"/>
-          </a:xfrm>
-          <a:prstGeom prst="straightConnector1">
-            <a:avLst/>
-          </a:prstGeom>
-          <a:ln>
-            <a:tailEnd type="arrow"/>
-          </a:ln>
-        </p:spPr>
-        <p:style>
-          <a:lnRef idx="1">
-            <a:schemeClr val="accent1"/>
-          </a:lnRef>
-          <a:fillRef idx="0">
-            <a:schemeClr val="accent1"/>
-          </a:fillRef>
-          <a:effectRef idx="0">
-            <a:schemeClr val="accent1"/>
-          </a:effectRef>
-          <a:fontRef idx="minor">
-            <a:schemeClr val="tx1"/>
-          </a:fontRef>
-        </p:style>
-      </p:cxnSp>
-      <p:cxnSp>
-        <p:nvCxnSpPr>
-          <p:cNvPr id="21" name="直接箭头连接符 20"/>
-          <p:cNvCxnSpPr>
-            <a:stCxn id="12" idx="0"/>
-            <a:endCxn id="10" idx="2"/>
-          </p:cNvCxnSpPr>
-          <p:nvPr/>
-        </p:nvCxnSpPr>
-        <p:spPr>
-          <a:xfrm flipH="1" flipV="1">
-            <a:off x="6187440" y="2882265"/>
-            <a:ext cx="4399915" cy="2511425"/>
-          </a:xfrm>
-          <a:prstGeom prst="straightConnector1">
-            <a:avLst/>
-          </a:prstGeom>
-          <a:ln>
-            <a:tailEnd type="arrow"/>
-          </a:ln>
-        </p:spPr>
-        <p:style>
-          <a:lnRef idx="1">
-            <a:schemeClr val="accent1"/>
-          </a:lnRef>
-          <a:fillRef idx="0">
-            <a:schemeClr val="accent1"/>
-          </a:fillRef>
-          <a:effectRef idx="0">
-            <a:schemeClr val="accent1"/>
-          </a:effectRef>
-          <a:fontRef idx="minor">
-            <a:schemeClr val="tx1"/>
-          </a:fontRef>
-        </p:style>
-      </p:cxnSp>
-      <p:cxnSp>
-        <p:nvCxnSpPr>
-          <p:cNvPr id="24" name="直接箭头连接符 23"/>
-          <p:cNvCxnSpPr>
-            <a:stCxn id="12" idx="0"/>
-            <a:endCxn id="8" idx="2"/>
-          </p:cNvCxnSpPr>
-          <p:nvPr/>
-        </p:nvCxnSpPr>
-        <p:spPr>
-          <a:xfrm flipV="1">
-            <a:off x="10587355" y="2882265"/>
-            <a:ext cx="221615" cy="2511425"/>
-          </a:xfrm>
-          <a:prstGeom prst="straightConnector1">
-            <a:avLst/>
-          </a:prstGeom>
-          <a:ln>
-            <a:tailEnd type="arrow"/>
-          </a:ln>
-        </p:spPr>
-        <p:style>
-          <a:lnRef idx="1">
-            <a:schemeClr val="accent1"/>
-          </a:lnRef>
-          <a:fillRef idx="0">
-            <a:schemeClr val="accent1"/>
-          </a:fillRef>
-          <a:effectRef idx="0">
-            <a:schemeClr val="accent1"/>
-          </a:effectRef>
-          <a:fontRef idx="minor">
-            <a:schemeClr val="tx1"/>
-          </a:fontRef>
-        </p:style>
-      </p:cxnSp>
-      <p:cxnSp>
-        <p:nvCxnSpPr>
-          <p:cNvPr id="26" name="直接箭头连接符 25"/>
-          <p:cNvCxnSpPr>
-            <a:stCxn id="13" idx="0"/>
-            <a:endCxn id="8" idx="2"/>
-          </p:cNvCxnSpPr>
-          <p:nvPr/>
-        </p:nvCxnSpPr>
-        <p:spPr>
-          <a:xfrm flipV="1">
-            <a:off x="7503795" y="2882265"/>
-            <a:ext cx="3305175" cy="2511425"/>
-          </a:xfrm>
-          <a:prstGeom prst="straightConnector1">
-            <a:avLst/>
-          </a:prstGeom>
-          <a:ln>
-            <a:tailEnd type="arrow"/>
-          </a:ln>
-        </p:spPr>
-        <p:style>
-          <a:lnRef idx="1">
-            <a:schemeClr val="accent1"/>
-          </a:lnRef>
-          <a:fillRef idx="0">
-            <a:schemeClr val="accent1"/>
-          </a:fillRef>
-          <a:effectRef idx="0">
-            <a:schemeClr val="accent1"/>
-          </a:effectRef>
-          <a:fontRef idx="minor">
-            <a:schemeClr val="tx1"/>
-          </a:fontRef>
-        </p:style>
-      </p:cxnSp>
-      <p:cxnSp>
-        <p:nvCxnSpPr>
-          <p:cNvPr id="27" name="直接箭头连接符 26"/>
-          <p:cNvCxnSpPr>
-            <a:stCxn id="13" idx="0"/>
-            <a:endCxn id="5" idx="2"/>
-          </p:cNvCxnSpPr>
-          <p:nvPr/>
-        </p:nvCxnSpPr>
-        <p:spPr>
-          <a:xfrm flipV="1">
-            <a:off x="7503795" y="2882265"/>
-            <a:ext cx="843915" cy="2511425"/>
-          </a:xfrm>
-          <a:prstGeom prst="straightConnector1">
-            <a:avLst/>
-          </a:prstGeom>
-          <a:ln>
-            <a:tailEnd type="arrow"/>
-          </a:ln>
-        </p:spPr>
-        <p:style>
-          <a:lnRef idx="1">
-            <a:schemeClr val="accent1"/>
-          </a:lnRef>
-          <a:fillRef idx="0">
-            <a:schemeClr val="accent1"/>
-          </a:fillRef>
-          <a:effectRef idx="0">
-            <a:schemeClr val="accent1"/>
-          </a:effectRef>
-          <a:fontRef idx="minor">
-            <a:schemeClr val="tx1"/>
-          </a:fontRef>
-        </p:style>
-      </p:cxnSp>
-      <p:cxnSp>
-        <p:nvCxnSpPr>
-          <p:cNvPr id="28" name="直接箭头连接符 27"/>
-          <p:cNvCxnSpPr>
-            <a:stCxn id="13" idx="0"/>
-            <a:endCxn id="9" idx="2"/>
-          </p:cNvCxnSpPr>
-          <p:nvPr/>
-        </p:nvCxnSpPr>
-        <p:spPr>
-          <a:xfrm flipH="1" flipV="1">
-            <a:off x="3811905" y="2882265"/>
-            <a:ext cx="3691890" cy="2511425"/>
-          </a:xfrm>
-          <a:prstGeom prst="straightConnector1">
-            <a:avLst/>
-          </a:prstGeom>
-          <a:ln>
-            <a:tailEnd type="arrow"/>
-          </a:ln>
-        </p:spPr>
-        <p:style>
-          <a:lnRef idx="1">
-            <a:schemeClr val="accent1"/>
-          </a:lnRef>
-          <a:fillRef idx="0">
-            <a:schemeClr val="accent1"/>
-          </a:fillRef>
-          <a:effectRef idx="0">
-            <a:schemeClr val="accent1"/>
-          </a:effectRef>
-          <a:fontRef idx="minor">
-            <a:schemeClr val="tx1"/>
-          </a:fontRef>
-        </p:style>
-      </p:cxnSp>
-      <p:cxnSp>
-        <p:nvCxnSpPr>
-          <p:cNvPr id="29" name="直接箭头连接符 28"/>
-          <p:cNvCxnSpPr>
-            <a:stCxn id="12" idx="0"/>
-            <a:endCxn id="5" idx="2"/>
-          </p:cNvCxnSpPr>
-          <p:nvPr/>
-        </p:nvCxnSpPr>
-        <p:spPr>
-          <a:xfrm flipH="1" flipV="1">
-            <a:off x="8347710" y="2882265"/>
-            <a:ext cx="2239645" cy="2511425"/>
-          </a:xfrm>
-          <a:prstGeom prst="straightConnector1">
-            <a:avLst/>
-          </a:prstGeom>
-          <a:ln>
-            <a:tailEnd type="arrow"/>
-          </a:ln>
-        </p:spPr>
-        <p:style>
-          <a:lnRef idx="1">
-            <a:schemeClr val="accent1"/>
-          </a:lnRef>
-          <a:fillRef idx="0">
-            <a:schemeClr val="accent1"/>
-          </a:fillRef>
-          <a:effectRef idx="0">
-            <a:schemeClr val="accent1"/>
-          </a:effectRef>
-          <a:fontRef idx="minor">
-            <a:schemeClr val="tx1"/>
-          </a:fontRef>
-        </p:style>
-      </p:cxnSp>
-      <p:sp>
-        <p:nvSpPr>
-          <p:cNvPr id="30" name="文本框 29"/>
-          <p:cNvSpPr txBox="1"/>
-          <p:nvPr/>
-        </p:nvSpPr>
-        <p:spPr>
-          <a:xfrm>
-            <a:off x="661035" y="2282825"/>
-            <a:ext cx="309880" cy="368300"/>
-          </a:xfrm>
-          <a:prstGeom prst="rect">
-            <a:avLst/>
-          </a:prstGeom>
-          <a:noFill/>
-        </p:spPr>
-        <p:txBody>
-          <a:bodyPr wrap="none" rtlCol="0">
-            <a:spAutoFit/>
-          </a:bodyPr>
-          <a:p>
-            <a:endParaRPr lang="zh-CN" altLang="en-US"/>
-          </a:p>
-        </p:txBody>
-      </p:sp>
-    </p:spTree>
-  </p:cSld>
-  <p:clrMapOvr>
-    <a:masterClrMapping/>
-  </p:clrMapOvr>
-</p:sld>
-</file>
-
-<file path=ppt/slides/slide4.xml><?xml version="1.0" encoding="utf-8"?>
-<p:sld xmlns:a="http://schemas.openxmlformats.org/drawingml/2006/main" xmlns:r="http://schemas.openxmlformats.org/officeDocument/2006/relationships" xmlns:p="http://schemas.openxmlformats.org/presentationml/2006/main">
-  <p:cSld>
-    <p:spTree>
-      <p:nvGrpSpPr>
-        <p:cNvPr id="1" name=""/>
-        <p:cNvGrpSpPr/>
-        <p:nvPr/>
-      </p:nvGrpSpPr>
-      <p:grpSpPr/>
-      <p:pic>
-        <p:nvPicPr>
-          <p:cNvPr id="2" name="图片 1"/>
-          <p:cNvPicPr>
-            <a:picLocks noChangeAspect="1"/>
-          </p:cNvPicPr>
-          <p:nvPr/>
-        </p:nvPicPr>
-        <p:blipFill>
-          <a:blip r:embed="rId1"/>
-          <a:stretch>
-            <a:fillRect/>
-          </a:stretch>
-        </p:blipFill>
-        <p:spPr>
-          <a:xfrm>
-            <a:off x="904875" y="109220"/>
-            <a:ext cx="10382250" cy="6638925"/>
-          </a:xfrm>
-          <a:prstGeom prst="rect">
-            <a:avLst/>
-          </a:prstGeom>
-        </p:spPr>
-      </p:pic>
-    </p:spTree>
-  </p:cSld>
-  <p:clrMapOvr>
-    <a:masterClrMapping/>
-  </p:clrMapOvr>
-</p:sld>
-</file>
-
-<file path=ppt/slides/slide5.xml><?xml version="1.0" encoding="utf-8"?>
-<p:sld xmlns:a="http://schemas.openxmlformats.org/drawingml/2006/main" xmlns:r="http://schemas.openxmlformats.org/officeDocument/2006/relationships" xmlns:p="http://schemas.openxmlformats.org/presentationml/2006/main">
-  <p:cSld>
-    <p:spTree>
-      <p:nvGrpSpPr>
-        <p:cNvPr id="1" name=""/>
-        <p:cNvGrpSpPr/>
-        <p:nvPr/>
-      </p:nvGrpSpPr>
-      <p:grpSpPr/>
-      <p:sp>
-        <p:nvSpPr>
-          <p:cNvPr id="22" name="矩形 21"/>
-          <p:cNvSpPr/>
-          <p:nvPr/>
-        </p:nvSpPr>
-        <p:spPr>
-          <a:xfrm>
-            <a:off x="5457825" y="497840"/>
-            <a:ext cx="4970145" cy="5495925"/>
-          </a:xfrm>
-          <a:prstGeom prst="rect">
-            <a:avLst/>
-          </a:prstGeom>
-          <a:pattFill prst="pct5">
-            <a:fgClr>
-              <a:schemeClr val="accent1"/>
-            </a:fgClr>
-            <a:bgClr>
-              <a:schemeClr val="bg1"/>
-            </a:bgClr>
-          </a:pattFill>
-          <a:ln w="12700" cmpd="sng">
-            <a:solidFill>
-              <a:schemeClr val="accent1">
-                <a:shade val="50000"/>
-              </a:schemeClr>
-            </a:solidFill>
-            <a:prstDash val="dashDot"/>
-          </a:ln>
-        </p:spPr>
-        <p:style>
-          <a:lnRef idx="2">
-            <a:schemeClr val="accent1">
-              <a:shade val="50000"/>
-            </a:schemeClr>
-          </a:lnRef>
-          <a:fillRef idx="1">
-            <a:schemeClr val="accent1"/>
-          </a:fillRef>
-          <a:effectRef idx="0">
-            <a:schemeClr val="accent1"/>
-          </a:effectRef>
-          <a:fontRef idx="minor">
-            <a:schemeClr val="lt1"/>
-          </a:fontRef>
-        </p:style>
-        <p:txBody>
-          <a:bodyPr rtlCol="0" anchor="t" anchorCtr="0"/>
-          <a:p>
-            <a:pPr algn="l"/>
-            <a:r>
-              <a:rPr lang="zh-CN" altLang="zh-CN" sz="1000">
-                <a:solidFill>
-                  <a:schemeClr val="tx1"/>
-                </a:solidFill>
-                <a:sym typeface="+mn-ea"/>
-              </a:rPr>
-              <a:t>安全域内，不需要认证</a:t>
-            </a:r>
-            <a:endParaRPr lang="zh-CN" altLang="zh-CN" sz="1000">
-              <a:solidFill>
-                <a:schemeClr val="tx1"/>
-              </a:solidFill>
-              <a:sym typeface="+mn-ea"/>
-            </a:endParaRPr>
-          </a:p>
-        </p:txBody>
-      </p:sp>
-      <p:sp>
-        <p:nvSpPr>
-          <p:cNvPr id="4" name="矩形 3"/>
-          <p:cNvSpPr/>
-          <p:nvPr/>
-        </p:nvSpPr>
-        <p:spPr>
-          <a:xfrm>
-            <a:off x="8710295" y="1065530"/>
-            <a:ext cx="1092835" cy="388620"/>
-          </a:xfrm>
-          <a:prstGeom prst="rect">
-            <a:avLst/>
-          </a:prstGeom>
-        </p:spPr>
-        <p:style>
-          <a:lnRef idx="2">
-            <a:schemeClr val="accent1">
-              <a:shade val="50000"/>
-            </a:schemeClr>
-          </a:lnRef>
-          <a:fillRef idx="1">
-            <a:schemeClr val="accent1"/>
-          </a:fillRef>
-          <a:effectRef idx="0">
-            <a:schemeClr val="accent1"/>
-          </a:effectRef>
-          <a:fontRef idx="minor">
-            <a:schemeClr val="lt1"/>
-          </a:fontRef>
-        </p:style>
-        <p:txBody>
-          <a:bodyPr rtlCol="0" anchor="ctr"/>
-          <a:p>
-            <a:pPr algn="ctr"/>
-            <a:r>
-              <a:rPr lang="en-US" altLang="zh-CN"/>
-              <a:t>user svr</a:t>
-            </a:r>
-            <a:endParaRPr lang="en-US" altLang="zh-CN"/>
-          </a:p>
-        </p:txBody>
-      </p:sp>
-      <p:sp>
-        <p:nvSpPr>
-          <p:cNvPr id="5" name="矩形 4"/>
-          <p:cNvSpPr/>
-          <p:nvPr/>
-        </p:nvSpPr>
-        <p:spPr>
-          <a:xfrm>
-            <a:off x="8710295" y="2734310"/>
-            <a:ext cx="1092835" cy="388620"/>
-          </a:xfrm>
-          <a:prstGeom prst="rect">
-            <a:avLst/>
-          </a:prstGeom>
-        </p:spPr>
-        <p:style>
-          <a:lnRef idx="2">
-            <a:schemeClr val="accent1">
-              <a:shade val="50000"/>
-            </a:schemeClr>
-          </a:lnRef>
-          <a:fillRef idx="1">
-            <a:schemeClr val="accent1"/>
-          </a:fillRef>
-          <a:effectRef idx="0">
-            <a:schemeClr val="accent1"/>
-          </a:effectRef>
-          <a:fontRef idx="minor">
-            <a:schemeClr val="lt1"/>
-          </a:fontRef>
-        </p:style>
-        <p:txBody>
-          <a:bodyPr rtlCol="0" anchor="ctr"/>
-          <a:p>
-            <a:pPr algn="ctr"/>
-            <a:r>
-              <a:rPr lang="en-US" altLang="zh-CN"/>
-              <a:t>goods svr</a:t>
-            </a:r>
-            <a:endParaRPr lang="en-US" altLang="zh-CN"/>
-          </a:p>
-        </p:txBody>
-      </p:sp>
-      <p:sp>
-        <p:nvSpPr>
-          <p:cNvPr id="6" name="矩形 5"/>
-          <p:cNvSpPr/>
-          <p:nvPr/>
-        </p:nvSpPr>
-        <p:spPr>
-          <a:xfrm>
-            <a:off x="8710295" y="4635500"/>
-            <a:ext cx="1092835" cy="388620"/>
-          </a:xfrm>
-          <a:prstGeom prst="rect">
-            <a:avLst/>
-          </a:prstGeom>
-        </p:spPr>
-        <p:style>
-          <a:lnRef idx="2">
-            <a:schemeClr val="accent1">
-              <a:shade val="50000"/>
-            </a:schemeClr>
-          </a:lnRef>
-          <a:fillRef idx="1">
-            <a:schemeClr val="accent1"/>
-          </a:fillRef>
-          <a:effectRef idx="0">
-            <a:schemeClr val="accent1"/>
-          </a:effectRef>
-          <a:fontRef idx="minor">
-            <a:schemeClr val="lt1"/>
-          </a:fontRef>
-        </p:style>
-        <p:txBody>
-          <a:bodyPr rtlCol="0" anchor="ctr"/>
-          <a:p>
-            <a:pPr algn="ctr"/>
-            <a:r>
-              <a:rPr lang="en-US" altLang="zh-CN"/>
-              <a:t>order svr</a:t>
-            </a:r>
-            <a:endParaRPr lang="en-US" altLang="zh-CN"/>
-          </a:p>
-        </p:txBody>
-      </p:sp>
-      <p:sp>
-        <p:nvSpPr>
-          <p:cNvPr id="7" name="矩形 6"/>
-          <p:cNvSpPr/>
-          <p:nvPr/>
-        </p:nvSpPr>
-        <p:spPr>
-          <a:xfrm>
-            <a:off x="6304915" y="1391920"/>
-            <a:ext cx="1092835" cy="388620"/>
-          </a:xfrm>
-          <a:prstGeom prst="rect">
-            <a:avLst/>
-          </a:prstGeom>
-        </p:spPr>
-        <p:style>
-          <a:lnRef idx="2">
-            <a:schemeClr val="accent1">
-              <a:shade val="50000"/>
-            </a:schemeClr>
-          </a:lnRef>
-          <a:fillRef idx="1">
-            <a:schemeClr val="accent1"/>
-          </a:fillRef>
-          <a:effectRef idx="0">
-            <a:schemeClr val="accent1"/>
-          </a:effectRef>
-          <a:fontRef idx="minor">
-            <a:schemeClr val="lt1"/>
-          </a:fontRef>
-        </p:style>
-        <p:txBody>
-          <a:bodyPr rtlCol="0" anchor="ctr"/>
-          <a:p>
-            <a:pPr algn="ctr"/>
-            <a:r>
-              <a:rPr lang="en-US" altLang="zh-CN"/>
-              <a:t>auth web</a:t>
-            </a:r>
-            <a:endParaRPr lang="en-US" altLang="zh-CN"/>
-          </a:p>
-        </p:txBody>
-      </p:sp>
-      <p:sp>
-        <p:nvSpPr>
-          <p:cNvPr id="8" name="矩形 7"/>
-          <p:cNvSpPr/>
-          <p:nvPr/>
-        </p:nvSpPr>
-        <p:spPr>
-          <a:xfrm>
-            <a:off x="6304915" y="2734310"/>
-            <a:ext cx="1092835" cy="388620"/>
-          </a:xfrm>
-          <a:prstGeom prst="rect">
-            <a:avLst/>
-          </a:prstGeom>
-        </p:spPr>
-        <p:style>
-          <a:lnRef idx="2">
-            <a:schemeClr val="accent1">
-              <a:shade val="50000"/>
-            </a:schemeClr>
-          </a:lnRef>
-          <a:fillRef idx="1">
-            <a:schemeClr val="accent1"/>
-          </a:fillRef>
-          <a:effectRef idx="0">
-            <a:schemeClr val="accent1"/>
-          </a:effectRef>
-          <a:fontRef idx="minor">
-            <a:schemeClr val="lt1"/>
-          </a:fontRef>
-        </p:style>
-        <p:txBody>
-          <a:bodyPr rtlCol="0" anchor="ctr"/>
-          <a:p>
-            <a:pPr algn="ctr"/>
-            <a:r>
-              <a:rPr lang="en-US" altLang="zh-CN"/>
-              <a:t>mall web</a:t>
-            </a:r>
-            <a:endParaRPr lang="en-US" altLang="zh-CN"/>
-          </a:p>
-        </p:txBody>
-      </p:sp>
-      <p:sp>
-        <p:nvSpPr>
-          <p:cNvPr id="9" name="矩形 8"/>
-          <p:cNvSpPr/>
-          <p:nvPr/>
-        </p:nvSpPr>
-        <p:spPr>
-          <a:xfrm>
-            <a:off x="2933700" y="1391920"/>
-            <a:ext cx="1298575" cy="388620"/>
-          </a:xfrm>
-          <a:prstGeom prst="rect">
-            <a:avLst/>
-          </a:prstGeom>
-        </p:spPr>
-        <p:style>
-          <a:lnRef idx="2">
-            <a:schemeClr val="accent1">
-              <a:shade val="50000"/>
-            </a:schemeClr>
-          </a:lnRef>
-          <a:fillRef idx="1">
-            <a:schemeClr val="accent1"/>
-          </a:fillRef>
-          <a:effectRef idx="0">
-            <a:schemeClr val="accent1"/>
-          </a:effectRef>
-          <a:fontRef idx="minor">
-            <a:schemeClr val="lt1"/>
-          </a:fontRef>
-        </p:style>
-        <p:txBody>
-          <a:bodyPr rtlCol="0" anchor="ctr"/>
-          <a:p>
-            <a:pPr algn="ctr"/>
-            <a:r>
-              <a:rPr lang="en-US" altLang="zh-CN"/>
-              <a:t>auth front</a:t>
-            </a:r>
-            <a:endParaRPr lang="en-US" altLang="zh-CN"/>
-          </a:p>
-        </p:txBody>
-      </p:sp>
-      <p:sp>
-        <p:nvSpPr>
-          <p:cNvPr id="10" name="矩形 9"/>
-          <p:cNvSpPr/>
-          <p:nvPr/>
-        </p:nvSpPr>
-        <p:spPr>
-          <a:xfrm>
-            <a:off x="2933700" y="2734310"/>
-            <a:ext cx="1298575" cy="388620"/>
-          </a:xfrm>
-          <a:prstGeom prst="rect">
-            <a:avLst/>
-          </a:prstGeom>
-        </p:spPr>
-        <p:style>
-          <a:lnRef idx="2">
-            <a:schemeClr val="accent1">
-              <a:shade val="50000"/>
-            </a:schemeClr>
-          </a:lnRef>
-          <a:fillRef idx="1">
-            <a:schemeClr val="accent1"/>
-          </a:fillRef>
-          <a:effectRef idx="0">
-            <a:schemeClr val="accent1"/>
-          </a:effectRef>
-          <a:fontRef idx="minor">
-            <a:schemeClr val="lt1"/>
-          </a:fontRef>
-        </p:style>
-        <p:txBody>
-          <a:bodyPr rtlCol="0" anchor="ctr"/>
-          <a:p>
-            <a:pPr algn="ctr"/>
-            <a:r>
-              <a:rPr lang="en-US" altLang="zh-CN"/>
-              <a:t>auth mall</a:t>
-            </a:r>
-            <a:endParaRPr lang="en-US" altLang="zh-CN"/>
-          </a:p>
-        </p:txBody>
-      </p:sp>
-      <p:cxnSp>
-        <p:nvCxnSpPr>
-          <p:cNvPr id="11" name="直接箭头连接符 10"/>
-          <p:cNvCxnSpPr>
-            <a:stCxn id="9" idx="3"/>
-            <a:endCxn id="7" idx="1"/>
-          </p:cNvCxnSpPr>
-          <p:nvPr/>
-        </p:nvCxnSpPr>
-        <p:spPr>
-          <a:xfrm>
-            <a:off x="4232275" y="1586230"/>
-            <a:ext cx="2072640" cy="0"/>
-          </a:xfrm>
-          <a:prstGeom prst="straightConnector1">
-            <a:avLst/>
-          </a:prstGeom>
-          <a:ln>
-            <a:tailEnd type="arrow"/>
-          </a:ln>
-        </p:spPr>
-        <p:style>
-          <a:lnRef idx="1">
-            <a:schemeClr val="accent1"/>
-          </a:lnRef>
-          <a:fillRef idx="0">
-            <a:schemeClr val="accent1"/>
-          </a:fillRef>
-          <a:effectRef idx="0">
-            <a:schemeClr val="accent1"/>
-          </a:effectRef>
-          <a:fontRef idx="minor">
-            <a:schemeClr val="tx1"/>
-          </a:fontRef>
-        </p:style>
-      </p:cxnSp>
-      <p:cxnSp>
-        <p:nvCxnSpPr>
-          <p:cNvPr id="12" name="直接箭头连接符 11"/>
-          <p:cNvCxnSpPr>
-            <a:stCxn id="10" idx="3"/>
-            <a:endCxn id="8" idx="1"/>
-          </p:cNvCxnSpPr>
-          <p:nvPr/>
-        </p:nvCxnSpPr>
-        <p:spPr>
-          <a:xfrm>
-            <a:off x="4232275" y="2928620"/>
-            <a:ext cx="2072640" cy="0"/>
-          </a:xfrm>
-          <a:prstGeom prst="straightConnector1">
-            <a:avLst/>
-          </a:prstGeom>
-          <a:ln>
-            <a:tailEnd type="arrow"/>
-          </a:ln>
-        </p:spPr>
-        <p:style>
-          <a:lnRef idx="1">
-            <a:schemeClr val="accent1"/>
-          </a:lnRef>
-          <a:fillRef idx="0">
-            <a:schemeClr val="accent1"/>
-          </a:fillRef>
-          <a:effectRef idx="0">
-            <a:schemeClr val="accent1"/>
-          </a:effectRef>
-          <a:fontRef idx="minor">
-            <a:schemeClr val="tx1"/>
-          </a:fontRef>
-        </p:style>
-      </p:cxnSp>
-      <p:cxnSp>
-        <p:nvCxnSpPr>
-          <p:cNvPr id="13" name="直接箭头连接符 12"/>
-          <p:cNvCxnSpPr>
-            <a:stCxn id="7" idx="3"/>
-            <a:endCxn id="4" idx="1"/>
-          </p:cNvCxnSpPr>
-          <p:nvPr/>
-        </p:nvCxnSpPr>
-        <p:spPr>
-          <a:xfrm flipV="1">
-            <a:off x="7397750" y="1259840"/>
-            <a:ext cx="1312545" cy="326390"/>
-          </a:xfrm>
-          <a:prstGeom prst="straightConnector1">
-            <a:avLst/>
-          </a:prstGeom>
-          <a:ln>
-            <a:tailEnd type="arrow"/>
-          </a:ln>
-        </p:spPr>
-        <p:style>
-          <a:lnRef idx="1">
-            <a:schemeClr val="accent1"/>
-          </a:lnRef>
-          <a:fillRef idx="0">
-            <a:schemeClr val="accent1"/>
-          </a:fillRef>
-          <a:effectRef idx="0">
-            <a:schemeClr val="accent1"/>
-          </a:effectRef>
-          <a:fontRef idx="minor">
-            <a:schemeClr val="tx1"/>
-          </a:fontRef>
-        </p:style>
-      </p:cxnSp>
-      <p:cxnSp>
-        <p:nvCxnSpPr>
-          <p:cNvPr id="14" name="直接箭头连接符 13"/>
-          <p:cNvCxnSpPr>
-            <a:stCxn id="8" idx="3"/>
-            <a:endCxn id="5" idx="1"/>
-          </p:cNvCxnSpPr>
-          <p:nvPr/>
-        </p:nvCxnSpPr>
-        <p:spPr>
-          <a:xfrm>
-            <a:off x="7397750" y="2928620"/>
-            <a:ext cx="1312545" cy="0"/>
-          </a:xfrm>
-          <a:prstGeom prst="straightConnector1">
-            <a:avLst/>
-          </a:prstGeom>
-          <a:ln>
-            <a:tailEnd type="arrow"/>
-          </a:ln>
-        </p:spPr>
-        <p:style>
-          <a:lnRef idx="1">
-            <a:schemeClr val="accent1"/>
-          </a:lnRef>
-          <a:fillRef idx="0">
-            <a:schemeClr val="accent1"/>
-          </a:fillRef>
-          <a:effectRef idx="0">
-            <a:schemeClr val="accent1"/>
-          </a:effectRef>
-          <a:fontRef idx="minor">
-            <a:schemeClr val="tx1"/>
-          </a:fontRef>
-        </p:style>
-      </p:cxnSp>
-      <p:cxnSp>
-        <p:nvCxnSpPr>
-          <p:cNvPr id="15" name="直接箭头连接符 14"/>
-          <p:cNvCxnSpPr>
-            <a:stCxn id="8" idx="3"/>
-            <a:endCxn id="6" idx="1"/>
-          </p:cNvCxnSpPr>
-          <p:nvPr/>
-        </p:nvCxnSpPr>
-        <p:spPr>
-          <a:xfrm>
-            <a:off x="7397750" y="2928620"/>
-            <a:ext cx="1312545" cy="1901190"/>
-          </a:xfrm>
-          <a:prstGeom prst="straightConnector1">
-            <a:avLst/>
-          </a:prstGeom>
-          <a:ln>
-            <a:tailEnd type="arrow"/>
-          </a:ln>
-        </p:spPr>
-        <p:style>
-          <a:lnRef idx="1">
-            <a:schemeClr val="accent1"/>
-          </a:lnRef>
-          <a:fillRef idx="0">
-            <a:schemeClr val="accent1"/>
-          </a:fillRef>
-          <a:effectRef idx="0">
-            <a:schemeClr val="accent1"/>
-          </a:effectRef>
-          <a:fontRef idx="minor">
-            <a:schemeClr val="tx1"/>
-          </a:fontRef>
-        </p:style>
-      </p:cxnSp>
-      <p:sp>
-        <p:nvSpPr>
-          <p:cNvPr id="16" name="矩形 15"/>
-          <p:cNvSpPr/>
-          <p:nvPr/>
-        </p:nvSpPr>
-        <p:spPr>
-          <a:xfrm>
-            <a:off x="6304915" y="4196080"/>
-            <a:ext cx="1092835" cy="388620"/>
-          </a:xfrm>
-          <a:prstGeom prst="rect">
-            <a:avLst/>
-          </a:prstGeom>
-        </p:spPr>
-        <p:style>
-          <a:lnRef idx="2">
-            <a:schemeClr val="accent1">
-              <a:shade val="50000"/>
-            </a:schemeClr>
-          </a:lnRef>
-          <a:fillRef idx="1">
-            <a:schemeClr val="accent1"/>
-          </a:fillRef>
-          <a:effectRef idx="0">
-            <a:schemeClr val="accent1"/>
-          </a:effectRef>
-          <a:fontRef idx="minor">
-            <a:schemeClr val="lt1"/>
-          </a:fontRef>
-        </p:style>
-        <p:txBody>
-          <a:bodyPr rtlCol="0" anchor="ctr"/>
-          <a:p>
-            <a:pPr algn="ctr"/>
-            <a:r>
-              <a:rPr lang="en-US" altLang="zh-CN"/>
-              <a:t>APP API</a:t>
-            </a:r>
-            <a:endParaRPr lang="en-US" altLang="zh-CN"/>
-          </a:p>
-        </p:txBody>
-      </p:sp>
-      <p:cxnSp>
-        <p:nvCxnSpPr>
-          <p:cNvPr id="17" name="直接箭头连接符 16"/>
-          <p:cNvCxnSpPr>
-            <a:stCxn id="16" idx="3"/>
-            <a:endCxn id="4" idx="1"/>
-          </p:cNvCxnSpPr>
-          <p:nvPr/>
-        </p:nvCxnSpPr>
-        <p:spPr>
-          <a:xfrm flipV="1">
-            <a:off x="7397750" y="1259840"/>
-            <a:ext cx="1312545" cy="3130550"/>
-          </a:xfrm>
-          <a:prstGeom prst="straightConnector1">
-            <a:avLst/>
-          </a:prstGeom>
-          <a:ln>
-            <a:tailEnd type="arrow"/>
-          </a:ln>
-        </p:spPr>
-        <p:style>
-          <a:lnRef idx="1">
-            <a:schemeClr val="accent1"/>
-          </a:lnRef>
-          <a:fillRef idx="0">
-            <a:schemeClr val="accent1"/>
-          </a:fillRef>
-          <a:effectRef idx="0">
-            <a:schemeClr val="accent1"/>
-          </a:effectRef>
-          <a:fontRef idx="minor">
-            <a:schemeClr val="tx1"/>
-          </a:fontRef>
-        </p:style>
-      </p:cxnSp>
-      <p:cxnSp>
-        <p:nvCxnSpPr>
-          <p:cNvPr id="18" name="直接箭头连接符 17"/>
-          <p:cNvCxnSpPr>
-            <a:stCxn id="16" idx="3"/>
-            <a:endCxn id="5" idx="1"/>
-          </p:cNvCxnSpPr>
-          <p:nvPr/>
-        </p:nvCxnSpPr>
-        <p:spPr>
-          <a:xfrm flipV="1">
-            <a:off x="7397750" y="2928620"/>
-            <a:ext cx="1312545" cy="1461770"/>
-          </a:xfrm>
-          <a:prstGeom prst="straightConnector1">
-            <a:avLst/>
-          </a:prstGeom>
-          <a:ln>
-            <a:tailEnd type="arrow"/>
-          </a:ln>
-        </p:spPr>
-        <p:style>
-          <a:lnRef idx="1">
-            <a:schemeClr val="accent1"/>
-          </a:lnRef>
-          <a:fillRef idx="0">
-            <a:schemeClr val="accent1"/>
-          </a:fillRef>
-          <a:effectRef idx="0">
-            <a:schemeClr val="accent1"/>
-          </a:effectRef>
-          <a:fontRef idx="minor">
-            <a:schemeClr val="tx1"/>
-          </a:fontRef>
-        </p:style>
-      </p:cxnSp>
-      <p:cxnSp>
-        <p:nvCxnSpPr>
-          <p:cNvPr id="19" name="直接箭头连接符 18"/>
-          <p:cNvCxnSpPr>
-            <a:stCxn id="16" idx="3"/>
-            <a:endCxn id="6" idx="1"/>
-          </p:cNvCxnSpPr>
-          <p:nvPr/>
-        </p:nvCxnSpPr>
-        <p:spPr>
-          <a:xfrm>
-            <a:off x="7397750" y="4390390"/>
-            <a:ext cx="1312545" cy="439420"/>
-          </a:xfrm>
-          <a:prstGeom prst="straightConnector1">
-            <a:avLst/>
-          </a:prstGeom>
-          <a:ln>
-            <a:tailEnd type="arrow"/>
-          </a:ln>
-        </p:spPr>
-        <p:style>
-          <a:lnRef idx="1">
-            <a:schemeClr val="accent1"/>
-          </a:lnRef>
-          <a:fillRef idx="0">
-            <a:schemeClr val="accent1"/>
-          </a:fillRef>
-          <a:effectRef idx="0">
-            <a:schemeClr val="accent1"/>
-          </a:effectRef>
-          <a:fontRef idx="minor">
-            <a:schemeClr val="tx1"/>
-          </a:fontRef>
-        </p:style>
-      </p:cxnSp>
-      <p:sp>
-        <p:nvSpPr>
-          <p:cNvPr id="20" name="文本框 19"/>
-          <p:cNvSpPr txBox="1"/>
-          <p:nvPr/>
-        </p:nvSpPr>
-        <p:spPr>
-          <a:xfrm>
-            <a:off x="4371975" y="1341120"/>
-            <a:ext cx="1281430" cy="245110"/>
-          </a:xfrm>
-          <a:prstGeom prst="rect">
-            <a:avLst/>
-          </a:prstGeom>
-          <a:noFill/>
-        </p:spPr>
-        <p:txBody>
-          <a:bodyPr wrap="none" rtlCol="0">
-            <a:spAutoFit/>
-          </a:bodyPr>
-          <a:p>
-            <a:r>
-              <a:rPr lang="en-US" altLang="zh-CN" sz="1000"/>
-              <a:t>username&amp;password</a:t>
-            </a:r>
-            <a:endParaRPr lang="en-US" altLang="zh-CN" sz="1000"/>
-          </a:p>
-        </p:txBody>
-      </p:sp>
-      <p:sp>
-        <p:nvSpPr>
-          <p:cNvPr id="21" name="文本框 20"/>
-          <p:cNvSpPr txBox="1"/>
-          <p:nvPr/>
-        </p:nvSpPr>
-        <p:spPr>
-          <a:xfrm>
-            <a:off x="4495800" y="2928620"/>
-            <a:ext cx="875030" cy="245110"/>
-          </a:xfrm>
-          <a:prstGeom prst="rect">
-            <a:avLst/>
-          </a:prstGeom>
-          <a:noFill/>
-        </p:spPr>
-        <p:txBody>
-          <a:bodyPr wrap="none" rtlCol="0">
-            <a:spAutoFit/>
-          </a:bodyPr>
-          <a:p>
-            <a:r>
-              <a:rPr lang="en-US" altLang="zh-CN" sz="1000"/>
-              <a:t>access_token</a:t>
-            </a:r>
-            <a:endParaRPr lang="en-US" altLang="zh-CN" sz="1000"/>
-          </a:p>
-        </p:txBody>
-      </p:sp>
-      <p:cxnSp>
-        <p:nvCxnSpPr>
-          <p:cNvPr id="24" name="直接箭头连接符 23"/>
-          <p:cNvCxnSpPr>
-            <a:stCxn id="10" idx="3"/>
-            <a:endCxn id="7" idx="1"/>
-          </p:cNvCxnSpPr>
-          <p:nvPr/>
-        </p:nvCxnSpPr>
-        <p:spPr>
-          <a:xfrm flipV="1">
-            <a:off x="4232275" y="1586230"/>
-            <a:ext cx="2072640" cy="1342390"/>
-          </a:xfrm>
-          <a:prstGeom prst="straightConnector1">
-            <a:avLst/>
-          </a:prstGeom>
-          <a:ln>
-            <a:tailEnd type="arrow"/>
-          </a:ln>
-        </p:spPr>
-        <p:style>
-          <a:lnRef idx="1">
-            <a:schemeClr val="accent1"/>
-          </a:lnRef>
-          <a:fillRef idx="0">
-            <a:schemeClr val="accent1"/>
-          </a:fillRef>
-          <a:effectRef idx="0">
-            <a:schemeClr val="accent1"/>
-          </a:effectRef>
-          <a:fontRef idx="minor">
-            <a:schemeClr val="tx1"/>
-          </a:fontRef>
-        </p:style>
-      </p:cxnSp>
-      <p:sp>
-        <p:nvSpPr>
-          <p:cNvPr id="25" name="文本框 24"/>
-          <p:cNvSpPr txBox="1"/>
-          <p:nvPr/>
-        </p:nvSpPr>
-        <p:spPr>
-          <a:xfrm>
-            <a:off x="4495800" y="2489200"/>
-            <a:ext cx="419735" cy="245110"/>
-          </a:xfrm>
-          <a:prstGeom prst="rect">
-            <a:avLst/>
-          </a:prstGeom>
-          <a:noFill/>
-        </p:spPr>
-        <p:txBody>
-          <a:bodyPr wrap="none" rtlCol="0">
-            <a:spAutoFit/>
-          </a:bodyPr>
-          <a:p>
-            <a:r>
-              <a:rPr lang="en-US" altLang="zh-CN" sz="1000"/>
-              <a:t>auth</a:t>
-            </a:r>
-            <a:endParaRPr lang="en-US" altLang="zh-CN" sz="1000"/>
-          </a:p>
-        </p:txBody>
-      </p:sp>
-      <p:sp>
-        <p:nvSpPr>
-          <p:cNvPr id="26" name="矩形 25"/>
-          <p:cNvSpPr/>
-          <p:nvPr/>
-        </p:nvSpPr>
-        <p:spPr>
-          <a:xfrm>
-            <a:off x="2933700" y="4196080"/>
-            <a:ext cx="1298575" cy="388620"/>
-          </a:xfrm>
-          <a:prstGeom prst="rect">
-            <a:avLst/>
-          </a:prstGeom>
-        </p:spPr>
-        <p:style>
-          <a:lnRef idx="2">
-            <a:schemeClr val="accent1">
-              <a:shade val="50000"/>
-            </a:schemeClr>
-          </a:lnRef>
-          <a:fillRef idx="1">
-            <a:schemeClr val="accent1"/>
-          </a:fillRef>
-          <a:effectRef idx="0">
-            <a:schemeClr val="accent1"/>
-          </a:effectRef>
-          <a:fontRef idx="minor">
-            <a:schemeClr val="lt1"/>
-          </a:fontRef>
-        </p:style>
-        <p:txBody>
-          <a:bodyPr rtlCol="0" anchor="ctr"/>
-          <a:p>
-            <a:pPr algn="ctr"/>
-            <a:r>
-              <a:rPr lang="en-US" altLang="zh-CN"/>
-              <a:t>APP</a:t>
-            </a:r>
-            <a:endParaRPr lang="en-US" altLang="zh-CN"/>
-          </a:p>
-        </p:txBody>
-      </p:sp>
-      <p:cxnSp>
-        <p:nvCxnSpPr>
-          <p:cNvPr id="27" name="直接箭头连接符 26"/>
-          <p:cNvCxnSpPr>
-            <a:stCxn id="26" idx="3"/>
-            <a:endCxn id="7" idx="1"/>
-          </p:cNvCxnSpPr>
-          <p:nvPr/>
-        </p:nvCxnSpPr>
-        <p:spPr>
-          <a:xfrm flipV="1">
-            <a:off x="4232275" y="1586230"/>
-            <a:ext cx="2072640" cy="2804160"/>
-          </a:xfrm>
-          <a:prstGeom prst="straightConnector1">
-            <a:avLst/>
-          </a:prstGeom>
-          <a:ln>
-            <a:tailEnd type="arrow"/>
-          </a:ln>
-        </p:spPr>
-        <p:style>
-          <a:lnRef idx="1">
-            <a:schemeClr val="accent1"/>
-          </a:lnRef>
-          <a:fillRef idx="0">
-            <a:schemeClr val="accent1"/>
-          </a:fillRef>
-          <a:effectRef idx="0">
-            <a:schemeClr val="accent1"/>
-          </a:effectRef>
-          <a:fontRef idx="minor">
-            <a:schemeClr val="tx1"/>
-          </a:fontRef>
-        </p:style>
-      </p:cxnSp>
-      <p:cxnSp>
-        <p:nvCxnSpPr>
-          <p:cNvPr id="28" name="直接箭头连接符 27"/>
-          <p:cNvCxnSpPr>
-            <a:stCxn id="26" idx="3"/>
-            <a:endCxn id="16" idx="1"/>
-          </p:cNvCxnSpPr>
-          <p:nvPr/>
-        </p:nvCxnSpPr>
-        <p:spPr>
-          <a:xfrm>
-            <a:off x="4232275" y="4390390"/>
-            <a:ext cx="2072640" cy="0"/>
-          </a:xfrm>
-          <a:prstGeom prst="straightConnector1">
-            <a:avLst/>
-          </a:prstGeom>
-          <a:ln>
-            <a:tailEnd type="arrow"/>
-          </a:ln>
-        </p:spPr>
-        <p:style>
-          <a:lnRef idx="1">
-            <a:schemeClr val="accent1"/>
-          </a:lnRef>
-          <a:fillRef idx="0">
-            <a:schemeClr val="accent1"/>
-          </a:fillRef>
-          <a:effectRef idx="0">
-            <a:schemeClr val="accent1"/>
-          </a:effectRef>
-          <a:fontRef idx="minor">
-            <a:schemeClr val="tx1"/>
-          </a:fontRef>
-        </p:style>
-      </p:cxnSp>
-      <p:sp>
-        <p:nvSpPr>
-          <p:cNvPr id="29" name="文本框 28"/>
-          <p:cNvSpPr txBox="1"/>
-          <p:nvPr/>
-        </p:nvSpPr>
-        <p:spPr>
-          <a:xfrm>
-            <a:off x="4495800" y="3687445"/>
-            <a:ext cx="419735" cy="245110"/>
-          </a:xfrm>
-          <a:prstGeom prst="rect">
-            <a:avLst/>
-          </a:prstGeom>
-          <a:noFill/>
-        </p:spPr>
-        <p:txBody>
-          <a:bodyPr wrap="none" rtlCol="0">
-            <a:spAutoFit/>
-          </a:bodyPr>
-          <a:p>
-            <a:r>
-              <a:rPr lang="en-US" altLang="zh-CN" sz="1000"/>
-              <a:t>auth</a:t>
-            </a:r>
-            <a:endParaRPr lang="en-US" altLang="zh-CN" sz="1000"/>
-          </a:p>
-        </p:txBody>
-      </p:sp>
-      <p:sp>
-        <p:nvSpPr>
-          <p:cNvPr id="30" name="文本框 29"/>
-          <p:cNvSpPr txBox="1"/>
-          <p:nvPr/>
-        </p:nvSpPr>
-        <p:spPr>
-          <a:xfrm>
-            <a:off x="4495800" y="4390390"/>
-            <a:ext cx="875030" cy="245110"/>
-          </a:xfrm>
-          <a:prstGeom prst="rect">
-            <a:avLst/>
-          </a:prstGeom>
-          <a:noFill/>
-        </p:spPr>
-        <p:txBody>
-          <a:bodyPr wrap="none" rtlCol="0">
-            <a:spAutoFit/>
-          </a:bodyPr>
-          <a:p>
-            <a:r>
-              <a:rPr lang="en-US" altLang="zh-CN" sz="1000"/>
-              <a:t>access_token</a:t>
-            </a:r>
-            <a:endParaRPr lang="en-US" altLang="zh-CN" sz="1000"/>
-          </a:p>
-        </p:txBody>
-      </p:sp>
     </p:spTree>
   </p:cSld>
   <p:clrMapOvr>
